--- a/파이썬_강좌/10. 파이썬중급 - 클래스.pptx
+++ b/파이썬_강좌/10. 파이썬중급 - 클래스.pptx
@@ -1,31 +1,31 @@
 
 <file path=ppt/presentation.xml><?xml version="1.0" encoding="utf-8"?>
-<p:presentation xmlns:a="http://schemas.openxmlformats.org/drawingml/2006/main" xmlns:r="http://schemas.openxmlformats.org/officeDocument/2006/relationships" xmlns:mc="http://schemas.openxmlformats.org/markup-compatibility/2006" xmlns:mv="urn:schemas-microsoft-com:mac:vml" xmlns:p="http://schemas.openxmlformats.org/presentationml/2006/main" xmlns:c="http://schemas.openxmlformats.org/drawingml/2006/chart" xmlns:dgm="http://schemas.openxmlformats.org/drawingml/2006/diagram" xmlns:o="urn:schemas-microsoft-com:office:office" xmlns:v="urn:schemas-microsoft-com:vml" xmlns:pvml="urn:schemas-microsoft-com:office:powerpoint" xmlns:com="http://schemas.openxmlformats.org/drawingml/2006/compatibility" xmlns:p14="http://schemas.microsoft.com/office/powerpoint/2010/main" xmlns:p15="http://schemas.microsoft.com/office/powerpoint/2012/main" xmlns:ahyp="http://schemas.microsoft.com/office/drawing/2018/hyperlinkcolor" autoCompressPictures="0" strictFirstAndLastChars="0" saveSubsetFonts="1">
+<p:presentation xmlns:a="http://schemas.openxmlformats.org/drawingml/2006/main" xmlns:r="http://schemas.openxmlformats.org/officeDocument/2006/relationships" xmlns:p="http://schemas.openxmlformats.org/presentationml/2006/main" strictFirstAndLastChars="0" saveSubsetFonts="1" autoCompressPictures="0">
   <p:sldMasterIdLst>
-    <p:sldMasterId id="2147483659" r:id="rId4"/>
+    <p:sldMasterId id="2147483659" r:id="rId1"/>
   </p:sldMasterIdLst>
   <p:notesMasterIdLst>
-    <p:notesMasterId r:id="rId5"/>
+    <p:notesMasterId r:id="rId15"/>
   </p:notesMasterIdLst>
   <p:sldIdLst>
-    <p:sldId id="256" r:id="rId6"/>
-    <p:sldId id="257" r:id="rId7"/>
-    <p:sldId id="258" r:id="rId8"/>
-    <p:sldId id="259" r:id="rId9"/>
-    <p:sldId id="260" r:id="rId10"/>
-    <p:sldId id="261" r:id="rId11"/>
-    <p:sldId id="262" r:id="rId12"/>
-    <p:sldId id="263" r:id="rId13"/>
-    <p:sldId id="264" r:id="rId14"/>
-    <p:sldId id="265" r:id="rId15"/>
-    <p:sldId id="266" r:id="rId16"/>
-    <p:sldId id="267" r:id="rId17"/>
-    <p:sldId id="268" r:id="rId18"/>
+    <p:sldId id="256" r:id="rId2"/>
+    <p:sldId id="257" r:id="rId3"/>
+    <p:sldId id="258" r:id="rId4"/>
+    <p:sldId id="259" r:id="rId5"/>
+    <p:sldId id="260" r:id="rId6"/>
+    <p:sldId id="261" r:id="rId7"/>
+    <p:sldId id="262" r:id="rId8"/>
+    <p:sldId id="263" r:id="rId9"/>
+    <p:sldId id="264" r:id="rId10"/>
+    <p:sldId id="265" r:id="rId11"/>
+    <p:sldId id="266" r:id="rId12"/>
+    <p:sldId id="267" r:id="rId13"/>
+    <p:sldId id="268" r:id="rId14"/>
   </p:sldIdLst>
-  <p:sldSz cy="6858000" cx="9144000"/>
+  <p:sldSz cx="12192000" cy="6858000"/>
   <p:notesSz cx="6858000" cy="9144000"/>
   <p:defaultTextStyle>
-    <a:defPPr lvl="0" marR="0" rtl="0" algn="l">
+    <a:defPPr marR="0" lvl="0" algn="l" rtl="0">
       <a:lnSpc>
         <a:spcPct val="100000"/>
       </a:lnSpc>
@@ -36,7 +36,7 @@
         <a:spcPts val="0"/>
       </a:spcAft>
     </a:defPPr>
-    <a:lvl1pPr lvl="0" marR="0" rtl="0" algn="l">
+    <a:lvl1pPr marR="0" lvl="0" algn="l" rtl="0">
       <a:lnSpc>
         <a:spcPct val="100000"/>
       </a:lnSpc>
@@ -50,7 +50,7 @@
         <a:srgbClr val="000000"/>
       </a:buClr>
       <a:buFont typeface="Arial"/>
-      <a:defRPr b="0" i="0" sz="1400" u="none" cap="none" strike="noStrike">
+      <a:defRPr sz="1400" b="0" i="0" u="none" strike="noStrike" cap="none">
         <a:solidFill>
           <a:srgbClr val="000000"/>
         </a:solidFill>
@@ -60,7 +60,7 @@
         <a:sym typeface="Arial"/>
       </a:defRPr>
     </a:lvl1pPr>
-    <a:lvl2pPr lvl="1" marR="0" rtl="0" algn="l">
+    <a:lvl2pPr marR="0" lvl="1" algn="l" rtl="0">
       <a:lnSpc>
         <a:spcPct val="100000"/>
       </a:lnSpc>
@@ -74,7 +74,7 @@
         <a:srgbClr val="000000"/>
       </a:buClr>
       <a:buFont typeface="Arial"/>
-      <a:defRPr b="0" i="0" sz="1400" u="none" cap="none" strike="noStrike">
+      <a:defRPr sz="1400" b="0" i="0" u="none" strike="noStrike" cap="none">
         <a:solidFill>
           <a:srgbClr val="000000"/>
         </a:solidFill>
@@ -84,7 +84,7 @@
         <a:sym typeface="Arial"/>
       </a:defRPr>
     </a:lvl2pPr>
-    <a:lvl3pPr lvl="2" marR="0" rtl="0" algn="l">
+    <a:lvl3pPr marR="0" lvl="2" algn="l" rtl="0">
       <a:lnSpc>
         <a:spcPct val="100000"/>
       </a:lnSpc>
@@ -98,7 +98,7 @@
         <a:srgbClr val="000000"/>
       </a:buClr>
       <a:buFont typeface="Arial"/>
-      <a:defRPr b="0" i="0" sz="1400" u="none" cap="none" strike="noStrike">
+      <a:defRPr sz="1400" b="0" i="0" u="none" strike="noStrike" cap="none">
         <a:solidFill>
           <a:srgbClr val="000000"/>
         </a:solidFill>
@@ -108,7 +108,7 @@
         <a:sym typeface="Arial"/>
       </a:defRPr>
     </a:lvl3pPr>
-    <a:lvl4pPr lvl="3" marR="0" rtl="0" algn="l">
+    <a:lvl4pPr marR="0" lvl="3" algn="l" rtl="0">
       <a:lnSpc>
         <a:spcPct val="100000"/>
       </a:lnSpc>
@@ -122,7 +122,7 @@
         <a:srgbClr val="000000"/>
       </a:buClr>
       <a:buFont typeface="Arial"/>
-      <a:defRPr b="0" i="0" sz="1400" u="none" cap="none" strike="noStrike">
+      <a:defRPr sz="1400" b="0" i="0" u="none" strike="noStrike" cap="none">
         <a:solidFill>
           <a:srgbClr val="000000"/>
         </a:solidFill>
@@ -132,7 +132,7 @@
         <a:sym typeface="Arial"/>
       </a:defRPr>
     </a:lvl4pPr>
-    <a:lvl5pPr lvl="4" marR="0" rtl="0" algn="l">
+    <a:lvl5pPr marR="0" lvl="4" algn="l" rtl="0">
       <a:lnSpc>
         <a:spcPct val="100000"/>
       </a:lnSpc>
@@ -146,7 +146,7 @@
         <a:srgbClr val="000000"/>
       </a:buClr>
       <a:buFont typeface="Arial"/>
-      <a:defRPr b="0" i="0" sz="1400" u="none" cap="none" strike="noStrike">
+      <a:defRPr sz="1400" b="0" i="0" u="none" strike="noStrike" cap="none">
         <a:solidFill>
           <a:srgbClr val="000000"/>
         </a:solidFill>
@@ -156,7 +156,7 @@
         <a:sym typeface="Arial"/>
       </a:defRPr>
     </a:lvl5pPr>
-    <a:lvl6pPr lvl="5" marR="0" rtl="0" algn="l">
+    <a:lvl6pPr marR="0" lvl="5" algn="l" rtl="0">
       <a:lnSpc>
         <a:spcPct val="100000"/>
       </a:lnSpc>
@@ -170,7 +170,7 @@
         <a:srgbClr val="000000"/>
       </a:buClr>
       <a:buFont typeface="Arial"/>
-      <a:defRPr b="0" i="0" sz="1400" u="none" cap="none" strike="noStrike">
+      <a:defRPr sz="1400" b="0" i="0" u="none" strike="noStrike" cap="none">
         <a:solidFill>
           <a:srgbClr val="000000"/>
         </a:solidFill>
@@ -180,7 +180,7 @@
         <a:sym typeface="Arial"/>
       </a:defRPr>
     </a:lvl6pPr>
-    <a:lvl7pPr lvl="6" marR="0" rtl="0" algn="l">
+    <a:lvl7pPr marR="0" lvl="6" algn="l" rtl="0">
       <a:lnSpc>
         <a:spcPct val="100000"/>
       </a:lnSpc>
@@ -194,7 +194,7 @@
         <a:srgbClr val="000000"/>
       </a:buClr>
       <a:buFont typeface="Arial"/>
-      <a:defRPr b="0" i="0" sz="1400" u="none" cap="none" strike="noStrike">
+      <a:defRPr sz="1400" b="0" i="0" u="none" strike="noStrike" cap="none">
         <a:solidFill>
           <a:srgbClr val="000000"/>
         </a:solidFill>
@@ -204,7 +204,7 @@
         <a:sym typeface="Arial"/>
       </a:defRPr>
     </a:lvl7pPr>
-    <a:lvl8pPr lvl="7" marR="0" rtl="0" algn="l">
+    <a:lvl8pPr marR="0" lvl="7" algn="l" rtl="0">
       <a:lnSpc>
         <a:spcPct val="100000"/>
       </a:lnSpc>
@@ -218,7 +218,7 @@
         <a:srgbClr val="000000"/>
       </a:buClr>
       <a:buFont typeface="Arial"/>
-      <a:defRPr b="0" i="0" sz="1400" u="none" cap="none" strike="noStrike">
+      <a:defRPr sz="1400" b="0" i="0" u="none" strike="noStrike" cap="none">
         <a:solidFill>
           <a:srgbClr val="000000"/>
         </a:solidFill>
@@ -228,7 +228,7 @@
         <a:sym typeface="Arial"/>
       </a:defRPr>
     </a:lvl8pPr>
-    <a:lvl9pPr lvl="8" marR="0" rtl="0" algn="l">
+    <a:lvl9pPr marR="0" lvl="8" algn="l" rtl="0">
       <a:lnSpc>
         <a:spcPct val="100000"/>
       </a:lnSpc>
@@ -242,7 +242,7 @@
         <a:srgbClr val="000000"/>
       </a:buClr>
       <a:buFont typeface="Arial"/>
-      <a:defRPr b="0" i="0" sz="1400" u="none" cap="none" strike="noStrike">
+      <a:defRPr sz="1400" b="0" i="0" u="none" strike="noStrike" cap="none">
         <a:solidFill>
           <a:srgbClr val="000000"/>
         </a:solidFill>
@@ -255,13 +255,13 @@
   </p:defaultTextStyle>
   <p:extLst>
     <p:ext uri="{EFAFB233-063F-42B5-8137-9DF3F51BA10A}">
-      <p15:sldGuideLst>
-        <p15:guide id="1" orient="horz" pos="2160">
+      <p15:sldGuideLst xmlns:p15="http://schemas.microsoft.com/office/powerpoint/2012/main">
+        <p15:guide id="1" orient="horz" pos="2160" userDrawn="1">
           <p15:clr>
             <a:srgbClr val="A4A3A4"/>
           </p15:clr>
         </p15:guide>
-        <p15:guide id="2" pos="2880">
+        <p15:guide id="2" pos="3840" userDrawn="1">
           <p15:clr>
             <a:srgbClr val="A4A3A4"/>
           </p15:clr>
@@ -273,11 +273,16 @@
 </file>
 
 <file path=ppt/notesMasters/notesMaster1.xml><?xml version="1.0" encoding="utf-8"?>
-<p:notesMaster xmlns:a="http://schemas.openxmlformats.org/drawingml/2006/main" xmlns:r="http://schemas.openxmlformats.org/officeDocument/2006/relationships" xmlns:mc="http://schemas.openxmlformats.org/markup-compatibility/2006" xmlns:mv="urn:schemas-microsoft-com:mac:vml" xmlns:p="http://schemas.openxmlformats.org/presentationml/2006/main" xmlns:c="http://schemas.openxmlformats.org/drawingml/2006/chart" xmlns:dgm="http://schemas.openxmlformats.org/drawingml/2006/diagram" xmlns:o="urn:schemas-microsoft-com:office:office" xmlns:v="urn:schemas-microsoft-com:vml" xmlns:pvml="urn:schemas-microsoft-com:office:powerpoint" xmlns:com="http://schemas.openxmlformats.org/drawingml/2006/compatibility" xmlns:p14="http://schemas.microsoft.com/office/powerpoint/2010/main" xmlns:p15="http://schemas.microsoft.com/office/powerpoint/2012/main" xmlns:ahyp="http://schemas.microsoft.com/office/drawing/2018/hyperlinkcolor">
+<p:notesMaster xmlns:a="http://schemas.openxmlformats.org/drawingml/2006/main" xmlns:r="http://schemas.openxmlformats.org/officeDocument/2006/relationships" xmlns:p="http://schemas.openxmlformats.org/presentationml/2006/main">
   <p:cSld>
+    <p:bg>
+      <p:bgRef idx="1001">
+        <a:schemeClr val="bg1"/>
+      </p:bgRef>
+    </p:bg>
     <p:spTree>
       <p:nvGrpSpPr>
-        <p:cNvPr id="2" name="Shape 2"/>
+        <p:cNvPr id="1" name="Shape 2"/>
         <p:cNvGrpSpPr/>
         <p:nvPr/>
       </p:nvGrpSpPr>
@@ -292,20 +297,26 @@
       <p:sp>
         <p:nvSpPr>
           <p:cNvPr id="3" name="Google Shape;3;n"/>
-          <p:cNvSpPr/>
+          <p:cNvSpPr>
+            <a:spLocks noGrp="1" noRot="1" noChangeAspect="1"/>
+          </p:cNvSpPr>
           <p:nvPr>
-            <p:ph idx="2" type="sldImg"/>
+            <p:ph type="sldImg" idx="2"/>
           </p:nvPr>
         </p:nvSpPr>
         <p:spPr>
           <a:xfrm>
-            <a:off x="1143309" y="685800"/>
-            <a:ext cx="4572000" cy="3429000"/>
+            <a:off x="381000" y="685800"/>
+            <a:ext cx="6096000" cy="3429000"/>
           </a:xfrm>
           <a:custGeom>
-            <a:rect b="b" l="l" r="r" t="t"/>
+            <a:avLst/>
+            <a:gdLst/>
+            <a:ahLst/>
+            <a:cxnLst/>
+            <a:rect l="l" t="t" r="r" b="b"/>
             <a:pathLst>
-              <a:path extrusionOk="0" h="120000" w="120000">
+              <a:path w="120000" h="120000" extrusionOk="0">
                 <a:moveTo>
                   <a:pt x="0" y="0"/>
                 </a:moveTo>
@@ -323,23 +334,25 @@
             </a:pathLst>
           </a:custGeom>
           <a:noFill/>
-          <a:ln cap="flat" cmpd="sng" w="9525">
+          <a:ln w="9525" cap="flat" cmpd="sng">
             <a:solidFill>
               <a:srgbClr val="000000"/>
             </a:solidFill>
             <a:prstDash val="solid"/>
             <a:round/>
-            <a:headEnd len="sm" w="sm" type="none"/>
-            <a:tailEnd len="sm" w="sm" type="none"/>
+            <a:headEnd type="none" w="sm" len="sm"/>
+            <a:tailEnd type="none" w="sm" len="sm"/>
           </a:ln>
         </p:spPr>
       </p:sp>
       <p:sp>
         <p:nvSpPr>
           <p:cNvPr id="4" name="Google Shape;4;n"/>
-          <p:cNvSpPr txBox="1"/>
+          <p:cNvSpPr txBox="1">
+            <a:spLocks noGrp="1"/>
+          </p:cNvSpPr>
           <p:nvPr>
-            <p:ph idx="1" type="body"/>
+            <p:ph type="body" idx="1"/>
           </p:nvPr>
         </p:nvSpPr>
         <p:spPr>
@@ -356,11 +369,11 @@
           </a:ln>
         </p:spPr>
         <p:txBody>
-          <a:bodyPr anchorCtr="0" anchor="t" bIns="91425" lIns="91425" spcFirstLastPara="1" rIns="91425" wrap="square" tIns="91425">
+          <a:bodyPr spcFirstLastPara="1" wrap="square" lIns="91425" tIns="91425" rIns="91425" bIns="91425" anchor="t" anchorCtr="0">
             <a:noAutofit/>
           </a:bodyPr>
           <a:lstStyle>
-            <a:lvl1pPr indent="-298450" lvl="0" marL="457200">
+            <a:lvl1pPr marL="457200" lvl="0" indent="-298450">
               <a:spcBef>
                 <a:spcPts val="0"/>
               </a:spcBef>
@@ -371,7 +384,7 @@
               <a:buChar char="●"/>
               <a:defRPr sz="1100"/>
             </a:lvl1pPr>
-            <a:lvl2pPr indent="-298450" lvl="1" marL="914400">
+            <a:lvl2pPr marL="914400" lvl="1" indent="-298450">
               <a:spcBef>
                 <a:spcPts val="0"/>
               </a:spcBef>
@@ -382,7 +395,7 @@
               <a:buChar char="○"/>
               <a:defRPr sz="1100"/>
             </a:lvl2pPr>
-            <a:lvl3pPr indent="-298450" lvl="2" marL="1371600">
+            <a:lvl3pPr marL="1371600" lvl="2" indent="-298450">
               <a:spcBef>
                 <a:spcPts val="0"/>
               </a:spcBef>
@@ -393,7 +406,7 @@
               <a:buChar char="■"/>
               <a:defRPr sz="1100"/>
             </a:lvl3pPr>
-            <a:lvl4pPr indent="-298450" lvl="3" marL="1828800">
+            <a:lvl4pPr marL="1828800" lvl="3" indent="-298450">
               <a:spcBef>
                 <a:spcPts val="0"/>
               </a:spcBef>
@@ -404,7 +417,7 @@
               <a:buChar char="●"/>
               <a:defRPr sz="1100"/>
             </a:lvl4pPr>
-            <a:lvl5pPr indent="-298450" lvl="4" marL="2286000">
+            <a:lvl5pPr marL="2286000" lvl="4" indent="-298450">
               <a:spcBef>
                 <a:spcPts val="0"/>
               </a:spcBef>
@@ -415,7 +428,7 @@
               <a:buChar char="○"/>
               <a:defRPr sz="1100"/>
             </a:lvl5pPr>
-            <a:lvl6pPr indent="-298450" lvl="5" marL="2743200">
+            <a:lvl6pPr marL="2743200" lvl="5" indent="-298450">
               <a:spcBef>
                 <a:spcPts val="0"/>
               </a:spcBef>
@@ -426,7 +439,7 @@
               <a:buChar char="■"/>
               <a:defRPr sz="1100"/>
             </a:lvl6pPr>
-            <a:lvl7pPr indent="-298450" lvl="6" marL="3200400">
+            <a:lvl7pPr marL="3200400" lvl="6" indent="-298450">
               <a:spcBef>
                 <a:spcPts val="0"/>
               </a:spcBef>
@@ -437,7 +450,7 @@
               <a:buChar char="●"/>
               <a:defRPr sz="1100"/>
             </a:lvl7pPr>
-            <a:lvl8pPr indent="-298450" lvl="7" marL="3657600">
+            <a:lvl8pPr marL="3657600" lvl="7" indent="-298450">
               <a:spcBef>
                 <a:spcPts val="0"/>
               </a:spcBef>
@@ -448,7 +461,7 @@
               <a:buChar char="○"/>
               <a:defRPr sz="1100"/>
             </a:lvl8pPr>
-            <a:lvl9pPr indent="-298450" lvl="8" marL="4114800">
+            <a:lvl9pPr marL="4114800" lvl="8" indent="-298450">
               <a:spcBef>
                 <a:spcPts val="0"/>
               </a:spcBef>
@@ -460,14 +473,16 @@
               <a:defRPr sz="1100"/>
             </a:lvl9pPr>
           </a:lstStyle>
-          <a:p/>
+          <a:p>
+            <a:endParaRPr/>
+          </a:p>
         </p:txBody>
       </p:sp>
     </p:spTree>
   </p:cSld>
-  <p:clrMap accent1="accent1" accent2="accent2" accent3="accent3" accent4="accent4" accent5="accent5" accent6="accent6" bg1="lt1" bg2="dk2" tx1="dk1" tx2="lt2" folHlink="folHlink" hlink="hlink"/>
+  <p:clrMap bg1="lt1" tx1="dk1" bg2="dk2" tx2="lt2" accent1="accent1" accent2="accent2" accent3="accent3" accent4="accent4" accent5="accent5" accent6="accent6" hlink="hlink" folHlink="folHlink"/>
   <p:notesStyle>
-    <a:defPPr lvl="0" marR="0" rtl="0" algn="l">
+    <a:defPPr marR="0" lvl="0" algn="l" rtl="0">
       <a:lnSpc>
         <a:spcPct val="100000"/>
       </a:lnSpc>
@@ -478,7 +493,7 @@
         <a:spcPts val="0"/>
       </a:spcAft>
     </a:defPPr>
-    <a:lvl1pPr lvl="0" marR="0" rtl="0" algn="l">
+    <a:lvl1pPr marR="0" lvl="0" algn="l" rtl="0">
       <a:lnSpc>
         <a:spcPct val="100000"/>
       </a:lnSpc>
@@ -492,7 +507,7 @@
         <a:srgbClr val="000000"/>
       </a:buClr>
       <a:buFont typeface="Arial"/>
-      <a:defRPr b="0" i="0" sz="1400" u="none" cap="none" strike="noStrike">
+      <a:defRPr sz="1400" b="0" i="0" u="none" strike="noStrike" cap="none">
         <a:solidFill>
           <a:srgbClr val="000000"/>
         </a:solidFill>
@@ -502,7 +517,7 @@
         <a:sym typeface="Arial"/>
       </a:defRPr>
     </a:lvl1pPr>
-    <a:lvl2pPr lvl="1" marR="0" rtl="0" algn="l">
+    <a:lvl2pPr marR="0" lvl="1" algn="l" rtl="0">
       <a:lnSpc>
         <a:spcPct val="100000"/>
       </a:lnSpc>
@@ -516,7 +531,7 @@
         <a:srgbClr val="000000"/>
       </a:buClr>
       <a:buFont typeface="Arial"/>
-      <a:defRPr b="0" i="0" sz="1400" u="none" cap="none" strike="noStrike">
+      <a:defRPr sz="1400" b="0" i="0" u="none" strike="noStrike" cap="none">
         <a:solidFill>
           <a:srgbClr val="000000"/>
         </a:solidFill>
@@ -526,7 +541,7 @@
         <a:sym typeface="Arial"/>
       </a:defRPr>
     </a:lvl2pPr>
-    <a:lvl3pPr lvl="2" marR="0" rtl="0" algn="l">
+    <a:lvl3pPr marR="0" lvl="2" algn="l" rtl="0">
       <a:lnSpc>
         <a:spcPct val="100000"/>
       </a:lnSpc>
@@ -540,7 +555,7 @@
         <a:srgbClr val="000000"/>
       </a:buClr>
       <a:buFont typeface="Arial"/>
-      <a:defRPr b="0" i="0" sz="1400" u="none" cap="none" strike="noStrike">
+      <a:defRPr sz="1400" b="0" i="0" u="none" strike="noStrike" cap="none">
         <a:solidFill>
           <a:srgbClr val="000000"/>
         </a:solidFill>
@@ -550,7 +565,7 @@
         <a:sym typeface="Arial"/>
       </a:defRPr>
     </a:lvl3pPr>
-    <a:lvl4pPr lvl="3" marR="0" rtl="0" algn="l">
+    <a:lvl4pPr marR="0" lvl="3" algn="l" rtl="0">
       <a:lnSpc>
         <a:spcPct val="100000"/>
       </a:lnSpc>
@@ -564,7 +579,7 @@
         <a:srgbClr val="000000"/>
       </a:buClr>
       <a:buFont typeface="Arial"/>
-      <a:defRPr b="0" i="0" sz="1400" u="none" cap="none" strike="noStrike">
+      <a:defRPr sz="1400" b="0" i="0" u="none" strike="noStrike" cap="none">
         <a:solidFill>
           <a:srgbClr val="000000"/>
         </a:solidFill>
@@ -574,7 +589,7 @@
         <a:sym typeface="Arial"/>
       </a:defRPr>
     </a:lvl4pPr>
-    <a:lvl5pPr lvl="4" marR="0" rtl="0" algn="l">
+    <a:lvl5pPr marR="0" lvl="4" algn="l" rtl="0">
       <a:lnSpc>
         <a:spcPct val="100000"/>
       </a:lnSpc>
@@ -588,7 +603,7 @@
         <a:srgbClr val="000000"/>
       </a:buClr>
       <a:buFont typeface="Arial"/>
-      <a:defRPr b="0" i="0" sz="1400" u="none" cap="none" strike="noStrike">
+      <a:defRPr sz="1400" b="0" i="0" u="none" strike="noStrike" cap="none">
         <a:solidFill>
           <a:srgbClr val="000000"/>
         </a:solidFill>
@@ -598,7 +613,7 @@
         <a:sym typeface="Arial"/>
       </a:defRPr>
     </a:lvl5pPr>
-    <a:lvl6pPr lvl="5" marR="0" rtl="0" algn="l">
+    <a:lvl6pPr marR="0" lvl="5" algn="l" rtl="0">
       <a:lnSpc>
         <a:spcPct val="100000"/>
       </a:lnSpc>
@@ -612,7 +627,7 @@
         <a:srgbClr val="000000"/>
       </a:buClr>
       <a:buFont typeface="Arial"/>
-      <a:defRPr b="0" i="0" sz="1400" u="none" cap="none" strike="noStrike">
+      <a:defRPr sz="1400" b="0" i="0" u="none" strike="noStrike" cap="none">
         <a:solidFill>
           <a:srgbClr val="000000"/>
         </a:solidFill>
@@ -622,7 +637,7 @@
         <a:sym typeface="Arial"/>
       </a:defRPr>
     </a:lvl6pPr>
-    <a:lvl7pPr lvl="6" marR="0" rtl="0" algn="l">
+    <a:lvl7pPr marR="0" lvl="6" algn="l" rtl="0">
       <a:lnSpc>
         <a:spcPct val="100000"/>
       </a:lnSpc>
@@ -636,7 +651,7 @@
         <a:srgbClr val="000000"/>
       </a:buClr>
       <a:buFont typeface="Arial"/>
-      <a:defRPr b="0" i="0" sz="1400" u="none" cap="none" strike="noStrike">
+      <a:defRPr sz="1400" b="0" i="0" u="none" strike="noStrike" cap="none">
         <a:solidFill>
           <a:srgbClr val="000000"/>
         </a:solidFill>
@@ -646,7 +661,7 @@
         <a:sym typeface="Arial"/>
       </a:defRPr>
     </a:lvl7pPr>
-    <a:lvl8pPr lvl="7" marR="0" rtl="0" algn="l">
+    <a:lvl8pPr marR="0" lvl="7" algn="l" rtl="0">
       <a:lnSpc>
         <a:spcPct val="100000"/>
       </a:lnSpc>
@@ -660,7 +675,7 @@
         <a:srgbClr val="000000"/>
       </a:buClr>
       <a:buFont typeface="Arial"/>
-      <a:defRPr b="0" i="0" sz="1400" u="none" cap="none" strike="noStrike">
+      <a:defRPr sz="1400" b="0" i="0" u="none" strike="noStrike" cap="none">
         <a:solidFill>
           <a:srgbClr val="000000"/>
         </a:solidFill>
@@ -670,7 +685,7 @@
         <a:sym typeface="Arial"/>
       </a:defRPr>
     </a:lvl8pPr>
-    <a:lvl9pPr lvl="8" marR="0" rtl="0" algn="l">
+    <a:lvl9pPr marR="0" lvl="8" algn="l" rtl="0">
       <a:lnSpc>
         <a:spcPct val="100000"/>
       </a:lnSpc>
@@ -684,7 +699,7 @@
         <a:srgbClr val="000000"/>
       </a:buClr>
       <a:buFont typeface="Arial"/>
-      <a:defRPr b="0" i="0" sz="1400" u="none" cap="none" strike="noStrike">
+      <a:defRPr sz="1400" b="0" i="0" u="none" strike="noStrike" cap="none">
         <a:solidFill>
           <a:srgbClr val="000000"/>
         </a:solidFill>
@@ -699,11 +714,11 @@
 </file>
 
 <file path=ppt/notesSlides/notesSlide1.xml><?xml version="1.0" encoding="utf-8"?>
-<p:notes xmlns:a="http://schemas.openxmlformats.org/drawingml/2006/main" xmlns:r="http://schemas.openxmlformats.org/officeDocument/2006/relationships" xmlns:mc="http://schemas.openxmlformats.org/markup-compatibility/2006" xmlns:mv="urn:schemas-microsoft-com:mac:vml" xmlns:p="http://schemas.openxmlformats.org/presentationml/2006/main" xmlns:c="http://schemas.openxmlformats.org/drawingml/2006/chart" xmlns:dgm="http://schemas.openxmlformats.org/drawingml/2006/diagram" xmlns:o="urn:schemas-microsoft-com:office:office" xmlns:v="urn:schemas-microsoft-com:vml" xmlns:pvml="urn:schemas-microsoft-com:office:powerpoint" xmlns:com="http://schemas.openxmlformats.org/drawingml/2006/compatibility" xmlns:p14="http://schemas.microsoft.com/office/powerpoint/2010/main" xmlns:p15="http://schemas.microsoft.com/office/powerpoint/2012/main" xmlns:ahyp="http://schemas.microsoft.com/office/drawing/2018/hyperlinkcolor" showMasterPhAnim="0" showMasterSp="0">
+<p:notes xmlns:a="http://schemas.openxmlformats.org/drawingml/2006/main" xmlns:r="http://schemas.openxmlformats.org/officeDocument/2006/relationships" xmlns:p="http://schemas.openxmlformats.org/presentationml/2006/main" showMasterSp="0" showMasterPhAnim="0">
   <p:cSld>
     <p:spTree>
       <p:nvGrpSpPr>
-        <p:cNvPr id="50" name="Shape 50"/>
+        <p:cNvPr id="1" name="Shape 50"/>
         <p:cNvGrpSpPr/>
         <p:nvPr/>
       </p:nvGrpSpPr>
@@ -718,20 +733,26 @@
       <p:sp>
         <p:nvSpPr>
           <p:cNvPr id="51" name="Google Shape;51;p:notes"/>
-          <p:cNvSpPr/>
+          <p:cNvSpPr>
+            <a:spLocks noGrp="1" noRot="1" noChangeAspect="1"/>
+          </p:cNvSpPr>
           <p:nvPr>
-            <p:ph idx="2" type="sldImg"/>
+            <p:ph type="sldImg" idx="2"/>
           </p:nvPr>
         </p:nvSpPr>
         <p:spPr>
           <a:xfrm>
-            <a:off x="1143309" y="685800"/>
-            <a:ext cx="4572000" cy="3429000"/>
+            <a:off x="381000" y="685800"/>
+            <a:ext cx="6096000" cy="3429000"/>
           </a:xfrm>
           <a:custGeom>
-            <a:rect b="b" l="l" r="r" t="t"/>
+            <a:avLst/>
+            <a:gdLst/>
+            <a:ahLst/>
+            <a:cxnLst/>
+            <a:rect l="l" t="t" r="r" b="b"/>
             <a:pathLst>
-              <a:path extrusionOk="0" h="120000" w="120000">
+              <a:path w="120000" h="120000" extrusionOk="0">
                 <a:moveTo>
                   <a:pt x="0" y="0"/>
                 </a:moveTo>
@@ -753,9 +774,11 @@
       <p:sp>
         <p:nvSpPr>
           <p:cNvPr id="52" name="Google Shape;52;p:notes"/>
-          <p:cNvSpPr txBox="1"/>
+          <p:cNvSpPr txBox="1">
+            <a:spLocks noGrp="1"/>
+          </p:cNvSpPr>
           <p:nvPr>
-            <p:ph idx="1" type="body"/>
+            <p:ph type="body" idx="1"/>
           </p:nvPr>
         </p:nvSpPr>
         <p:spPr>
@@ -768,12 +791,12 @@
           </a:prstGeom>
         </p:spPr>
         <p:txBody>
-          <a:bodyPr anchorCtr="0" anchor="t" bIns="91425" lIns="91425" spcFirstLastPara="1" rIns="91425" wrap="square" tIns="91425">
+          <a:bodyPr spcFirstLastPara="1" wrap="square" lIns="91425" tIns="91425" rIns="91425" bIns="91425" anchor="t" anchorCtr="0">
             <a:noAutofit/>
           </a:bodyPr>
           <a:lstStyle/>
           <a:p>
-            <a:pPr indent="0" lvl="0" marL="0" rtl="0" algn="l">
+            <a:pPr marL="0" lvl="0" indent="0" algn="l" rtl="0">
               <a:spcBef>
                 <a:spcPts val="0"/>
               </a:spcBef>
@@ -782,9 +805,6 @@
               </a:spcAft>
               <a:buNone/>
             </a:pPr>
-            <a:r>
-              <a:t/>
-            </a:r>
             <a:endParaRPr/>
           </a:p>
         </p:txBody>
@@ -798,11 +818,11 @@
 </file>
 
 <file path=ppt/notesSlides/notesSlide10.xml><?xml version="1.0" encoding="utf-8"?>
-<p:notes xmlns:a="http://schemas.openxmlformats.org/drawingml/2006/main" xmlns:r="http://schemas.openxmlformats.org/officeDocument/2006/relationships" xmlns:mc="http://schemas.openxmlformats.org/markup-compatibility/2006" xmlns:mv="urn:schemas-microsoft-com:mac:vml" xmlns:p="http://schemas.openxmlformats.org/presentationml/2006/main" xmlns:c="http://schemas.openxmlformats.org/drawingml/2006/chart" xmlns:dgm="http://schemas.openxmlformats.org/drawingml/2006/diagram" xmlns:o="urn:schemas-microsoft-com:office:office" xmlns:v="urn:schemas-microsoft-com:vml" xmlns:pvml="urn:schemas-microsoft-com:office:powerpoint" xmlns:com="http://schemas.openxmlformats.org/drawingml/2006/compatibility" xmlns:p14="http://schemas.microsoft.com/office/powerpoint/2010/main" xmlns:p15="http://schemas.microsoft.com/office/powerpoint/2012/main" xmlns:ahyp="http://schemas.microsoft.com/office/drawing/2018/hyperlinkcolor" showMasterPhAnim="0" showMasterSp="0">
+<p:notes xmlns:a="http://schemas.openxmlformats.org/drawingml/2006/main" xmlns:r="http://schemas.openxmlformats.org/officeDocument/2006/relationships" xmlns:p="http://schemas.openxmlformats.org/presentationml/2006/main" showMasterSp="0" showMasterPhAnim="0">
   <p:cSld>
     <p:spTree>
       <p:nvGrpSpPr>
-        <p:cNvPr id="156" name="Shape 156"/>
+        <p:cNvPr id="1" name="Shape 156"/>
         <p:cNvGrpSpPr/>
         <p:nvPr/>
       </p:nvGrpSpPr>
@@ -817,20 +837,26 @@
       <p:sp>
         <p:nvSpPr>
           <p:cNvPr id="157" name="Google Shape;157;g119452ac1ee_1_96:notes"/>
-          <p:cNvSpPr/>
+          <p:cNvSpPr>
+            <a:spLocks noGrp="1" noRot="1" noChangeAspect="1"/>
+          </p:cNvSpPr>
           <p:nvPr>
-            <p:ph idx="2" type="sldImg"/>
+            <p:ph type="sldImg" idx="2"/>
           </p:nvPr>
         </p:nvSpPr>
         <p:spPr>
           <a:xfrm>
-            <a:off x="1143309" y="685800"/>
-            <a:ext cx="4572000" cy="3429000"/>
+            <a:off x="381000" y="685800"/>
+            <a:ext cx="6096000" cy="3429000"/>
           </a:xfrm>
           <a:custGeom>
-            <a:rect b="b" l="l" r="r" t="t"/>
+            <a:avLst/>
+            <a:gdLst/>
+            <a:ahLst/>
+            <a:cxnLst/>
+            <a:rect l="l" t="t" r="r" b="b"/>
             <a:pathLst>
-              <a:path extrusionOk="0" h="120000" w="120000">
+              <a:path w="120000" h="120000" extrusionOk="0">
                 <a:moveTo>
                   <a:pt x="0" y="0"/>
                 </a:moveTo>
@@ -852,9 +878,11 @@
       <p:sp>
         <p:nvSpPr>
           <p:cNvPr id="158" name="Google Shape;158;g119452ac1ee_1_96:notes"/>
-          <p:cNvSpPr txBox="1"/>
+          <p:cNvSpPr txBox="1">
+            <a:spLocks noGrp="1"/>
+          </p:cNvSpPr>
           <p:nvPr>
-            <p:ph idx="1" type="body"/>
+            <p:ph type="body" idx="1"/>
           </p:nvPr>
         </p:nvSpPr>
         <p:spPr>
@@ -867,12 +895,12 @@
           </a:prstGeom>
         </p:spPr>
         <p:txBody>
-          <a:bodyPr anchorCtr="0" anchor="t" bIns="91425" lIns="91425" spcFirstLastPara="1" rIns="91425" wrap="square" tIns="91425">
+          <a:bodyPr spcFirstLastPara="1" wrap="square" lIns="91425" tIns="91425" rIns="91425" bIns="91425" anchor="t" anchorCtr="0">
             <a:noAutofit/>
           </a:bodyPr>
           <a:lstStyle/>
           <a:p>
-            <a:pPr indent="0" lvl="0" marL="0" rtl="0" algn="l">
+            <a:pPr marL="0" lvl="0" indent="0" algn="l" rtl="0">
               <a:spcBef>
                 <a:spcPts val="0"/>
               </a:spcBef>
@@ -881,9 +909,6 @@
               </a:spcAft>
               <a:buNone/>
             </a:pPr>
-            <a:r>
-              <a:t/>
-            </a:r>
             <a:endParaRPr/>
           </a:p>
         </p:txBody>
@@ -897,11 +922,11 @@
 </file>
 
 <file path=ppt/notesSlides/notesSlide11.xml><?xml version="1.0" encoding="utf-8"?>
-<p:notes xmlns:a="http://schemas.openxmlformats.org/drawingml/2006/main" xmlns:r="http://schemas.openxmlformats.org/officeDocument/2006/relationships" xmlns:mc="http://schemas.openxmlformats.org/markup-compatibility/2006" xmlns:mv="urn:schemas-microsoft-com:mac:vml" xmlns:p="http://schemas.openxmlformats.org/presentationml/2006/main" xmlns:c="http://schemas.openxmlformats.org/drawingml/2006/chart" xmlns:dgm="http://schemas.openxmlformats.org/drawingml/2006/diagram" xmlns:o="urn:schemas-microsoft-com:office:office" xmlns:v="urn:schemas-microsoft-com:vml" xmlns:pvml="urn:schemas-microsoft-com:office:powerpoint" xmlns:com="http://schemas.openxmlformats.org/drawingml/2006/compatibility" xmlns:p14="http://schemas.microsoft.com/office/powerpoint/2010/main" xmlns:p15="http://schemas.microsoft.com/office/powerpoint/2012/main" xmlns:ahyp="http://schemas.microsoft.com/office/drawing/2018/hyperlinkcolor" showMasterPhAnim="0" showMasterSp="0">
+<p:notes xmlns:a="http://schemas.openxmlformats.org/drawingml/2006/main" xmlns:r="http://schemas.openxmlformats.org/officeDocument/2006/relationships" xmlns:p="http://schemas.openxmlformats.org/presentationml/2006/main" showMasterSp="0" showMasterPhAnim="0">
   <p:cSld>
     <p:spTree>
       <p:nvGrpSpPr>
-        <p:cNvPr id="162" name="Shape 162"/>
+        <p:cNvPr id="1" name="Shape 162"/>
         <p:cNvGrpSpPr/>
         <p:nvPr/>
       </p:nvGrpSpPr>
@@ -916,20 +941,26 @@
       <p:sp>
         <p:nvSpPr>
           <p:cNvPr id="163" name="Google Shape;163;g119452ac1ee_1_101:notes"/>
-          <p:cNvSpPr/>
+          <p:cNvSpPr>
+            <a:spLocks noGrp="1" noRot="1" noChangeAspect="1"/>
+          </p:cNvSpPr>
           <p:nvPr>
-            <p:ph idx="2" type="sldImg"/>
+            <p:ph type="sldImg" idx="2"/>
           </p:nvPr>
         </p:nvSpPr>
         <p:spPr>
           <a:xfrm>
-            <a:off x="1143309" y="685800"/>
-            <a:ext cx="4572000" cy="3429000"/>
+            <a:off x="381000" y="685800"/>
+            <a:ext cx="6096000" cy="3429000"/>
           </a:xfrm>
           <a:custGeom>
-            <a:rect b="b" l="l" r="r" t="t"/>
+            <a:avLst/>
+            <a:gdLst/>
+            <a:ahLst/>
+            <a:cxnLst/>
+            <a:rect l="l" t="t" r="r" b="b"/>
             <a:pathLst>
-              <a:path extrusionOk="0" h="120000" w="120000">
+              <a:path w="120000" h="120000" extrusionOk="0">
                 <a:moveTo>
                   <a:pt x="0" y="0"/>
                 </a:moveTo>
@@ -951,9 +982,11 @@
       <p:sp>
         <p:nvSpPr>
           <p:cNvPr id="164" name="Google Shape;164;g119452ac1ee_1_101:notes"/>
-          <p:cNvSpPr txBox="1"/>
+          <p:cNvSpPr txBox="1">
+            <a:spLocks noGrp="1"/>
+          </p:cNvSpPr>
           <p:nvPr>
-            <p:ph idx="1" type="body"/>
+            <p:ph type="body" idx="1"/>
           </p:nvPr>
         </p:nvSpPr>
         <p:spPr>
@@ -966,12 +999,12 @@
           </a:prstGeom>
         </p:spPr>
         <p:txBody>
-          <a:bodyPr anchorCtr="0" anchor="t" bIns="91425" lIns="91425" spcFirstLastPara="1" rIns="91425" wrap="square" tIns="91425">
+          <a:bodyPr spcFirstLastPara="1" wrap="square" lIns="91425" tIns="91425" rIns="91425" bIns="91425" anchor="t" anchorCtr="0">
             <a:noAutofit/>
           </a:bodyPr>
           <a:lstStyle/>
           <a:p>
-            <a:pPr indent="0" lvl="0" marL="0" rtl="0" algn="l">
+            <a:pPr marL="0" lvl="0" indent="0" algn="l" rtl="0">
               <a:spcBef>
                 <a:spcPts val="0"/>
               </a:spcBef>
@@ -980,9 +1013,6 @@
               </a:spcAft>
               <a:buNone/>
             </a:pPr>
-            <a:r>
-              <a:t/>
-            </a:r>
             <a:endParaRPr/>
           </a:p>
         </p:txBody>
@@ -996,11 +1026,11 @@
 </file>
 
 <file path=ppt/notesSlides/notesSlide12.xml><?xml version="1.0" encoding="utf-8"?>
-<p:notes xmlns:a="http://schemas.openxmlformats.org/drawingml/2006/main" xmlns:r="http://schemas.openxmlformats.org/officeDocument/2006/relationships" xmlns:mc="http://schemas.openxmlformats.org/markup-compatibility/2006" xmlns:mv="urn:schemas-microsoft-com:mac:vml" xmlns:p="http://schemas.openxmlformats.org/presentationml/2006/main" xmlns:c="http://schemas.openxmlformats.org/drawingml/2006/chart" xmlns:dgm="http://schemas.openxmlformats.org/drawingml/2006/diagram" xmlns:o="urn:schemas-microsoft-com:office:office" xmlns:v="urn:schemas-microsoft-com:vml" xmlns:pvml="urn:schemas-microsoft-com:office:powerpoint" xmlns:com="http://schemas.openxmlformats.org/drawingml/2006/compatibility" xmlns:p14="http://schemas.microsoft.com/office/powerpoint/2010/main" xmlns:p15="http://schemas.microsoft.com/office/powerpoint/2012/main" xmlns:ahyp="http://schemas.microsoft.com/office/drawing/2018/hyperlinkcolor" showMasterPhAnim="0" showMasterSp="0">
+<p:notes xmlns:a="http://schemas.openxmlformats.org/drawingml/2006/main" xmlns:r="http://schemas.openxmlformats.org/officeDocument/2006/relationships" xmlns:p="http://schemas.openxmlformats.org/presentationml/2006/main" showMasterSp="0" showMasterPhAnim="0">
   <p:cSld>
     <p:spTree>
       <p:nvGrpSpPr>
-        <p:cNvPr id="168" name="Shape 168"/>
+        <p:cNvPr id="1" name="Shape 168"/>
         <p:cNvGrpSpPr/>
         <p:nvPr/>
       </p:nvGrpSpPr>
@@ -1015,20 +1045,26 @@
       <p:sp>
         <p:nvSpPr>
           <p:cNvPr id="169" name="Google Shape;169;g119452ac1ee_1_106:notes"/>
-          <p:cNvSpPr/>
+          <p:cNvSpPr>
+            <a:spLocks noGrp="1" noRot="1" noChangeAspect="1"/>
+          </p:cNvSpPr>
           <p:nvPr>
-            <p:ph idx="2" type="sldImg"/>
+            <p:ph type="sldImg" idx="2"/>
           </p:nvPr>
         </p:nvSpPr>
         <p:spPr>
           <a:xfrm>
-            <a:off x="1143309" y="685800"/>
-            <a:ext cx="4572000" cy="3429000"/>
+            <a:off x="381000" y="685800"/>
+            <a:ext cx="6096000" cy="3429000"/>
           </a:xfrm>
           <a:custGeom>
-            <a:rect b="b" l="l" r="r" t="t"/>
+            <a:avLst/>
+            <a:gdLst/>
+            <a:ahLst/>
+            <a:cxnLst/>
+            <a:rect l="l" t="t" r="r" b="b"/>
             <a:pathLst>
-              <a:path extrusionOk="0" h="120000" w="120000">
+              <a:path w="120000" h="120000" extrusionOk="0">
                 <a:moveTo>
                   <a:pt x="0" y="0"/>
                 </a:moveTo>
@@ -1050,9 +1086,11 @@
       <p:sp>
         <p:nvSpPr>
           <p:cNvPr id="170" name="Google Shape;170;g119452ac1ee_1_106:notes"/>
-          <p:cNvSpPr txBox="1"/>
+          <p:cNvSpPr txBox="1">
+            <a:spLocks noGrp="1"/>
+          </p:cNvSpPr>
           <p:nvPr>
-            <p:ph idx="1" type="body"/>
+            <p:ph type="body" idx="1"/>
           </p:nvPr>
         </p:nvSpPr>
         <p:spPr>
@@ -1065,12 +1103,12 @@
           </a:prstGeom>
         </p:spPr>
         <p:txBody>
-          <a:bodyPr anchorCtr="0" anchor="t" bIns="91425" lIns="91425" spcFirstLastPara="1" rIns="91425" wrap="square" tIns="91425">
+          <a:bodyPr spcFirstLastPara="1" wrap="square" lIns="91425" tIns="91425" rIns="91425" bIns="91425" anchor="t" anchorCtr="0">
             <a:noAutofit/>
           </a:bodyPr>
           <a:lstStyle/>
           <a:p>
-            <a:pPr indent="0" lvl="0" marL="0" rtl="0" algn="l">
+            <a:pPr marL="0" lvl="0" indent="0" algn="l" rtl="0">
               <a:spcBef>
                 <a:spcPts val="0"/>
               </a:spcBef>
@@ -1079,9 +1117,6 @@
               </a:spcAft>
               <a:buNone/>
             </a:pPr>
-            <a:r>
-              <a:t/>
-            </a:r>
             <a:endParaRPr/>
           </a:p>
         </p:txBody>
@@ -1095,11 +1130,11 @@
 </file>
 
 <file path=ppt/notesSlides/notesSlide13.xml><?xml version="1.0" encoding="utf-8"?>
-<p:notes xmlns:a="http://schemas.openxmlformats.org/drawingml/2006/main" xmlns:r="http://schemas.openxmlformats.org/officeDocument/2006/relationships" xmlns:mc="http://schemas.openxmlformats.org/markup-compatibility/2006" xmlns:mv="urn:schemas-microsoft-com:mac:vml" xmlns:p="http://schemas.openxmlformats.org/presentationml/2006/main" xmlns:c="http://schemas.openxmlformats.org/drawingml/2006/chart" xmlns:dgm="http://schemas.openxmlformats.org/drawingml/2006/diagram" xmlns:o="urn:schemas-microsoft-com:office:office" xmlns:v="urn:schemas-microsoft-com:vml" xmlns:pvml="urn:schemas-microsoft-com:office:powerpoint" xmlns:com="http://schemas.openxmlformats.org/drawingml/2006/compatibility" xmlns:p14="http://schemas.microsoft.com/office/powerpoint/2010/main" xmlns:p15="http://schemas.microsoft.com/office/powerpoint/2012/main" xmlns:ahyp="http://schemas.microsoft.com/office/drawing/2018/hyperlinkcolor" showMasterPhAnim="0" showMasterSp="0">
+<p:notes xmlns:a="http://schemas.openxmlformats.org/drawingml/2006/main" xmlns:r="http://schemas.openxmlformats.org/officeDocument/2006/relationships" xmlns:p="http://schemas.openxmlformats.org/presentationml/2006/main" showMasterSp="0" showMasterPhAnim="0">
   <p:cSld>
     <p:spTree>
       <p:nvGrpSpPr>
-        <p:cNvPr id="174" name="Shape 174"/>
+        <p:cNvPr id="1" name="Shape 174"/>
         <p:cNvGrpSpPr/>
         <p:nvPr/>
       </p:nvGrpSpPr>
@@ -1114,20 +1149,26 @@
       <p:sp>
         <p:nvSpPr>
           <p:cNvPr id="175" name="Google Shape;175;g119452ac1ee_1_111:notes"/>
-          <p:cNvSpPr/>
+          <p:cNvSpPr>
+            <a:spLocks noGrp="1" noRot="1" noChangeAspect="1"/>
+          </p:cNvSpPr>
           <p:nvPr>
-            <p:ph idx="2" type="sldImg"/>
+            <p:ph type="sldImg" idx="2"/>
           </p:nvPr>
         </p:nvSpPr>
         <p:spPr>
           <a:xfrm>
-            <a:off x="1143309" y="685800"/>
-            <a:ext cx="4572000" cy="3429000"/>
+            <a:off x="381000" y="685800"/>
+            <a:ext cx="6096000" cy="3429000"/>
           </a:xfrm>
           <a:custGeom>
-            <a:rect b="b" l="l" r="r" t="t"/>
+            <a:avLst/>
+            <a:gdLst/>
+            <a:ahLst/>
+            <a:cxnLst/>
+            <a:rect l="l" t="t" r="r" b="b"/>
             <a:pathLst>
-              <a:path extrusionOk="0" h="120000" w="120000">
+              <a:path w="120000" h="120000" extrusionOk="0">
                 <a:moveTo>
                   <a:pt x="0" y="0"/>
                 </a:moveTo>
@@ -1149,9 +1190,11 @@
       <p:sp>
         <p:nvSpPr>
           <p:cNvPr id="176" name="Google Shape;176;g119452ac1ee_1_111:notes"/>
-          <p:cNvSpPr txBox="1"/>
+          <p:cNvSpPr txBox="1">
+            <a:spLocks noGrp="1"/>
+          </p:cNvSpPr>
           <p:nvPr>
-            <p:ph idx="1" type="body"/>
+            <p:ph type="body" idx="1"/>
           </p:nvPr>
         </p:nvSpPr>
         <p:spPr>
@@ -1164,12 +1207,12 @@
           </a:prstGeom>
         </p:spPr>
         <p:txBody>
-          <a:bodyPr anchorCtr="0" anchor="t" bIns="91425" lIns="91425" spcFirstLastPara="1" rIns="91425" wrap="square" tIns="91425">
+          <a:bodyPr spcFirstLastPara="1" wrap="square" lIns="91425" tIns="91425" rIns="91425" bIns="91425" anchor="t" anchorCtr="0">
             <a:noAutofit/>
           </a:bodyPr>
           <a:lstStyle/>
           <a:p>
-            <a:pPr indent="0" lvl="0" marL="0" rtl="0" algn="l">
+            <a:pPr marL="0" lvl="0" indent="0" algn="l" rtl="0">
               <a:spcBef>
                 <a:spcPts val="0"/>
               </a:spcBef>
@@ -1178,9 +1221,6 @@
               </a:spcAft>
               <a:buNone/>
             </a:pPr>
-            <a:r>
-              <a:t/>
-            </a:r>
             <a:endParaRPr/>
           </a:p>
         </p:txBody>
@@ -1194,11 +1234,11 @@
 </file>
 
 <file path=ppt/notesSlides/notesSlide2.xml><?xml version="1.0" encoding="utf-8"?>
-<p:notes xmlns:a="http://schemas.openxmlformats.org/drawingml/2006/main" xmlns:r="http://schemas.openxmlformats.org/officeDocument/2006/relationships" xmlns:mc="http://schemas.openxmlformats.org/markup-compatibility/2006" xmlns:mv="urn:schemas-microsoft-com:mac:vml" xmlns:p="http://schemas.openxmlformats.org/presentationml/2006/main" xmlns:c="http://schemas.openxmlformats.org/drawingml/2006/chart" xmlns:dgm="http://schemas.openxmlformats.org/drawingml/2006/diagram" xmlns:o="urn:schemas-microsoft-com:office:office" xmlns:v="urn:schemas-microsoft-com:vml" xmlns:pvml="urn:schemas-microsoft-com:office:powerpoint" xmlns:com="http://schemas.openxmlformats.org/drawingml/2006/compatibility" xmlns:p14="http://schemas.microsoft.com/office/powerpoint/2010/main" xmlns:p15="http://schemas.microsoft.com/office/powerpoint/2012/main" xmlns:ahyp="http://schemas.microsoft.com/office/drawing/2018/hyperlinkcolor" showMasterPhAnim="0" showMasterSp="0">
+<p:notes xmlns:a="http://schemas.openxmlformats.org/drawingml/2006/main" xmlns:r="http://schemas.openxmlformats.org/officeDocument/2006/relationships" xmlns:p="http://schemas.openxmlformats.org/presentationml/2006/main" showMasterSp="0" showMasterPhAnim="0">
   <p:cSld>
     <p:spTree>
       <p:nvGrpSpPr>
-        <p:cNvPr id="56" name="Shape 56"/>
+        <p:cNvPr id="1" name="Shape 56"/>
         <p:cNvGrpSpPr/>
         <p:nvPr/>
       </p:nvGrpSpPr>
@@ -1213,20 +1253,26 @@
       <p:sp>
         <p:nvSpPr>
           <p:cNvPr id="57" name="Google Shape;57;g119452ac1ee_1_0:notes"/>
-          <p:cNvSpPr/>
+          <p:cNvSpPr>
+            <a:spLocks noGrp="1" noRot="1" noChangeAspect="1"/>
+          </p:cNvSpPr>
           <p:nvPr>
-            <p:ph idx="2" type="sldImg"/>
+            <p:ph type="sldImg" idx="2"/>
           </p:nvPr>
         </p:nvSpPr>
         <p:spPr>
           <a:xfrm>
-            <a:off x="1143309" y="685800"/>
-            <a:ext cx="4572000" cy="3429000"/>
+            <a:off x="381000" y="685800"/>
+            <a:ext cx="6096000" cy="3429000"/>
           </a:xfrm>
           <a:custGeom>
-            <a:rect b="b" l="l" r="r" t="t"/>
+            <a:avLst/>
+            <a:gdLst/>
+            <a:ahLst/>
+            <a:cxnLst/>
+            <a:rect l="l" t="t" r="r" b="b"/>
             <a:pathLst>
-              <a:path extrusionOk="0" h="120000" w="120000">
+              <a:path w="120000" h="120000" extrusionOk="0">
                 <a:moveTo>
                   <a:pt x="0" y="0"/>
                 </a:moveTo>
@@ -1248,9 +1294,11 @@
       <p:sp>
         <p:nvSpPr>
           <p:cNvPr id="58" name="Google Shape;58;g119452ac1ee_1_0:notes"/>
-          <p:cNvSpPr txBox="1"/>
+          <p:cNvSpPr txBox="1">
+            <a:spLocks noGrp="1"/>
+          </p:cNvSpPr>
           <p:nvPr>
-            <p:ph idx="1" type="body"/>
+            <p:ph type="body" idx="1"/>
           </p:nvPr>
         </p:nvSpPr>
         <p:spPr>
@@ -1263,12 +1311,12 @@
           </a:prstGeom>
         </p:spPr>
         <p:txBody>
-          <a:bodyPr anchorCtr="0" anchor="t" bIns="91425" lIns="91425" spcFirstLastPara="1" rIns="91425" wrap="square" tIns="91425">
+          <a:bodyPr spcFirstLastPara="1" wrap="square" lIns="91425" tIns="91425" rIns="91425" bIns="91425" anchor="t" anchorCtr="0">
             <a:noAutofit/>
           </a:bodyPr>
           <a:lstStyle/>
           <a:p>
-            <a:pPr indent="0" lvl="0" marL="0" rtl="0" algn="l">
+            <a:pPr marL="0" lvl="0" indent="0" algn="l" rtl="0">
               <a:spcBef>
                 <a:spcPts val="0"/>
               </a:spcBef>
@@ -1277,9 +1325,6 @@
               </a:spcAft>
               <a:buNone/>
             </a:pPr>
-            <a:r>
-              <a:t/>
-            </a:r>
             <a:endParaRPr/>
           </a:p>
         </p:txBody>
@@ -1293,11 +1338,11 @@
 </file>
 
 <file path=ppt/notesSlides/notesSlide3.xml><?xml version="1.0" encoding="utf-8"?>
-<p:notes xmlns:a="http://schemas.openxmlformats.org/drawingml/2006/main" xmlns:r="http://schemas.openxmlformats.org/officeDocument/2006/relationships" xmlns:mc="http://schemas.openxmlformats.org/markup-compatibility/2006" xmlns:mv="urn:schemas-microsoft-com:mac:vml" xmlns:p="http://schemas.openxmlformats.org/presentationml/2006/main" xmlns:c="http://schemas.openxmlformats.org/drawingml/2006/chart" xmlns:dgm="http://schemas.openxmlformats.org/drawingml/2006/diagram" xmlns:o="urn:schemas-microsoft-com:office:office" xmlns:v="urn:schemas-microsoft-com:vml" xmlns:pvml="urn:schemas-microsoft-com:office:powerpoint" xmlns:com="http://schemas.openxmlformats.org/drawingml/2006/compatibility" xmlns:p14="http://schemas.microsoft.com/office/powerpoint/2010/main" xmlns:p15="http://schemas.microsoft.com/office/powerpoint/2012/main" xmlns:ahyp="http://schemas.microsoft.com/office/drawing/2018/hyperlinkcolor" showMasterPhAnim="0" showMasterSp="0">
+<p:notes xmlns:a="http://schemas.openxmlformats.org/drawingml/2006/main" xmlns:r="http://schemas.openxmlformats.org/officeDocument/2006/relationships" xmlns:p="http://schemas.openxmlformats.org/presentationml/2006/main" showMasterSp="0" showMasterPhAnim="0">
   <p:cSld>
     <p:spTree>
       <p:nvGrpSpPr>
-        <p:cNvPr id="83" name="Shape 83"/>
+        <p:cNvPr id="1" name="Shape 83"/>
         <p:cNvGrpSpPr/>
         <p:nvPr/>
       </p:nvGrpSpPr>
@@ -1312,20 +1357,26 @@
       <p:sp>
         <p:nvSpPr>
           <p:cNvPr id="84" name="Google Shape;84;g119452ac1ee_1_26:notes"/>
-          <p:cNvSpPr/>
+          <p:cNvSpPr>
+            <a:spLocks noGrp="1" noRot="1" noChangeAspect="1"/>
+          </p:cNvSpPr>
           <p:nvPr>
-            <p:ph idx="2" type="sldImg"/>
+            <p:ph type="sldImg" idx="2"/>
           </p:nvPr>
         </p:nvSpPr>
         <p:spPr>
           <a:xfrm>
-            <a:off x="1143309" y="685800"/>
-            <a:ext cx="4572000" cy="3429000"/>
+            <a:off x="381000" y="685800"/>
+            <a:ext cx="6096000" cy="3429000"/>
           </a:xfrm>
           <a:custGeom>
-            <a:rect b="b" l="l" r="r" t="t"/>
+            <a:avLst/>
+            <a:gdLst/>
+            <a:ahLst/>
+            <a:cxnLst/>
+            <a:rect l="l" t="t" r="r" b="b"/>
             <a:pathLst>
-              <a:path extrusionOk="0" h="120000" w="120000">
+              <a:path w="120000" h="120000" extrusionOk="0">
                 <a:moveTo>
                   <a:pt x="0" y="0"/>
                 </a:moveTo>
@@ -1347,9 +1398,11 @@
       <p:sp>
         <p:nvSpPr>
           <p:cNvPr id="85" name="Google Shape;85;g119452ac1ee_1_26:notes"/>
-          <p:cNvSpPr txBox="1"/>
+          <p:cNvSpPr txBox="1">
+            <a:spLocks noGrp="1"/>
+          </p:cNvSpPr>
           <p:nvPr>
-            <p:ph idx="1" type="body"/>
+            <p:ph type="body" idx="1"/>
           </p:nvPr>
         </p:nvSpPr>
         <p:spPr>
@@ -1362,12 +1415,12 @@
           </a:prstGeom>
         </p:spPr>
         <p:txBody>
-          <a:bodyPr anchorCtr="0" anchor="t" bIns="91425" lIns="91425" spcFirstLastPara="1" rIns="91425" wrap="square" tIns="91425">
+          <a:bodyPr spcFirstLastPara="1" wrap="square" lIns="91425" tIns="91425" rIns="91425" bIns="91425" anchor="t" anchorCtr="0">
             <a:noAutofit/>
           </a:bodyPr>
           <a:lstStyle/>
           <a:p>
-            <a:pPr indent="0" lvl="0" marL="0" rtl="0" algn="l">
+            <a:pPr marL="0" lvl="0" indent="0" algn="l" rtl="0">
               <a:spcBef>
                 <a:spcPts val="0"/>
               </a:spcBef>
@@ -1376,9 +1429,6 @@
               </a:spcAft>
               <a:buNone/>
             </a:pPr>
-            <a:r>
-              <a:t/>
-            </a:r>
             <a:endParaRPr/>
           </a:p>
         </p:txBody>
@@ -1392,11 +1442,11 @@
 </file>
 
 <file path=ppt/notesSlides/notesSlide4.xml><?xml version="1.0" encoding="utf-8"?>
-<p:notes xmlns:a="http://schemas.openxmlformats.org/drawingml/2006/main" xmlns:r="http://schemas.openxmlformats.org/officeDocument/2006/relationships" xmlns:mc="http://schemas.openxmlformats.org/markup-compatibility/2006" xmlns:mv="urn:schemas-microsoft-com:mac:vml" xmlns:p="http://schemas.openxmlformats.org/presentationml/2006/main" xmlns:c="http://schemas.openxmlformats.org/drawingml/2006/chart" xmlns:dgm="http://schemas.openxmlformats.org/drawingml/2006/diagram" xmlns:o="urn:schemas-microsoft-com:office:office" xmlns:v="urn:schemas-microsoft-com:vml" xmlns:pvml="urn:schemas-microsoft-com:office:powerpoint" xmlns:com="http://schemas.openxmlformats.org/drawingml/2006/compatibility" xmlns:p14="http://schemas.microsoft.com/office/powerpoint/2010/main" xmlns:p15="http://schemas.microsoft.com/office/powerpoint/2012/main" xmlns:ahyp="http://schemas.microsoft.com/office/drawing/2018/hyperlinkcolor" showMasterPhAnim="0" showMasterSp="0">
+<p:notes xmlns:a="http://schemas.openxmlformats.org/drawingml/2006/main" xmlns:r="http://schemas.openxmlformats.org/officeDocument/2006/relationships" xmlns:p="http://schemas.openxmlformats.org/presentationml/2006/main" showMasterSp="0" showMasterPhAnim="0">
   <p:cSld>
     <p:spTree>
       <p:nvGrpSpPr>
-        <p:cNvPr id="118" name="Shape 118"/>
+        <p:cNvPr id="1" name="Shape 118"/>
         <p:cNvGrpSpPr/>
         <p:nvPr/>
       </p:nvGrpSpPr>
@@ -1411,20 +1461,26 @@
       <p:sp>
         <p:nvSpPr>
           <p:cNvPr id="119" name="Google Shape;119;g119452ac1ee_1_61:notes"/>
-          <p:cNvSpPr/>
+          <p:cNvSpPr>
+            <a:spLocks noGrp="1" noRot="1" noChangeAspect="1"/>
+          </p:cNvSpPr>
           <p:nvPr>
-            <p:ph idx="2" type="sldImg"/>
+            <p:ph type="sldImg" idx="2"/>
           </p:nvPr>
         </p:nvSpPr>
         <p:spPr>
           <a:xfrm>
-            <a:off x="1143309" y="685800"/>
-            <a:ext cx="4572000" cy="3429000"/>
+            <a:off x="381000" y="685800"/>
+            <a:ext cx="6096000" cy="3429000"/>
           </a:xfrm>
           <a:custGeom>
-            <a:rect b="b" l="l" r="r" t="t"/>
+            <a:avLst/>
+            <a:gdLst/>
+            <a:ahLst/>
+            <a:cxnLst/>
+            <a:rect l="l" t="t" r="r" b="b"/>
             <a:pathLst>
-              <a:path extrusionOk="0" h="120000" w="120000">
+              <a:path w="120000" h="120000" extrusionOk="0">
                 <a:moveTo>
                   <a:pt x="0" y="0"/>
                 </a:moveTo>
@@ -1446,9 +1502,11 @@
       <p:sp>
         <p:nvSpPr>
           <p:cNvPr id="120" name="Google Shape;120;g119452ac1ee_1_61:notes"/>
-          <p:cNvSpPr txBox="1"/>
+          <p:cNvSpPr txBox="1">
+            <a:spLocks noGrp="1"/>
+          </p:cNvSpPr>
           <p:nvPr>
-            <p:ph idx="1" type="body"/>
+            <p:ph type="body" idx="1"/>
           </p:nvPr>
         </p:nvSpPr>
         <p:spPr>
@@ -1461,12 +1519,12 @@
           </a:prstGeom>
         </p:spPr>
         <p:txBody>
-          <a:bodyPr anchorCtr="0" anchor="t" bIns="91425" lIns="91425" spcFirstLastPara="1" rIns="91425" wrap="square" tIns="91425">
+          <a:bodyPr spcFirstLastPara="1" wrap="square" lIns="91425" tIns="91425" rIns="91425" bIns="91425" anchor="t" anchorCtr="0">
             <a:noAutofit/>
           </a:bodyPr>
           <a:lstStyle/>
           <a:p>
-            <a:pPr indent="0" lvl="0" marL="0" rtl="0" algn="l">
+            <a:pPr marL="0" lvl="0" indent="0" algn="l" rtl="0">
               <a:spcBef>
                 <a:spcPts val="0"/>
               </a:spcBef>
@@ -1475,9 +1533,6 @@
               </a:spcAft>
               <a:buNone/>
             </a:pPr>
-            <a:r>
-              <a:t/>
-            </a:r>
             <a:endParaRPr/>
           </a:p>
         </p:txBody>
@@ -1491,11 +1546,11 @@
 </file>
 
 <file path=ppt/notesSlides/notesSlide5.xml><?xml version="1.0" encoding="utf-8"?>
-<p:notes xmlns:a="http://schemas.openxmlformats.org/drawingml/2006/main" xmlns:r="http://schemas.openxmlformats.org/officeDocument/2006/relationships" xmlns:mc="http://schemas.openxmlformats.org/markup-compatibility/2006" xmlns:mv="urn:schemas-microsoft-com:mac:vml" xmlns:p="http://schemas.openxmlformats.org/presentationml/2006/main" xmlns:c="http://schemas.openxmlformats.org/drawingml/2006/chart" xmlns:dgm="http://schemas.openxmlformats.org/drawingml/2006/diagram" xmlns:o="urn:schemas-microsoft-com:office:office" xmlns:v="urn:schemas-microsoft-com:vml" xmlns:pvml="urn:schemas-microsoft-com:office:powerpoint" xmlns:com="http://schemas.openxmlformats.org/drawingml/2006/compatibility" xmlns:p14="http://schemas.microsoft.com/office/powerpoint/2010/main" xmlns:p15="http://schemas.microsoft.com/office/powerpoint/2012/main" xmlns:ahyp="http://schemas.microsoft.com/office/drawing/2018/hyperlinkcolor" showMasterPhAnim="0" showMasterSp="0">
+<p:notes xmlns:a="http://schemas.openxmlformats.org/drawingml/2006/main" xmlns:r="http://schemas.openxmlformats.org/officeDocument/2006/relationships" xmlns:p="http://schemas.openxmlformats.org/presentationml/2006/main" showMasterSp="0" showMasterPhAnim="0">
   <p:cSld>
     <p:spTree>
       <p:nvGrpSpPr>
-        <p:cNvPr id="125" name="Shape 125"/>
+        <p:cNvPr id="1" name="Shape 125"/>
         <p:cNvGrpSpPr/>
         <p:nvPr/>
       </p:nvGrpSpPr>
@@ -1510,20 +1565,26 @@
       <p:sp>
         <p:nvSpPr>
           <p:cNvPr id="126" name="Google Shape;126;g119452ac1ee_1_71:notes"/>
-          <p:cNvSpPr/>
+          <p:cNvSpPr>
+            <a:spLocks noGrp="1" noRot="1" noChangeAspect="1"/>
+          </p:cNvSpPr>
           <p:nvPr>
-            <p:ph idx="2" type="sldImg"/>
+            <p:ph type="sldImg" idx="2"/>
           </p:nvPr>
         </p:nvSpPr>
         <p:spPr>
           <a:xfrm>
-            <a:off x="1143309" y="685800"/>
-            <a:ext cx="4572000" cy="3429000"/>
+            <a:off x="381000" y="685800"/>
+            <a:ext cx="6096000" cy="3429000"/>
           </a:xfrm>
           <a:custGeom>
-            <a:rect b="b" l="l" r="r" t="t"/>
+            <a:avLst/>
+            <a:gdLst/>
+            <a:ahLst/>
+            <a:cxnLst/>
+            <a:rect l="l" t="t" r="r" b="b"/>
             <a:pathLst>
-              <a:path extrusionOk="0" h="120000" w="120000">
+              <a:path w="120000" h="120000" extrusionOk="0">
                 <a:moveTo>
                   <a:pt x="0" y="0"/>
                 </a:moveTo>
@@ -1545,9 +1606,11 @@
       <p:sp>
         <p:nvSpPr>
           <p:cNvPr id="127" name="Google Shape;127;g119452ac1ee_1_71:notes"/>
-          <p:cNvSpPr txBox="1"/>
+          <p:cNvSpPr txBox="1">
+            <a:spLocks noGrp="1"/>
+          </p:cNvSpPr>
           <p:nvPr>
-            <p:ph idx="1" type="body"/>
+            <p:ph type="body" idx="1"/>
           </p:nvPr>
         </p:nvSpPr>
         <p:spPr>
@@ -1560,12 +1623,12 @@
           </a:prstGeom>
         </p:spPr>
         <p:txBody>
-          <a:bodyPr anchorCtr="0" anchor="t" bIns="91425" lIns="91425" spcFirstLastPara="1" rIns="91425" wrap="square" tIns="91425">
+          <a:bodyPr spcFirstLastPara="1" wrap="square" lIns="91425" tIns="91425" rIns="91425" bIns="91425" anchor="t" anchorCtr="0">
             <a:noAutofit/>
           </a:bodyPr>
           <a:lstStyle/>
           <a:p>
-            <a:pPr indent="0" lvl="0" marL="0" rtl="0" algn="l">
+            <a:pPr marL="0" lvl="0" indent="0" algn="l" rtl="0">
               <a:spcBef>
                 <a:spcPts val="0"/>
               </a:spcBef>
@@ -1574,9 +1637,6 @@
               </a:spcAft>
               <a:buNone/>
             </a:pPr>
-            <a:r>
-              <a:t/>
-            </a:r>
             <a:endParaRPr/>
           </a:p>
         </p:txBody>
@@ -1590,11 +1650,11 @@
 </file>
 
 <file path=ppt/notesSlides/notesSlide6.xml><?xml version="1.0" encoding="utf-8"?>
-<p:notes xmlns:a="http://schemas.openxmlformats.org/drawingml/2006/main" xmlns:r="http://schemas.openxmlformats.org/officeDocument/2006/relationships" xmlns:mc="http://schemas.openxmlformats.org/markup-compatibility/2006" xmlns:mv="urn:schemas-microsoft-com:mac:vml" xmlns:p="http://schemas.openxmlformats.org/presentationml/2006/main" xmlns:c="http://schemas.openxmlformats.org/drawingml/2006/chart" xmlns:dgm="http://schemas.openxmlformats.org/drawingml/2006/diagram" xmlns:o="urn:schemas-microsoft-com:office:office" xmlns:v="urn:schemas-microsoft-com:vml" xmlns:pvml="urn:schemas-microsoft-com:office:powerpoint" xmlns:com="http://schemas.openxmlformats.org/drawingml/2006/compatibility" xmlns:p14="http://schemas.microsoft.com/office/powerpoint/2010/main" xmlns:p15="http://schemas.microsoft.com/office/powerpoint/2012/main" xmlns:ahyp="http://schemas.microsoft.com/office/drawing/2018/hyperlinkcolor" showMasterPhAnim="0" showMasterSp="0">
+<p:notes xmlns:a="http://schemas.openxmlformats.org/drawingml/2006/main" xmlns:r="http://schemas.openxmlformats.org/officeDocument/2006/relationships" xmlns:p="http://schemas.openxmlformats.org/presentationml/2006/main" showMasterSp="0" showMasterPhAnim="0">
   <p:cSld>
     <p:spTree>
       <p:nvGrpSpPr>
-        <p:cNvPr id="131" name="Shape 131"/>
+        <p:cNvPr id="1" name="Shape 131"/>
         <p:cNvGrpSpPr/>
         <p:nvPr/>
       </p:nvGrpSpPr>
@@ -1609,20 +1669,26 @@
       <p:sp>
         <p:nvSpPr>
           <p:cNvPr id="132" name="Google Shape;132;g119452ac1ee_1_76:notes"/>
-          <p:cNvSpPr/>
+          <p:cNvSpPr>
+            <a:spLocks noGrp="1" noRot="1" noChangeAspect="1"/>
+          </p:cNvSpPr>
           <p:nvPr>
-            <p:ph idx="2" type="sldImg"/>
+            <p:ph type="sldImg" idx="2"/>
           </p:nvPr>
         </p:nvSpPr>
         <p:spPr>
           <a:xfrm>
-            <a:off x="1143309" y="685800"/>
-            <a:ext cx="4572000" cy="3429000"/>
+            <a:off x="381000" y="685800"/>
+            <a:ext cx="6096000" cy="3429000"/>
           </a:xfrm>
           <a:custGeom>
-            <a:rect b="b" l="l" r="r" t="t"/>
+            <a:avLst/>
+            <a:gdLst/>
+            <a:ahLst/>
+            <a:cxnLst/>
+            <a:rect l="l" t="t" r="r" b="b"/>
             <a:pathLst>
-              <a:path extrusionOk="0" h="120000" w="120000">
+              <a:path w="120000" h="120000" extrusionOk="0">
                 <a:moveTo>
                   <a:pt x="0" y="0"/>
                 </a:moveTo>
@@ -1644,9 +1710,11 @@
       <p:sp>
         <p:nvSpPr>
           <p:cNvPr id="133" name="Google Shape;133;g119452ac1ee_1_76:notes"/>
-          <p:cNvSpPr txBox="1"/>
+          <p:cNvSpPr txBox="1">
+            <a:spLocks noGrp="1"/>
+          </p:cNvSpPr>
           <p:nvPr>
-            <p:ph idx="1" type="body"/>
+            <p:ph type="body" idx="1"/>
           </p:nvPr>
         </p:nvSpPr>
         <p:spPr>
@@ -1659,12 +1727,12 @@
           </a:prstGeom>
         </p:spPr>
         <p:txBody>
-          <a:bodyPr anchorCtr="0" anchor="t" bIns="91425" lIns="91425" spcFirstLastPara="1" rIns="91425" wrap="square" tIns="91425">
+          <a:bodyPr spcFirstLastPara="1" wrap="square" lIns="91425" tIns="91425" rIns="91425" bIns="91425" anchor="t" anchorCtr="0">
             <a:noAutofit/>
           </a:bodyPr>
           <a:lstStyle/>
           <a:p>
-            <a:pPr indent="0" lvl="0" marL="0" rtl="0" algn="l">
+            <a:pPr marL="0" lvl="0" indent="0" algn="l" rtl="0">
               <a:spcBef>
                 <a:spcPts val="0"/>
               </a:spcBef>
@@ -1673,9 +1741,6 @@
               </a:spcAft>
               <a:buNone/>
             </a:pPr>
-            <a:r>
-              <a:t/>
-            </a:r>
             <a:endParaRPr/>
           </a:p>
         </p:txBody>
@@ -1689,11 +1754,11 @@
 </file>
 
 <file path=ppt/notesSlides/notesSlide7.xml><?xml version="1.0" encoding="utf-8"?>
-<p:notes xmlns:a="http://schemas.openxmlformats.org/drawingml/2006/main" xmlns:r="http://schemas.openxmlformats.org/officeDocument/2006/relationships" xmlns:mc="http://schemas.openxmlformats.org/markup-compatibility/2006" xmlns:mv="urn:schemas-microsoft-com:mac:vml" xmlns:p="http://schemas.openxmlformats.org/presentationml/2006/main" xmlns:c="http://schemas.openxmlformats.org/drawingml/2006/chart" xmlns:dgm="http://schemas.openxmlformats.org/drawingml/2006/diagram" xmlns:o="urn:schemas-microsoft-com:office:office" xmlns:v="urn:schemas-microsoft-com:vml" xmlns:pvml="urn:schemas-microsoft-com:office:powerpoint" xmlns:com="http://schemas.openxmlformats.org/drawingml/2006/compatibility" xmlns:p14="http://schemas.microsoft.com/office/powerpoint/2010/main" xmlns:p15="http://schemas.microsoft.com/office/powerpoint/2012/main" xmlns:ahyp="http://schemas.microsoft.com/office/drawing/2018/hyperlinkcolor" showMasterPhAnim="0" showMasterSp="0">
+<p:notes xmlns:a="http://schemas.openxmlformats.org/drawingml/2006/main" xmlns:r="http://schemas.openxmlformats.org/officeDocument/2006/relationships" xmlns:p="http://schemas.openxmlformats.org/presentationml/2006/main" showMasterSp="0" showMasterPhAnim="0">
   <p:cSld>
     <p:spTree>
       <p:nvGrpSpPr>
-        <p:cNvPr id="138" name="Shape 138"/>
+        <p:cNvPr id="1" name="Shape 138"/>
         <p:cNvGrpSpPr/>
         <p:nvPr/>
       </p:nvGrpSpPr>
@@ -1708,20 +1773,26 @@
       <p:sp>
         <p:nvSpPr>
           <p:cNvPr id="139" name="Google Shape;139;g119452ac1ee_1_81:notes"/>
-          <p:cNvSpPr/>
+          <p:cNvSpPr>
+            <a:spLocks noGrp="1" noRot="1" noChangeAspect="1"/>
+          </p:cNvSpPr>
           <p:nvPr>
-            <p:ph idx="2" type="sldImg"/>
+            <p:ph type="sldImg" idx="2"/>
           </p:nvPr>
         </p:nvSpPr>
         <p:spPr>
           <a:xfrm>
-            <a:off x="1143309" y="685800"/>
-            <a:ext cx="4572000" cy="3429000"/>
+            <a:off x="381000" y="685800"/>
+            <a:ext cx="6096000" cy="3429000"/>
           </a:xfrm>
           <a:custGeom>
-            <a:rect b="b" l="l" r="r" t="t"/>
+            <a:avLst/>
+            <a:gdLst/>
+            <a:ahLst/>
+            <a:cxnLst/>
+            <a:rect l="l" t="t" r="r" b="b"/>
             <a:pathLst>
-              <a:path extrusionOk="0" h="120000" w="120000">
+              <a:path w="120000" h="120000" extrusionOk="0">
                 <a:moveTo>
                   <a:pt x="0" y="0"/>
                 </a:moveTo>
@@ -1743,9 +1814,11 @@
       <p:sp>
         <p:nvSpPr>
           <p:cNvPr id="140" name="Google Shape;140;g119452ac1ee_1_81:notes"/>
-          <p:cNvSpPr txBox="1"/>
+          <p:cNvSpPr txBox="1">
+            <a:spLocks noGrp="1"/>
+          </p:cNvSpPr>
           <p:nvPr>
-            <p:ph idx="1" type="body"/>
+            <p:ph type="body" idx="1"/>
           </p:nvPr>
         </p:nvSpPr>
         <p:spPr>
@@ -1758,12 +1831,12 @@
           </a:prstGeom>
         </p:spPr>
         <p:txBody>
-          <a:bodyPr anchorCtr="0" anchor="t" bIns="91425" lIns="91425" spcFirstLastPara="1" rIns="91425" wrap="square" tIns="91425">
+          <a:bodyPr spcFirstLastPara="1" wrap="square" lIns="91425" tIns="91425" rIns="91425" bIns="91425" anchor="t" anchorCtr="0">
             <a:noAutofit/>
           </a:bodyPr>
           <a:lstStyle/>
           <a:p>
-            <a:pPr indent="0" lvl="0" marL="0" rtl="0" algn="l">
+            <a:pPr marL="0" lvl="0" indent="0" algn="l" rtl="0">
               <a:spcBef>
                 <a:spcPts val="0"/>
               </a:spcBef>
@@ -1772,9 +1845,6 @@
               </a:spcAft>
               <a:buNone/>
             </a:pPr>
-            <a:r>
-              <a:t/>
-            </a:r>
             <a:endParaRPr/>
           </a:p>
         </p:txBody>
@@ -1788,11 +1858,11 @@
 </file>
 
 <file path=ppt/notesSlides/notesSlide8.xml><?xml version="1.0" encoding="utf-8"?>
-<p:notes xmlns:a="http://schemas.openxmlformats.org/drawingml/2006/main" xmlns:r="http://schemas.openxmlformats.org/officeDocument/2006/relationships" xmlns:mc="http://schemas.openxmlformats.org/markup-compatibility/2006" xmlns:mv="urn:schemas-microsoft-com:mac:vml" xmlns:p="http://schemas.openxmlformats.org/presentationml/2006/main" xmlns:c="http://schemas.openxmlformats.org/drawingml/2006/chart" xmlns:dgm="http://schemas.openxmlformats.org/drawingml/2006/diagram" xmlns:o="urn:schemas-microsoft-com:office:office" xmlns:v="urn:schemas-microsoft-com:vml" xmlns:pvml="urn:schemas-microsoft-com:office:powerpoint" xmlns:com="http://schemas.openxmlformats.org/drawingml/2006/compatibility" xmlns:p14="http://schemas.microsoft.com/office/powerpoint/2010/main" xmlns:p15="http://schemas.microsoft.com/office/powerpoint/2012/main" xmlns:ahyp="http://schemas.microsoft.com/office/drawing/2018/hyperlinkcolor" showMasterPhAnim="0" showMasterSp="0">
+<p:notes xmlns:a="http://schemas.openxmlformats.org/drawingml/2006/main" xmlns:r="http://schemas.openxmlformats.org/officeDocument/2006/relationships" xmlns:p="http://schemas.openxmlformats.org/presentationml/2006/main" showMasterSp="0" showMasterPhAnim="0">
   <p:cSld>
     <p:spTree>
       <p:nvGrpSpPr>
-        <p:cNvPr id="144" name="Shape 144"/>
+        <p:cNvPr id="1" name="Shape 144"/>
         <p:cNvGrpSpPr/>
         <p:nvPr/>
       </p:nvGrpSpPr>
@@ -1807,20 +1877,26 @@
       <p:sp>
         <p:nvSpPr>
           <p:cNvPr id="145" name="Google Shape;145;g119452ac1ee_1_86:notes"/>
-          <p:cNvSpPr/>
+          <p:cNvSpPr>
+            <a:spLocks noGrp="1" noRot="1" noChangeAspect="1"/>
+          </p:cNvSpPr>
           <p:nvPr>
-            <p:ph idx="2" type="sldImg"/>
+            <p:ph type="sldImg" idx="2"/>
           </p:nvPr>
         </p:nvSpPr>
         <p:spPr>
           <a:xfrm>
-            <a:off x="1143309" y="685800"/>
-            <a:ext cx="4572000" cy="3429000"/>
+            <a:off x="381000" y="685800"/>
+            <a:ext cx="6096000" cy="3429000"/>
           </a:xfrm>
           <a:custGeom>
-            <a:rect b="b" l="l" r="r" t="t"/>
+            <a:avLst/>
+            <a:gdLst/>
+            <a:ahLst/>
+            <a:cxnLst/>
+            <a:rect l="l" t="t" r="r" b="b"/>
             <a:pathLst>
-              <a:path extrusionOk="0" h="120000" w="120000">
+              <a:path w="120000" h="120000" extrusionOk="0">
                 <a:moveTo>
                   <a:pt x="0" y="0"/>
                 </a:moveTo>
@@ -1842,9 +1918,11 @@
       <p:sp>
         <p:nvSpPr>
           <p:cNvPr id="146" name="Google Shape;146;g119452ac1ee_1_86:notes"/>
-          <p:cNvSpPr txBox="1"/>
+          <p:cNvSpPr txBox="1">
+            <a:spLocks noGrp="1"/>
+          </p:cNvSpPr>
           <p:nvPr>
-            <p:ph idx="1" type="body"/>
+            <p:ph type="body" idx="1"/>
           </p:nvPr>
         </p:nvSpPr>
         <p:spPr>
@@ -1857,12 +1935,12 @@
           </a:prstGeom>
         </p:spPr>
         <p:txBody>
-          <a:bodyPr anchorCtr="0" anchor="t" bIns="91425" lIns="91425" spcFirstLastPara="1" rIns="91425" wrap="square" tIns="91425">
+          <a:bodyPr spcFirstLastPara="1" wrap="square" lIns="91425" tIns="91425" rIns="91425" bIns="91425" anchor="t" anchorCtr="0">
             <a:noAutofit/>
           </a:bodyPr>
           <a:lstStyle/>
           <a:p>
-            <a:pPr indent="0" lvl="0" marL="0" rtl="0" algn="l">
+            <a:pPr marL="0" lvl="0" indent="0" algn="l" rtl="0">
               <a:spcBef>
                 <a:spcPts val="0"/>
               </a:spcBef>
@@ -1871,9 +1949,6 @@
               </a:spcAft>
               <a:buNone/>
             </a:pPr>
-            <a:r>
-              <a:t/>
-            </a:r>
             <a:endParaRPr/>
           </a:p>
         </p:txBody>
@@ -1887,11 +1962,11 @@
 </file>
 
 <file path=ppt/notesSlides/notesSlide9.xml><?xml version="1.0" encoding="utf-8"?>
-<p:notes xmlns:a="http://schemas.openxmlformats.org/drawingml/2006/main" xmlns:r="http://schemas.openxmlformats.org/officeDocument/2006/relationships" xmlns:mc="http://schemas.openxmlformats.org/markup-compatibility/2006" xmlns:mv="urn:schemas-microsoft-com:mac:vml" xmlns:p="http://schemas.openxmlformats.org/presentationml/2006/main" xmlns:c="http://schemas.openxmlformats.org/drawingml/2006/chart" xmlns:dgm="http://schemas.openxmlformats.org/drawingml/2006/diagram" xmlns:o="urn:schemas-microsoft-com:office:office" xmlns:v="urn:schemas-microsoft-com:vml" xmlns:pvml="urn:schemas-microsoft-com:office:powerpoint" xmlns:com="http://schemas.openxmlformats.org/drawingml/2006/compatibility" xmlns:p14="http://schemas.microsoft.com/office/powerpoint/2010/main" xmlns:p15="http://schemas.microsoft.com/office/powerpoint/2012/main" xmlns:ahyp="http://schemas.microsoft.com/office/drawing/2018/hyperlinkcolor" showMasterPhAnim="0" showMasterSp="0">
+<p:notes xmlns:a="http://schemas.openxmlformats.org/drawingml/2006/main" xmlns:r="http://schemas.openxmlformats.org/officeDocument/2006/relationships" xmlns:p="http://schemas.openxmlformats.org/presentationml/2006/main" showMasterSp="0" showMasterPhAnim="0">
   <p:cSld>
     <p:spTree>
       <p:nvGrpSpPr>
-        <p:cNvPr id="150" name="Shape 150"/>
+        <p:cNvPr id="1" name="Shape 150"/>
         <p:cNvGrpSpPr/>
         <p:nvPr/>
       </p:nvGrpSpPr>
@@ -1906,20 +1981,26 @@
       <p:sp>
         <p:nvSpPr>
           <p:cNvPr id="151" name="Google Shape;151;g119452ac1ee_1_91:notes"/>
-          <p:cNvSpPr/>
+          <p:cNvSpPr>
+            <a:spLocks noGrp="1" noRot="1" noChangeAspect="1"/>
+          </p:cNvSpPr>
           <p:nvPr>
-            <p:ph idx="2" type="sldImg"/>
+            <p:ph type="sldImg" idx="2"/>
           </p:nvPr>
         </p:nvSpPr>
         <p:spPr>
           <a:xfrm>
-            <a:off x="1143309" y="685800"/>
-            <a:ext cx="4572000" cy="3429000"/>
+            <a:off x="381000" y="685800"/>
+            <a:ext cx="6096000" cy="3429000"/>
           </a:xfrm>
           <a:custGeom>
-            <a:rect b="b" l="l" r="r" t="t"/>
+            <a:avLst/>
+            <a:gdLst/>
+            <a:ahLst/>
+            <a:cxnLst/>
+            <a:rect l="l" t="t" r="r" b="b"/>
             <a:pathLst>
-              <a:path extrusionOk="0" h="120000" w="120000">
+              <a:path w="120000" h="120000" extrusionOk="0">
                 <a:moveTo>
                   <a:pt x="0" y="0"/>
                 </a:moveTo>
@@ -1941,9 +2022,11 @@
       <p:sp>
         <p:nvSpPr>
           <p:cNvPr id="152" name="Google Shape;152;g119452ac1ee_1_91:notes"/>
-          <p:cNvSpPr txBox="1"/>
+          <p:cNvSpPr txBox="1">
+            <a:spLocks noGrp="1"/>
+          </p:cNvSpPr>
           <p:nvPr>
-            <p:ph idx="1" type="body"/>
+            <p:ph type="body" idx="1"/>
           </p:nvPr>
         </p:nvSpPr>
         <p:spPr>
@@ -1956,12 +2039,12 @@
           </a:prstGeom>
         </p:spPr>
         <p:txBody>
-          <a:bodyPr anchorCtr="0" anchor="t" bIns="91425" lIns="91425" spcFirstLastPara="1" rIns="91425" wrap="square" tIns="91425">
+          <a:bodyPr spcFirstLastPara="1" wrap="square" lIns="91425" tIns="91425" rIns="91425" bIns="91425" anchor="t" anchorCtr="0">
             <a:noAutofit/>
           </a:bodyPr>
           <a:lstStyle/>
           <a:p>
-            <a:pPr indent="0" lvl="0" marL="0" rtl="0" algn="l">
+            <a:pPr marL="0" lvl="0" indent="0" algn="l" rtl="0">
               <a:spcBef>
                 <a:spcPts val="0"/>
               </a:spcBef>
@@ -1970,9 +2053,6 @@
               </a:spcAft>
               <a:buNone/>
             </a:pPr>
-            <a:r>
-              <a:t/>
-            </a:r>
             <a:endParaRPr/>
           </a:p>
         </p:txBody>
@@ -1986,11 +2066,11 @@
 </file>
 
 <file path=ppt/slideLayouts/slideLayout1.xml><?xml version="1.0" encoding="utf-8"?>
-<p:sldLayout xmlns:a="http://schemas.openxmlformats.org/drawingml/2006/main" xmlns:r="http://schemas.openxmlformats.org/officeDocument/2006/relationships" xmlns:mc="http://schemas.openxmlformats.org/markup-compatibility/2006" xmlns:mv="urn:schemas-microsoft-com:mac:vml" xmlns:p="http://schemas.openxmlformats.org/presentationml/2006/main" xmlns:c="http://schemas.openxmlformats.org/drawingml/2006/chart" xmlns:dgm="http://schemas.openxmlformats.org/drawingml/2006/diagram" xmlns:o="urn:schemas-microsoft-com:office:office" xmlns:v="urn:schemas-microsoft-com:vml" xmlns:pvml="urn:schemas-microsoft-com:office:powerpoint" xmlns:com="http://schemas.openxmlformats.org/drawingml/2006/compatibility" xmlns:p14="http://schemas.microsoft.com/office/powerpoint/2010/main" xmlns:p15="http://schemas.microsoft.com/office/powerpoint/2012/main" xmlns:ahyp="http://schemas.microsoft.com/office/drawing/2018/hyperlinkcolor" matchingName="Title slide" type="title">
+<p:sldLayout xmlns:a="http://schemas.openxmlformats.org/drawingml/2006/main" xmlns:r="http://schemas.openxmlformats.org/officeDocument/2006/relationships" xmlns:p="http://schemas.openxmlformats.org/presentationml/2006/main" matchingName="Title slide" type="title">
   <p:cSld name="TITLE">
     <p:spTree>
       <p:nvGrpSpPr>
-        <p:cNvPr id="9" name="Shape 9"/>
+        <p:cNvPr id="1" name="Shape 9"/>
         <p:cNvGrpSpPr/>
         <p:nvPr/>
       </p:nvGrpSpPr>
@@ -2005,22 +2085,24 @@
       <p:sp>
         <p:nvSpPr>
           <p:cNvPr id="10" name="Google Shape;10;p2"/>
-          <p:cNvSpPr txBox="1"/>
+          <p:cNvSpPr txBox="1">
+            <a:spLocks noGrp="1"/>
+          </p:cNvSpPr>
           <p:nvPr>
             <p:ph type="ctrTitle"/>
           </p:nvPr>
         </p:nvSpPr>
         <p:spPr>
           <a:xfrm>
-            <a:off x="311708" y="992767"/>
-            <a:ext cx="8520600" cy="2736900"/>
+            <a:off x="415611" y="992767"/>
+            <a:ext cx="11360800" cy="2736900"/>
           </a:xfrm>
           <a:prstGeom prst="rect">
             <a:avLst/>
           </a:prstGeom>
         </p:spPr>
         <p:txBody>
-          <a:bodyPr anchorCtr="0" anchor="b" bIns="91425" lIns="91425" spcFirstLastPara="1" rIns="91425" wrap="square" tIns="91425">
+          <a:bodyPr spcFirstLastPara="1" wrap="square" lIns="91425" tIns="91425" rIns="91425" bIns="91425" anchor="b" anchorCtr="0">
             <a:normAutofit/>
           </a:bodyPr>
           <a:lstStyle>
@@ -2124,28 +2206,32 @@
               <a:defRPr sz="5200"/>
             </a:lvl9pPr>
           </a:lstStyle>
-          <a:p/>
+          <a:p>
+            <a:endParaRPr/>
+          </a:p>
         </p:txBody>
       </p:sp>
       <p:sp>
         <p:nvSpPr>
           <p:cNvPr id="11" name="Google Shape;11;p2"/>
-          <p:cNvSpPr txBox="1"/>
+          <p:cNvSpPr txBox="1">
+            <a:spLocks noGrp="1"/>
+          </p:cNvSpPr>
           <p:nvPr>
-            <p:ph idx="1" type="subTitle"/>
+            <p:ph type="subTitle" idx="1"/>
           </p:nvPr>
         </p:nvSpPr>
         <p:spPr>
           <a:xfrm>
-            <a:off x="311700" y="3778833"/>
-            <a:ext cx="8520600" cy="1056900"/>
+            <a:off x="415600" y="3778833"/>
+            <a:ext cx="11360800" cy="1056900"/>
           </a:xfrm>
           <a:prstGeom prst="rect">
             <a:avLst/>
           </a:prstGeom>
         </p:spPr>
         <p:txBody>
-          <a:bodyPr anchorCtr="0" anchor="t" bIns="91425" lIns="91425" spcFirstLastPara="1" rIns="91425" wrap="square" tIns="91425">
+          <a:bodyPr spcFirstLastPara="1" wrap="square" lIns="91425" tIns="91425" rIns="91425" bIns="91425" anchor="t" anchorCtr="0">
             <a:normAutofit/>
           </a:bodyPr>
           <a:lstStyle>
@@ -2276,28 +2362,32 @@
               <a:defRPr sz="2800"/>
             </a:lvl9pPr>
           </a:lstStyle>
-          <a:p/>
+          <a:p>
+            <a:endParaRPr/>
+          </a:p>
         </p:txBody>
       </p:sp>
       <p:sp>
         <p:nvSpPr>
           <p:cNvPr id="12" name="Google Shape;12;p2"/>
-          <p:cNvSpPr txBox="1"/>
+          <p:cNvSpPr txBox="1">
+            <a:spLocks noGrp="1"/>
+          </p:cNvSpPr>
           <p:nvPr>
-            <p:ph idx="12" type="sldNum"/>
+            <p:ph type="sldNum" idx="12"/>
           </p:nvPr>
         </p:nvSpPr>
         <p:spPr>
           <a:xfrm>
-            <a:off x="8472458" y="6217622"/>
-            <a:ext cx="548700" cy="524700"/>
+            <a:off x="11296611" y="6217622"/>
+            <a:ext cx="731600" cy="524700"/>
           </a:xfrm>
           <a:prstGeom prst="rect">
             <a:avLst/>
           </a:prstGeom>
         </p:spPr>
         <p:txBody>
-          <a:bodyPr anchorCtr="0" anchor="ctr" bIns="91425" lIns="91425" spcFirstLastPara="1" rIns="91425" wrap="square" tIns="91425">
+          <a:bodyPr spcFirstLastPara="1" wrap="square" lIns="91425" tIns="91425" rIns="91425" bIns="91425" anchor="ctr" anchorCtr="0">
             <a:normAutofit/>
           </a:bodyPr>
           <a:lstStyle>
@@ -2339,23 +2429,45 @@
             </a:lvl9pPr>
           </a:lstStyle>
           <a:p>
-            <a:pPr indent="0" lvl="0" marL="0" rtl="0" algn="r">
-              <a:spcBef>
-                <a:spcPts val="0"/>
-              </a:spcBef>
-              <a:spcAft>
-                <a:spcPts val="0"/>
-              </a:spcAft>
-              <a:buNone/>
-            </a:pPr>
             <a:fld id="{00000000-1234-1234-1234-123412341234}" type="slidenum">
-              <a:rPr lang="en"/>
+              <a:rPr lang="en" smtClean="0"/>
+              <a:pPr/>
               <a:t>‹#›</a:t>
             </a:fld>
-            <a:endParaRPr/>
+            <a:endParaRPr lang="en"/>
           </a:p>
         </p:txBody>
       </p:sp>
+      <p:pic>
+        <p:nvPicPr>
+          <p:cNvPr id="2" name="그림 1">
+            <a:extLst>
+              <a:ext uri="{FF2B5EF4-FFF2-40B4-BE49-F238E27FC236}">
+                <a16:creationId xmlns:a16="http://schemas.microsoft.com/office/drawing/2014/main" id="{0B34EFEC-4D50-2918-2B99-245830B59DB5}"/>
+              </a:ext>
+            </a:extLst>
+          </p:cNvPr>
+          <p:cNvPicPr>
+            <a:picLocks noChangeAspect="1"/>
+          </p:cNvPicPr>
+          <p:nvPr userDrawn="1"/>
+        </p:nvPicPr>
+        <p:blipFill>
+          <a:blip r:embed="rId2"/>
+          <a:stretch>
+            <a:fillRect/>
+          </a:stretch>
+        </p:blipFill>
+        <p:spPr>
+          <a:xfrm>
+            <a:off x="4772910" y="4688868"/>
+            <a:ext cx="2646180" cy="1046769"/>
+          </a:xfrm>
+          <a:prstGeom prst="rect">
+            <a:avLst/>
+          </a:prstGeom>
+        </p:spPr>
+      </p:pic>
     </p:spTree>
   </p:cSld>
   <p:clrMapOvr>
@@ -2365,11 +2477,11 @@
 </file>
 
 <file path=ppt/slideLayouts/slideLayout10.xml><?xml version="1.0" encoding="utf-8"?>
-<p:sldLayout xmlns:a="http://schemas.openxmlformats.org/drawingml/2006/main" xmlns:r="http://schemas.openxmlformats.org/officeDocument/2006/relationships" xmlns:mc="http://schemas.openxmlformats.org/markup-compatibility/2006" xmlns:mv="urn:schemas-microsoft-com:mac:vml" xmlns:p="http://schemas.openxmlformats.org/presentationml/2006/main" xmlns:c="http://schemas.openxmlformats.org/drawingml/2006/chart" xmlns:dgm="http://schemas.openxmlformats.org/drawingml/2006/diagram" xmlns:o="urn:schemas-microsoft-com:office:office" xmlns:v="urn:schemas-microsoft-com:vml" xmlns:pvml="urn:schemas-microsoft-com:office:powerpoint" xmlns:com="http://schemas.openxmlformats.org/drawingml/2006/compatibility" xmlns:p14="http://schemas.microsoft.com/office/powerpoint/2010/main" xmlns:p15="http://schemas.microsoft.com/office/powerpoint/2012/main" xmlns:ahyp="http://schemas.microsoft.com/office/drawing/2018/hyperlinkcolor" matchingName="Big number">
+<p:sldLayout xmlns:a="http://schemas.openxmlformats.org/drawingml/2006/main" xmlns:r="http://schemas.openxmlformats.org/officeDocument/2006/relationships" xmlns:p="http://schemas.openxmlformats.org/presentationml/2006/main" matchingName="Big number">
   <p:cSld name="BIG_NUMBER">
     <p:spTree>
       <p:nvGrpSpPr>
-        <p:cNvPr id="44" name="Shape 44"/>
+        <p:cNvPr id="1" name="Shape 44"/>
         <p:cNvGrpSpPr/>
         <p:nvPr/>
       </p:nvGrpSpPr>
@@ -2384,22 +2496,24 @@
       <p:sp>
         <p:nvSpPr>
           <p:cNvPr id="45" name="Google Shape;45;p11"/>
-          <p:cNvSpPr txBox="1"/>
+          <p:cNvSpPr txBox="1">
+            <a:spLocks noGrp="1"/>
+          </p:cNvSpPr>
           <p:nvPr>
-            <p:ph hasCustomPrompt="1" type="title"/>
+            <p:ph type="title" hasCustomPrompt="1"/>
           </p:nvPr>
         </p:nvSpPr>
         <p:spPr>
           <a:xfrm>
-            <a:off x="311700" y="1474833"/>
-            <a:ext cx="8520600" cy="2618100"/>
+            <a:off x="415600" y="1474833"/>
+            <a:ext cx="11360800" cy="2618100"/>
           </a:xfrm>
           <a:prstGeom prst="rect">
             <a:avLst/>
           </a:prstGeom>
         </p:spPr>
         <p:txBody>
-          <a:bodyPr anchorCtr="0" anchor="b" bIns="91425" lIns="91425" spcFirstLastPara="1" rIns="91425" wrap="square" tIns="91425">
+          <a:bodyPr spcFirstLastPara="1" wrap="square" lIns="91425" tIns="91425" rIns="91425" bIns="91425" anchor="b" anchorCtr="0">
             <a:normAutofit/>
           </a:bodyPr>
           <a:lstStyle>
@@ -2513,26 +2627,28 @@
       <p:sp>
         <p:nvSpPr>
           <p:cNvPr id="46" name="Google Shape;46;p11"/>
-          <p:cNvSpPr txBox="1"/>
+          <p:cNvSpPr txBox="1">
+            <a:spLocks noGrp="1"/>
+          </p:cNvSpPr>
           <p:nvPr>
-            <p:ph idx="1" type="body"/>
+            <p:ph type="body" idx="1"/>
           </p:nvPr>
         </p:nvSpPr>
         <p:spPr>
           <a:xfrm>
-            <a:off x="311700" y="4202967"/>
-            <a:ext cx="8520600" cy="1734300"/>
+            <a:off x="415600" y="4202967"/>
+            <a:ext cx="11360800" cy="1734300"/>
           </a:xfrm>
           <a:prstGeom prst="rect">
             <a:avLst/>
           </a:prstGeom>
         </p:spPr>
         <p:txBody>
-          <a:bodyPr anchorCtr="0" anchor="t" bIns="91425" lIns="91425" spcFirstLastPara="1" rIns="91425" wrap="square" tIns="91425">
+          <a:bodyPr spcFirstLastPara="1" wrap="square" lIns="91425" tIns="91425" rIns="91425" bIns="91425" anchor="t" anchorCtr="0">
             <a:normAutofit/>
           </a:bodyPr>
           <a:lstStyle>
-            <a:lvl1pPr indent="-342900" lvl="0" marL="457200" algn="ctr">
+            <a:lvl1pPr marL="457200" lvl="0" indent="-342900" algn="ctr">
               <a:spcBef>
                 <a:spcPts val="0"/>
               </a:spcBef>
@@ -2543,7 +2659,7 @@
               <a:buChar char="●"/>
               <a:defRPr/>
             </a:lvl1pPr>
-            <a:lvl2pPr indent="-317500" lvl="1" marL="914400" algn="ctr">
+            <a:lvl2pPr marL="914400" lvl="1" indent="-317500" algn="ctr">
               <a:spcBef>
                 <a:spcPts val="0"/>
               </a:spcBef>
@@ -2554,7 +2670,7 @@
               <a:buChar char="○"/>
               <a:defRPr/>
             </a:lvl2pPr>
-            <a:lvl3pPr indent="-317500" lvl="2" marL="1371600" algn="ctr">
+            <a:lvl3pPr marL="1371600" lvl="2" indent="-317500" algn="ctr">
               <a:spcBef>
                 <a:spcPts val="0"/>
               </a:spcBef>
@@ -2565,7 +2681,7 @@
               <a:buChar char="■"/>
               <a:defRPr/>
             </a:lvl3pPr>
-            <a:lvl4pPr indent="-317500" lvl="3" marL="1828800" algn="ctr">
+            <a:lvl4pPr marL="1828800" lvl="3" indent="-317500" algn="ctr">
               <a:spcBef>
                 <a:spcPts val="0"/>
               </a:spcBef>
@@ -2576,7 +2692,7 @@
               <a:buChar char="●"/>
               <a:defRPr/>
             </a:lvl4pPr>
-            <a:lvl5pPr indent="-317500" lvl="4" marL="2286000" algn="ctr">
+            <a:lvl5pPr marL="2286000" lvl="4" indent="-317500" algn="ctr">
               <a:spcBef>
                 <a:spcPts val="0"/>
               </a:spcBef>
@@ -2587,7 +2703,7 @@
               <a:buChar char="○"/>
               <a:defRPr/>
             </a:lvl5pPr>
-            <a:lvl6pPr indent="-317500" lvl="5" marL="2743200" algn="ctr">
+            <a:lvl6pPr marL="2743200" lvl="5" indent="-317500" algn="ctr">
               <a:spcBef>
                 <a:spcPts val="0"/>
               </a:spcBef>
@@ -2598,7 +2714,7 @@
               <a:buChar char="■"/>
               <a:defRPr/>
             </a:lvl6pPr>
-            <a:lvl7pPr indent="-317500" lvl="6" marL="3200400" algn="ctr">
+            <a:lvl7pPr marL="3200400" lvl="6" indent="-317500" algn="ctr">
               <a:spcBef>
                 <a:spcPts val="0"/>
               </a:spcBef>
@@ -2609,7 +2725,7 @@
               <a:buChar char="●"/>
               <a:defRPr/>
             </a:lvl7pPr>
-            <a:lvl8pPr indent="-317500" lvl="7" marL="3657600" algn="ctr">
+            <a:lvl8pPr marL="3657600" lvl="7" indent="-317500" algn="ctr">
               <a:spcBef>
                 <a:spcPts val="0"/>
               </a:spcBef>
@@ -2620,7 +2736,7 @@
               <a:buChar char="○"/>
               <a:defRPr/>
             </a:lvl8pPr>
-            <a:lvl9pPr indent="-317500" lvl="8" marL="4114800" algn="ctr">
+            <a:lvl9pPr marL="4114800" lvl="8" indent="-317500" algn="ctr">
               <a:spcBef>
                 <a:spcPts val="0"/>
               </a:spcBef>
@@ -2632,28 +2748,32 @@
               <a:defRPr/>
             </a:lvl9pPr>
           </a:lstStyle>
-          <a:p/>
+          <a:p>
+            <a:endParaRPr/>
+          </a:p>
         </p:txBody>
       </p:sp>
       <p:sp>
         <p:nvSpPr>
           <p:cNvPr id="47" name="Google Shape;47;p11"/>
-          <p:cNvSpPr txBox="1"/>
+          <p:cNvSpPr txBox="1">
+            <a:spLocks noGrp="1"/>
+          </p:cNvSpPr>
           <p:nvPr>
-            <p:ph idx="12" type="sldNum"/>
+            <p:ph type="sldNum" idx="12"/>
           </p:nvPr>
         </p:nvSpPr>
         <p:spPr>
           <a:xfrm>
-            <a:off x="8472458" y="6217622"/>
-            <a:ext cx="548700" cy="524700"/>
+            <a:off x="11296611" y="6217622"/>
+            <a:ext cx="731600" cy="524700"/>
           </a:xfrm>
           <a:prstGeom prst="rect">
             <a:avLst/>
           </a:prstGeom>
         </p:spPr>
         <p:txBody>
-          <a:bodyPr anchorCtr="0" anchor="ctr" bIns="91425" lIns="91425" spcFirstLastPara="1" rIns="91425" wrap="square" tIns="91425">
+          <a:bodyPr spcFirstLastPara="1" wrap="square" lIns="91425" tIns="91425" rIns="91425" bIns="91425" anchor="ctr" anchorCtr="0">
             <a:normAutofit/>
           </a:bodyPr>
           <a:lstStyle>
@@ -2695,20 +2815,12 @@
             </a:lvl9pPr>
           </a:lstStyle>
           <a:p>
-            <a:pPr indent="0" lvl="0" marL="0" rtl="0" algn="r">
-              <a:spcBef>
-                <a:spcPts val="0"/>
-              </a:spcBef>
-              <a:spcAft>
-                <a:spcPts val="0"/>
-              </a:spcAft>
-              <a:buNone/>
-            </a:pPr>
             <a:fld id="{00000000-1234-1234-1234-123412341234}" type="slidenum">
-              <a:rPr lang="en"/>
+              <a:rPr lang="en" smtClean="0"/>
+              <a:pPr/>
               <a:t>‹#›</a:t>
             </a:fld>
-            <a:endParaRPr/>
+            <a:endParaRPr lang="en"/>
           </a:p>
         </p:txBody>
       </p:sp>
@@ -2721,11 +2833,11 @@
 </file>
 
 <file path=ppt/slideLayouts/slideLayout11.xml><?xml version="1.0" encoding="utf-8"?>
-<p:sldLayout xmlns:a="http://schemas.openxmlformats.org/drawingml/2006/main" xmlns:r="http://schemas.openxmlformats.org/officeDocument/2006/relationships" xmlns:mc="http://schemas.openxmlformats.org/markup-compatibility/2006" xmlns:mv="urn:schemas-microsoft-com:mac:vml" xmlns:p="http://schemas.openxmlformats.org/presentationml/2006/main" xmlns:c="http://schemas.openxmlformats.org/drawingml/2006/chart" xmlns:dgm="http://schemas.openxmlformats.org/drawingml/2006/diagram" xmlns:o="urn:schemas-microsoft-com:office:office" xmlns:v="urn:schemas-microsoft-com:vml" xmlns:pvml="urn:schemas-microsoft-com:office:powerpoint" xmlns:com="http://schemas.openxmlformats.org/drawingml/2006/compatibility" xmlns:p14="http://schemas.microsoft.com/office/powerpoint/2010/main" xmlns:p15="http://schemas.microsoft.com/office/powerpoint/2012/main" xmlns:ahyp="http://schemas.microsoft.com/office/drawing/2018/hyperlinkcolor" matchingName="Blank" type="blank">
+<p:sldLayout xmlns:a="http://schemas.openxmlformats.org/drawingml/2006/main" xmlns:r="http://schemas.openxmlformats.org/officeDocument/2006/relationships" xmlns:p="http://schemas.openxmlformats.org/presentationml/2006/main" matchingName="Blank" type="blank">
   <p:cSld name="BLANK">
     <p:spTree>
       <p:nvGrpSpPr>
-        <p:cNvPr id="48" name="Shape 48"/>
+        <p:cNvPr id="1" name="Shape 48"/>
         <p:cNvGrpSpPr/>
         <p:nvPr/>
       </p:nvGrpSpPr>
@@ -2740,22 +2852,24 @@
       <p:sp>
         <p:nvSpPr>
           <p:cNvPr id="49" name="Google Shape;49;p12"/>
-          <p:cNvSpPr txBox="1"/>
+          <p:cNvSpPr txBox="1">
+            <a:spLocks noGrp="1"/>
+          </p:cNvSpPr>
           <p:nvPr>
-            <p:ph idx="12" type="sldNum"/>
+            <p:ph type="sldNum" idx="12"/>
           </p:nvPr>
         </p:nvSpPr>
         <p:spPr>
           <a:xfrm>
-            <a:off x="8472458" y="6217622"/>
-            <a:ext cx="548700" cy="524700"/>
+            <a:off x="11296611" y="6217622"/>
+            <a:ext cx="731600" cy="524700"/>
           </a:xfrm>
           <a:prstGeom prst="rect">
             <a:avLst/>
           </a:prstGeom>
         </p:spPr>
         <p:txBody>
-          <a:bodyPr anchorCtr="0" anchor="ctr" bIns="91425" lIns="91425" spcFirstLastPara="1" rIns="91425" wrap="square" tIns="91425">
+          <a:bodyPr spcFirstLastPara="1" wrap="square" lIns="91425" tIns="91425" rIns="91425" bIns="91425" anchor="ctr" anchorCtr="0">
             <a:normAutofit/>
           </a:bodyPr>
           <a:lstStyle>
@@ -2797,20 +2911,12 @@
             </a:lvl9pPr>
           </a:lstStyle>
           <a:p>
-            <a:pPr indent="0" lvl="0" marL="0" rtl="0" algn="r">
-              <a:spcBef>
-                <a:spcPts val="0"/>
-              </a:spcBef>
-              <a:spcAft>
-                <a:spcPts val="0"/>
-              </a:spcAft>
-              <a:buNone/>
-            </a:pPr>
             <a:fld id="{00000000-1234-1234-1234-123412341234}" type="slidenum">
-              <a:rPr lang="en"/>
+              <a:rPr lang="en" smtClean="0"/>
+              <a:pPr/>
               <a:t>‹#›</a:t>
             </a:fld>
-            <a:endParaRPr/>
+            <a:endParaRPr lang="en"/>
           </a:p>
         </p:txBody>
       </p:sp>
@@ -2823,11 +2929,11 @@
 </file>
 
 <file path=ppt/slideLayouts/slideLayout2.xml><?xml version="1.0" encoding="utf-8"?>
-<p:sldLayout xmlns:a="http://schemas.openxmlformats.org/drawingml/2006/main" xmlns:r="http://schemas.openxmlformats.org/officeDocument/2006/relationships" xmlns:mc="http://schemas.openxmlformats.org/markup-compatibility/2006" xmlns:mv="urn:schemas-microsoft-com:mac:vml" xmlns:p="http://schemas.openxmlformats.org/presentationml/2006/main" xmlns:c="http://schemas.openxmlformats.org/drawingml/2006/chart" xmlns:dgm="http://schemas.openxmlformats.org/drawingml/2006/diagram" xmlns:o="urn:schemas-microsoft-com:office:office" xmlns:v="urn:schemas-microsoft-com:vml" xmlns:pvml="urn:schemas-microsoft-com:office:powerpoint" xmlns:com="http://schemas.openxmlformats.org/drawingml/2006/compatibility" xmlns:p14="http://schemas.microsoft.com/office/powerpoint/2010/main" xmlns:p15="http://schemas.microsoft.com/office/powerpoint/2012/main" xmlns:ahyp="http://schemas.microsoft.com/office/drawing/2018/hyperlinkcolor" matchingName="Section header" type="secHead">
+<p:sldLayout xmlns:a="http://schemas.openxmlformats.org/drawingml/2006/main" xmlns:r="http://schemas.openxmlformats.org/officeDocument/2006/relationships" xmlns:p="http://schemas.openxmlformats.org/presentationml/2006/main" matchingName="Section header" type="secHead">
   <p:cSld name="SECTION_HEADER">
     <p:spTree>
       <p:nvGrpSpPr>
-        <p:cNvPr id="13" name="Shape 13"/>
+        <p:cNvPr id="1" name="Shape 13"/>
         <p:cNvGrpSpPr/>
         <p:nvPr/>
       </p:nvGrpSpPr>
@@ -2842,22 +2948,24 @@
       <p:sp>
         <p:nvSpPr>
           <p:cNvPr id="14" name="Google Shape;14;p3"/>
-          <p:cNvSpPr txBox="1"/>
+          <p:cNvSpPr txBox="1">
+            <a:spLocks noGrp="1"/>
+          </p:cNvSpPr>
           <p:nvPr>
             <p:ph type="title"/>
           </p:nvPr>
         </p:nvSpPr>
         <p:spPr>
           <a:xfrm>
-            <a:off x="311700" y="2867800"/>
-            <a:ext cx="8520600" cy="1122300"/>
+            <a:off x="415600" y="2867800"/>
+            <a:ext cx="11360800" cy="1122300"/>
           </a:xfrm>
           <a:prstGeom prst="rect">
             <a:avLst/>
           </a:prstGeom>
         </p:spPr>
         <p:txBody>
-          <a:bodyPr anchorCtr="0" anchor="ctr" bIns="91425" lIns="91425" spcFirstLastPara="1" rIns="91425" wrap="square" tIns="91425">
+          <a:bodyPr spcFirstLastPara="1" wrap="square" lIns="91425" tIns="91425" rIns="91425" bIns="91425" anchor="ctr" anchorCtr="0">
             <a:normAutofit/>
           </a:bodyPr>
           <a:lstStyle>
@@ -2961,28 +3069,32 @@
               <a:defRPr sz="3600"/>
             </a:lvl9pPr>
           </a:lstStyle>
-          <a:p/>
+          <a:p>
+            <a:endParaRPr/>
+          </a:p>
         </p:txBody>
       </p:sp>
       <p:sp>
         <p:nvSpPr>
           <p:cNvPr id="15" name="Google Shape;15;p3"/>
-          <p:cNvSpPr txBox="1"/>
+          <p:cNvSpPr txBox="1">
+            <a:spLocks noGrp="1"/>
+          </p:cNvSpPr>
           <p:nvPr>
-            <p:ph idx="12" type="sldNum"/>
+            <p:ph type="sldNum" idx="12"/>
           </p:nvPr>
         </p:nvSpPr>
         <p:spPr>
           <a:xfrm>
-            <a:off x="8472458" y="6217622"/>
-            <a:ext cx="548700" cy="524700"/>
+            <a:off x="11296611" y="6217622"/>
+            <a:ext cx="731600" cy="524700"/>
           </a:xfrm>
           <a:prstGeom prst="rect">
             <a:avLst/>
           </a:prstGeom>
         </p:spPr>
         <p:txBody>
-          <a:bodyPr anchorCtr="0" anchor="ctr" bIns="91425" lIns="91425" spcFirstLastPara="1" rIns="91425" wrap="square" tIns="91425">
+          <a:bodyPr spcFirstLastPara="1" wrap="square" lIns="91425" tIns="91425" rIns="91425" bIns="91425" anchor="ctr" anchorCtr="0">
             <a:normAutofit/>
           </a:bodyPr>
           <a:lstStyle>
@@ -3024,20 +3136,12 @@
             </a:lvl9pPr>
           </a:lstStyle>
           <a:p>
-            <a:pPr indent="0" lvl="0" marL="0" rtl="0" algn="r">
-              <a:spcBef>
-                <a:spcPts val="0"/>
-              </a:spcBef>
-              <a:spcAft>
-                <a:spcPts val="0"/>
-              </a:spcAft>
-              <a:buNone/>
-            </a:pPr>
             <a:fld id="{00000000-1234-1234-1234-123412341234}" type="slidenum">
-              <a:rPr lang="en"/>
+              <a:rPr lang="en" smtClean="0"/>
+              <a:pPr/>
               <a:t>‹#›</a:t>
             </a:fld>
-            <a:endParaRPr/>
+            <a:endParaRPr lang="en"/>
           </a:p>
         </p:txBody>
       </p:sp>
@@ -3050,11 +3154,11 @@
 </file>
 
 <file path=ppt/slideLayouts/slideLayout3.xml><?xml version="1.0" encoding="utf-8"?>
-<p:sldLayout xmlns:a="http://schemas.openxmlformats.org/drawingml/2006/main" xmlns:r="http://schemas.openxmlformats.org/officeDocument/2006/relationships" xmlns:mc="http://schemas.openxmlformats.org/markup-compatibility/2006" xmlns:mv="urn:schemas-microsoft-com:mac:vml" xmlns:p="http://schemas.openxmlformats.org/presentationml/2006/main" xmlns:c="http://schemas.openxmlformats.org/drawingml/2006/chart" xmlns:dgm="http://schemas.openxmlformats.org/drawingml/2006/diagram" xmlns:o="urn:schemas-microsoft-com:office:office" xmlns:v="urn:schemas-microsoft-com:vml" xmlns:pvml="urn:schemas-microsoft-com:office:powerpoint" xmlns:com="http://schemas.openxmlformats.org/drawingml/2006/compatibility" xmlns:p14="http://schemas.microsoft.com/office/powerpoint/2010/main" xmlns:p15="http://schemas.microsoft.com/office/powerpoint/2012/main" xmlns:ahyp="http://schemas.microsoft.com/office/drawing/2018/hyperlinkcolor" matchingName="Title and body" type="tx">
+<p:sldLayout xmlns:a="http://schemas.openxmlformats.org/drawingml/2006/main" xmlns:r="http://schemas.openxmlformats.org/officeDocument/2006/relationships" xmlns:p="http://schemas.openxmlformats.org/presentationml/2006/main" matchingName="Title and body" type="tx">
   <p:cSld name="TITLE_AND_BODY">
     <p:spTree>
       <p:nvGrpSpPr>
-        <p:cNvPr id="16" name="Shape 16"/>
+        <p:cNvPr id="1" name="Shape 16"/>
         <p:cNvGrpSpPr/>
         <p:nvPr/>
       </p:nvGrpSpPr>
@@ -3069,22 +3173,24 @@
       <p:sp>
         <p:nvSpPr>
           <p:cNvPr id="17" name="Google Shape;17;p4"/>
-          <p:cNvSpPr txBox="1"/>
+          <p:cNvSpPr txBox="1">
+            <a:spLocks noGrp="1"/>
+          </p:cNvSpPr>
           <p:nvPr>
             <p:ph type="title"/>
           </p:nvPr>
         </p:nvSpPr>
         <p:spPr>
           <a:xfrm>
-            <a:off x="311700" y="593367"/>
-            <a:ext cx="8520600" cy="763500"/>
+            <a:off x="415600" y="593367"/>
+            <a:ext cx="11360800" cy="763500"/>
           </a:xfrm>
           <a:prstGeom prst="rect">
             <a:avLst/>
           </a:prstGeom>
         </p:spPr>
         <p:txBody>
-          <a:bodyPr anchorCtr="0" anchor="t" bIns="91425" lIns="91425" spcFirstLastPara="1" rIns="91425" wrap="square" tIns="91425">
+          <a:bodyPr spcFirstLastPara="1" wrap="square" lIns="91425" tIns="91425" rIns="91425" bIns="91425" anchor="t" anchorCtr="0">
             <a:normAutofit/>
           </a:bodyPr>
           <a:lstStyle>
@@ -3188,32 +3294,36 @@
               <a:defRPr/>
             </a:lvl9pPr>
           </a:lstStyle>
-          <a:p/>
+          <a:p>
+            <a:endParaRPr/>
+          </a:p>
         </p:txBody>
       </p:sp>
       <p:sp>
         <p:nvSpPr>
           <p:cNvPr id="18" name="Google Shape;18;p4"/>
-          <p:cNvSpPr txBox="1"/>
+          <p:cNvSpPr txBox="1">
+            <a:spLocks noGrp="1"/>
+          </p:cNvSpPr>
           <p:nvPr>
-            <p:ph idx="1" type="body"/>
+            <p:ph type="body" idx="1"/>
           </p:nvPr>
         </p:nvSpPr>
         <p:spPr>
           <a:xfrm>
-            <a:off x="311700" y="1536633"/>
-            <a:ext cx="8520600" cy="4555200"/>
+            <a:off x="415600" y="1536633"/>
+            <a:ext cx="11360800" cy="4555200"/>
           </a:xfrm>
           <a:prstGeom prst="rect">
             <a:avLst/>
           </a:prstGeom>
         </p:spPr>
         <p:txBody>
-          <a:bodyPr anchorCtr="0" anchor="t" bIns="91425" lIns="91425" spcFirstLastPara="1" rIns="91425" wrap="square" tIns="91425">
+          <a:bodyPr spcFirstLastPara="1" wrap="square" lIns="91425" tIns="91425" rIns="91425" bIns="91425" anchor="t" anchorCtr="0">
             <a:normAutofit/>
           </a:bodyPr>
           <a:lstStyle>
-            <a:lvl1pPr indent="-342900" lvl="0" marL="457200">
+            <a:lvl1pPr marL="457200" lvl="0" indent="-342900">
               <a:spcBef>
                 <a:spcPts val="0"/>
               </a:spcBef>
@@ -3224,7 +3334,7 @@
               <a:buChar char="●"/>
               <a:defRPr/>
             </a:lvl1pPr>
-            <a:lvl2pPr indent="-317500" lvl="1" marL="914400">
+            <a:lvl2pPr marL="914400" lvl="1" indent="-317500">
               <a:spcBef>
                 <a:spcPts val="0"/>
               </a:spcBef>
@@ -3235,7 +3345,7 @@
               <a:buChar char="○"/>
               <a:defRPr/>
             </a:lvl2pPr>
-            <a:lvl3pPr indent="-317500" lvl="2" marL="1371600">
+            <a:lvl3pPr marL="1371600" lvl="2" indent="-317500">
               <a:spcBef>
                 <a:spcPts val="0"/>
               </a:spcBef>
@@ -3246,7 +3356,7 @@
               <a:buChar char="■"/>
               <a:defRPr/>
             </a:lvl3pPr>
-            <a:lvl4pPr indent="-317500" lvl="3" marL="1828800">
+            <a:lvl4pPr marL="1828800" lvl="3" indent="-317500">
               <a:spcBef>
                 <a:spcPts val="0"/>
               </a:spcBef>
@@ -3257,7 +3367,7 @@
               <a:buChar char="●"/>
               <a:defRPr/>
             </a:lvl4pPr>
-            <a:lvl5pPr indent="-317500" lvl="4" marL="2286000">
+            <a:lvl5pPr marL="2286000" lvl="4" indent="-317500">
               <a:spcBef>
                 <a:spcPts val="0"/>
               </a:spcBef>
@@ -3268,7 +3378,7 @@
               <a:buChar char="○"/>
               <a:defRPr/>
             </a:lvl5pPr>
-            <a:lvl6pPr indent="-317500" lvl="5" marL="2743200">
+            <a:lvl6pPr marL="2743200" lvl="5" indent="-317500">
               <a:spcBef>
                 <a:spcPts val="0"/>
               </a:spcBef>
@@ -3279,7 +3389,7 @@
               <a:buChar char="■"/>
               <a:defRPr/>
             </a:lvl6pPr>
-            <a:lvl7pPr indent="-317500" lvl="6" marL="3200400">
+            <a:lvl7pPr marL="3200400" lvl="6" indent="-317500">
               <a:spcBef>
                 <a:spcPts val="0"/>
               </a:spcBef>
@@ -3290,7 +3400,7 @@
               <a:buChar char="●"/>
               <a:defRPr/>
             </a:lvl7pPr>
-            <a:lvl8pPr indent="-317500" lvl="7" marL="3657600">
+            <a:lvl8pPr marL="3657600" lvl="7" indent="-317500">
               <a:spcBef>
                 <a:spcPts val="0"/>
               </a:spcBef>
@@ -3301,7 +3411,7 @@
               <a:buChar char="○"/>
               <a:defRPr/>
             </a:lvl8pPr>
-            <a:lvl9pPr indent="-317500" lvl="8" marL="4114800">
+            <a:lvl9pPr marL="4114800" lvl="8" indent="-317500">
               <a:spcBef>
                 <a:spcPts val="0"/>
               </a:spcBef>
@@ -3313,28 +3423,32 @@
               <a:defRPr/>
             </a:lvl9pPr>
           </a:lstStyle>
-          <a:p/>
+          <a:p>
+            <a:endParaRPr/>
+          </a:p>
         </p:txBody>
       </p:sp>
       <p:sp>
         <p:nvSpPr>
           <p:cNvPr id="19" name="Google Shape;19;p4"/>
-          <p:cNvSpPr txBox="1"/>
+          <p:cNvSpPr txBox="1">
+            <a:spLocks noGrp="1"/>
+          </p:cNvSpPr>
           <p:nvPr>
-            <p:ph idx="12" type="sldNum"/>
+            <p:ph type="sldNum" idx="12"/>
           </p:nvPr>
         </p:nvSpPr>
         <p:spPr>
           <a:xfrm>
-            <a:off x="8472458" y="6217622"/>
-            <a:ext cx="548700" cy="524700"/>
+            <a:off x="11296611" y="6217622"/>
+            <a:ext cx="731600" cy="524700"/>
           </a:xfrm>
           <a:prstGeom prst="rect">
             <a:avLst/>
           </a:prstGeom>
         </p:spPr>
         <p:txBody>
-          <a:bodyPr anchorCtr="0" anchor="ctr" bIns="91425" lIns="91425" spcFirstLastPara="1" rIns="91425" wrap="square" tIns="91425">
+          <a:bodyPr spcFirstLastPara="1" wrap="square" lIns="91425" tIns="91425" rIns="91425" bIns="91425" anchor="ctr" anchorCtr="0">
             <a:normAutofit/>
           </a:bodyPr>
           <a:lstStyle>
@@ -3376,20 +3490,12 @@
             </a:lvl9pPr>
           </a:lstStyle>
           <a:p>
-            <a:pPr indent="0" lvl="0" marL="0" rtl="0" algn="r">
-              <a:spcBef>
-                <a:spcPts val="0"/>
-              </a:spcBef>
-              <a:spcAft>
-                <a:spcPts val="0"/>
-              </a:spcAft>
-              <a:buNone/>
-            </a:pPr>
             <a:fld id="{00000000-1234-1234-1234-123412341234}" type="slidenum">
-              <a:rPr lang="en"/>
+              <a:rPr lang="en" smtClean="0"/>
+              <a:pPr/>
               <a:t>‹#›</a:t>
             </a:fld>
-            <a:endParaRPr/>
+            <a:endParaRPr lang="en"/>
           </a:p>
         </p:txBody>
       </p:sp>
@@ -3402,11 +3508,11 @@
 </file>
 
 <file path=ppt/slideLayouts/slideLayout4.xml><?xml version="1.0" encoding="utf-8"?>
-<p:sldLayout xmlns:a="http://schemas.openxmlformats.org/drawingml/2006/main" xmlns:r="http://schemas.openxmlformats.org/officeDocument/2006/relationships" xmlns:mc="http://schemas.openxmlformats.org/markup-compatibility/2006" xmlns:mv="urn:schemas-microsoft-com:mac:vml" xmlns:p="http://schemas.openxmlformats.org/presentationml/2006/main" xmlns:c="http://schemas.openxmlformats.org/drawingml/2006/chart" xmlns:dgm="http://schemas.openxmlformats.org/drawingml/2006/diagram" xmlns:o="urn:schemas-microsoft-com:office:office" xmlns:v="urn:schemas-microsoft-com:vml" xmlns:pvml="urn:schemas-microsoft-com:office:powerpoint" xmlns:com="http://schemas.openxmlformats.org/drawingml/2006/compatibility" xmlns:p14="http://schemas.microsoft.com/office/powerpoint/2010/main" xmlns:p15="http://schemas.microsoft.com/office/powerpoint/2012/main" xmlns:ahyp="http://schemas.microsoft.com/office/drawing/2018/hyperlinkcolor" matchingName="Title and two columns" type="twoColTx">
+<p:sldLayout xmlns:a="http://schemas.openxmlformats.org/drawingml/2006/main" xmlns:r="http://schemas.openxmlformats.org/officeDocument/2006/relationships" xmlns:p="http://schemas.openxmlformats.org/presentationml/2006/main" matchingName="Title and two columns" type="twoColTx">
   <p:cSld name="TITLE_AND_TWO_COLUMNS">
     <p:spTree>
       <p:nvGrpSpPr>
-        <p:cNvPr id="20" name="Shape 20"/>
+        <p:cNvPr id="1" name="Shape 20"/>
         <p:cNvGrpSpPr/>
         <p:nvPr/>
       </p:nvGrpSpPr>
@@ -3421,22 +3527,24 @@
       <p:sp>
         <p:nvSpPr>
           <p:cNvPr id="21" name="Google Shape;21;p5"/>
-          <p:cNvSpPr txBox="1"/>
+          <p:cNvSpPr txBox="1">
+            <a:spLocks noGrp="1"/>
+          </p:cNvSpPr>
           <p:nvPr>
             <p:ph type="title"/>
           </p:nvPr>
         </p:nvSpPr>
         <p:spPr>
           <a:xfrm>
-            <a:off x="311700" y="593367"/>
-            <a:ext cx="8520600" cy="763500"/>
+            <a:off x="415600" y="593367"/>
+            <a:ext cx="11360800" cy="763500"/>
           </a:xfrm>
           <a:prstGeom prst="rect">
             <a:avLst/>
           </a:prstGeom>
         </p:spPr>
         <p:txBody>
-          <a:bodyPr anchorCtr="0" anchor="t" bIns="91425" lIns="91425" spcFirstLastPara="1" rIns="91425" wrap="square" tIns="91425">
+          <a:bodyPr spcFirstLastPara="1" wrap="square" lIns="91425" tIns="91425" rIns="91425" bIns="91425" anchor="t" anchorCtr="0">
             <a:normAutofit/>
           </a:bodyPr>
           <a:lstStyle>
@@ -3540,32 +3648,36 @@
               <a:defRPr/>
             </a:lvl9pPr>
           </a:lstStyle>
-          <a:p/>
+          <a:p>
+            <a:endParaRPr/>
+          </a:p>
         </p:txBody>
       </p:sp>
       <p:sp>
         <p:nvSpPr>
           <p:cNvPr id="22" name="Google Shape;22;p5"/>
-          <p:cNvSpPr txBox="1"/>
+          <p:cNvSpPr txBox="1">
+            <a:spLocks noGrp="1"/>
+          </p:cNvSpPr>
           <p:nvPr>
-            <p:ph idx="1" type="body"/>
+            <p:ph type="body" idx="1"/>
           </p:nvPr>
         </p:nvSpPr>
         <p:spPr>
           <a:xfrm>
-            <a:off x="311700" y="1536633"/>
-            <a:ext cx="3999900" cy="4555200"/>
+            <a:off x="415600" y="1536633"/>
+            <a:ext cx="5333200" cy="4555200"/>
           </a:xfrm>
           <a:prstGeom prst="rect">
             <a:avLst/>
           </a:prstGeom>
         </p:spPr>
         <p:txBody>
-          <a:bodyPr anchorCtr="0" anchor="t" bIns="91425" lIns="91425" spcFirstLastPara="1" rIns="91425" wrap="square" tIns="91425">
+          <a:bodyPr spcFirstLastPara="1" wrap="square" lIns="91425" tIns="91425" rIns="91425" bIns="91425" anchor="t" anchorCtr="0">
             <a:normAutofit/>
           </a:bodyPr>
           <a:lstStyle>
-            <a:lvl1pPr indent="-317500" lvl="0" marL="457200">
+            <a:lvl1pPr marL="457200" lvl="0" indent="-317500">
               <a:spcBef>
                 <a:spcPts val="0"/>
               </a:spcBef>
@@ -3576,7 +3688,7 @@
               <a:buChar char="●"/>
               <a:defRPr sz="1400"/>
             </a:lvl1pPr>
-            <a:lvl2pPr indent="-304800" lvl="1" marL="914400">
+            <a:lvl2pPr marL="914400" lvl="1" indent="-304800">
               <a:spcBef>
                 <a:spcPts val="0"/>
               </a:spcBef>
@@ -3587,7 +3699,7 @@
               <a:buChar char="○"/>
               <a:defRPr sz="1200"/>
             </a:lvl2pPr>
-            <a:lvl3pPr indent="-304800" lvl="2" marL="1371600">
+            <a:lvl3pPr marL="1371600" lvl="2" indent="-304800">
               <a:spcBef>
                 <a:spcPts val="0"/>
               </a:spcBef>
@@ -3598,7 +3710,7 @@
               <a:buChar char="■"/>
               <a:defRPr sz="1200"/>
             </a:lvl3pPr>
-            <a:lvl4pPr indent="-304800" lvl="3" marL="1828800">
+            <a:lvl4pPr marL="1828800" lvl="3" indent="-304800">
               <a:spcBef>
                 <a:spcPts val="0"/>
               </a:spcBef>
@@ -3609,7 +3721,7 @@
               <a:buChar char="●"/>
               <a:defRPr sz="1200"/>
             </a:lvl4pPr>
-            <a:lvl5pPr indent="-304800" lvl="4" marL="2286000">
+            <a:lvl5pPr marL="2286000" lvl="4" indent="-304800">
               <a:spcBef>
                 <a:spcPts val="0"/>
               </a:spcBef>
@@ -3620,7 +3732,7 @@
               <a:buChar char="○"/>
               <a:defRPr sz="1200"/>
             </a:lvl5pPr>
-            <a:lvl6pPr indent="-304800" lvl="5" marL="2743200">
+            <a:lvl6pPr marL="2743200" lvl="5" indent="-304800">
               <a:spcBef>
                 <a:spcPts val="0"/>
               </a:spcBef>
@@ -3631,7 +3743,7 @@
               <a:buChar char="■"/>
               <a:defRPr sz="1200"/>
             </a:lvl6pPr>
-            <a:lvl7pPr indent="-304800" lvl="6" marL="3200400">
+            <a:lvl7pPr marL="3200400" lvl="6" indent="-304800">
               <a:spcBef>
                 <a:spcPts val="0"/>
               </a:spcBef>
@@ -3642,7 +3754,7 @@
               <a:buChar char="●"/>
               <a:defRPr sz="1200"/>
             </a:lvl7pPr>
-            <a:lvl8pPr indent="-304800" lvl="7" marL="3657600">
+            <a:lvl8pPr marL="3657600" lvl="7" indent="-304800">
               <a:spcBef>
                 <a:spcPts val="0"/>
               </a:spcBef>
@@ -3653,7 +3765,7 @@
               <a:buChar char="○"/>
               <a:defRPr sz="1200"/>
             </a:lvl8pPr>
-            <a:lvl9pPr indent="-304800" lvl="8" marL="4114800">
+            <a:lvl9pPr marL="4114800" lvl="8" indent="-304800">
               <a:spcBef>
                 <a:spcPts val="0"/>
               </a:spcBef>
@@ -3665,32 +3777,36 @@
               <a:defRPr sz="1200"/>
             </a:lvl9pPr>
           </a:lstStyle>
-          <a:p/>
+          <a:p>
+            <a:endParaRPr/>
+          </a:p>
         </p:txBody>
       </p:sp>
       <p:sp>
         <p:nvSpPr>
           <p:cNvPr id="23" name="Google Shape;23;p5"/>
-          <p:cNvSpPr txBox="1"/>
+          <p:cNvSpPr txBox="1">
+            <a:spLocks noGrp="1"/>
+          </p:cNvSpPr>
           <p:nvPr>
-            <p:ph idx="2" type="body"/>
+            <p:ph type="body" idx="2"/>
           </p:nvPr>
         </p:nvSpPr>
         <p:spPr>
           <a:xfrm>
-            <a:off x="4832400" y="1536633"/>
-            <a:ext cx="3999900" cy="4555200"/>
+            <a:off x="6443200" y="1536633"/>
+            <a:ext cx="5333200" cy="4555200"/>
           </a:xfrm>
           <a:prstGeom prst="rect">
             <a:avLst/>
           </a:prstGeom>
         </p:spPr>
         <p:txBody>
-          <a:bodyPr anchorCtr="0" anchor="t" bIns="91425" lIns="91425" spcFirstLastPara="1" rIns="91425" wrap="square" tIns="91425">
+          <a:bodyPr spcFirstLastPara="1" wrap="square" lIns="91425" tIns="91425" rIns="91425" bIns="91425" anchor="t" anchorCtr="0">
             <a:normAutofit/>
           </a:bodyPr>
           <a:lstStyle>
-            <a:lvl1pPr indent="-317500" lvl="0" marL="457200">
+            <a:lvl1pPr marL="457200" lvl="0" indent="-317500">
               <a:spcBef>
                 <a:spcPts val="0"/>
               </a:spcBef>
@@ -3701,7 +3817,7 @@
               <a:buChar char="●"/>
               <a:defRPr sz="1400"/>
             </a:lvl1pPr>
-            <a:lvl2pPr indent="-304800" lvl="1" marL="914400">
+            <a:lvl2pPr marL="914400" lvl="1" indent="-304800">
               <a:spcBef>
                 <a:spcPts val="0"/>
               </a:spcBef>
@@ -3712,7 +3828,7 @@
               <a:buChar char="○"/>
               <a:defRPr sz="1200"/>
             </a:lvl2pPr>
-            <a:lvl3pPr indent="-304800" lvl="2" marL="1371600">
+            <a:lvl3pPr marL="1371600" lvl="2" indent="-304800">
               <a:spcBef>
                 <a:spcPts val="0"/>
               </a:spcBef>
@@ -3723,7 +3839,7 @@
               <a:buChar char="■"/>
               <a:defRPr sz="1200"/>
             </a:lvl3pPr>
-            <a:lvl4pPr indent="-304800" lvl="3" marL="1828800">
+            <a:lvl4pPr marL="1828800" lvl="3" indent="-304800">
               <a:spcBef>
                 <a:spcPts val="0"/>
               </a:spcBef>
@@ -3734,7 +3850,7 @@
               <a:buChar char="●"/>
               <a:defRPr sz="1200"/>
             </a:lvl4pPr>
-            <a:lvl5pPr indent="-304800" lvl="4" marL="2286000">
+            <a:lvl5pPr marL="2286000" lvl="4" indent="-304800">
               <a:spcBef>
                 <a:spcPts val="0"/>
               </a:spcBef>
@@ -3745,7 +3861,7 @@
               <a:buChar char="○"/>
               <a:defRPr sz="1200"/>
             </a:lvl5pPr>
-            <a:lvl6pPr indent="-304800" lvl="5" marL="2743200">
+            <a:lvl6pPr marL="2743200" lvl="5" indent="-304800">
               <a:spcBef>
                 <a:spcPts val="0"/>
               </a:spcBef>
@@ -3756,7 +3872,7 @@
               <a:buChar char="■"/>
               <a:defRPr sz="1200"/>
             </a:lvl6pPr>
-            <a:lvl7pPr indent="-304800" lvl="6" marL="3200400">
+            <a:lvl7pPr marL="3200400" lvl="6" indent="-304800">
               <a:spcBef>
                 <a:spcPts val="0"/>
               </a:spcBef>
@@ -3767,7 +3883,7 @@
               <a:buChar char="●"/>
               <a:defRPr sz="1200"/>
             </a:lvl7pPr>
-            <a:lvl8pPr indent="-304800" lvl="7" marL="3657600">
+            <a:lvl8pPr marL="3657600" lvl="7" indent="-304800">
               <a:spcBef>
                 <a:spcPts val="0"/>
               </a:spcBef>
@@ -3778,7 +3894,7 @@
               <a:buChar char="○"/>
               <a:defRPr sz="1200"/>
             </a:lvl8pPr>
-            <a:lvl9pPr indent="-304800" lvl="8" marL="4114800">
+            <a:lvl9pPr marL="4114800" lvl="8" indent="-304800">
               <a:spcBef>
                 <a:spcPts val="0"/>
               </a:spcBef>
@@ -3790,28 +3906,32 @@
               <a:defRPr sz="1200"/>
             </a:lvl9pPr>
           </a:lstStyle>
-          <a:p/>
+          <a:p>
+            <a:endParaRPr/>
+          </a:p>
         </p:txBody>
       </p:sp>
       <p:sp>
         <p:nvSpPr>
           <p:cNvPr id="24" name="Google Shape;24;p5"/>
-          <p:cNvSpPr txBox="1"/>
+          <p:cNvSpPr txBox="1">
+            <a:spLocks noGrp="1"/>
+          </p:cNvSpPr>
           <p:nvPr>
-            <p:ph idx="12" type="sldNum"/>
+            <p:ph type="sldNum" idx="12"/>
           </p:nvPr>
         </p:nvSpPr>
         <p:spPr>
           <a:xfrm>
-            <a:off x="8472458" y="6217622"/>
-            <a:ext cx="548700" cy="524700"/>
+            <a:off x="11296611" y="6217622"/>
+            <a:ext cx="731600" cy="524700"/>
           </a:xfrm>
           <a:prstGeom prst="rect">
             <a:avLst/>
           </a:prstGeom>
         </p:spPr>
         <p:txBody>
-          <a:bodyPr anchorCtr="0" anchor="ctr" bIns="91425" lIns="91425" spcFirstLastPara="1" rIns="91425" wrap="square" tIns="91425">
+          <a:bodyPr spcFirstLastPara="1" wrap="square" lIns="91425" tIns="91425" rIns="91425" bIns="91425" anchor="ctr" anchorCtr="0">
             <a:normAutofit/>
           </a:bodyPr>
           <a:lstStyle>
@@ -3853,20 +3973,12 @@
             </a:lvl9pPr>
           </a:lstStyle>
           <a:p>
-            <a:pPr indent="0" lvl="0" marL="0" rtl="0" algn="r">
-              <a:spcBef>
-                <a:spcPts val="0"/>
-              </a:spcBef>
-              <a:spcAft>
-                <a:spcPts val="0"/>
-              </a:spcAft>
-              <a:buNone/>
-            </a:pPr>
             <a:fld id="{00000000-1234-1234-1234-123412341234}" type="slidenum">
-              <a:rPr lang="en"/>
+              <a:rPr lang="en" smtClean="0"/>
+              <a:pPr/>
               <a:t>‹#›</a:t>
             </a:fld>
-            <a:endParaRPr/>
+            <a:endParaRPr lang="en"/>
           </a:p>
         </p:txBody>
       </p:sp>
@@ -3879,11 +3991,11 @@
 </file>
 
 <file path=ppt/slideLayouts/slideLayout5.xml><?xml version="1.0" encoding="utf-8"?>
-<p:sldLayout xmlns:a="http://schemas.openxmlformats.org/drawingml/2006/main" xmlns:r="http://schemas.openxmlformats.org/officeDocument/2006/relationships" xmlns:mc="http://schemas.openxmlformats.org/markup-compatibility/2006" xmlns:mv="urn:schemas-microsoft-com:mac:vml" xmlns:p="http://schemas.openxmlformats.org/presentationml/2006/main" xmlns:c="http://schemas.openxmlformats.org/drawingml/2006/chart" xmlns:dgm="http://schemas.openxmlformats.org/drawingml/2006/diagram" xmlns:o="urn:schemas-microsoft-com:office:office" xmlns:v="urn:schemas-microsoft-com:vml" xmlns:pvml="urn:schemas-microsoft-com:office:powerpoint" xmlns:com="http://schemas.openxmlformats.org/drawingml/2006/compatibility" xmlns:p14="http://schemas.microsoft.com/office/powerpoint/2010/main" xmlns:p15="http://schemas.microsoft.com/office/powerpoint/2012/main" xmlns:ahyp="http://schemas.microsoft.com/office/drawing/2018/hyperlinkcolor" matchingName="Title only" type="titleOnly">
+<p:sldLayout xmlns:a="http://schemas.openxmlformats.org/drawingml/2006/main" xmlns:r="http://schemas.openxmlformats.org/officeDocument/2006/relationships" xmlns:p="http://schemas.openxmlformats.org/presentationml/2006/main" matchingName="Title only" type="titleOnly">
   <p:cSld name="TITLE_ONLY">
     <p:spTree>
       <p:nvGrpSpPr>
-        <p:cNvPr id="25" name="Shape 25"/>
+        <p:cNvPr id="1" name="Shape 25"/>
         <p:cNvGrpSpPr/>
         <p:nvPr/>
       </p:nvGrpSpPr>
@@ -3898,22 +4010,24 @@
       <p:sp>
         <p:nvSpPr>
           <p:cNvPr id="26" name="Google Shape;26;p6"/>
-          <p:cNvSpPr txBox="1"/>
+          <p:cNvSpPr txBox="1">
+            <a:spLocks noGrp="1"/>
+          </p:cNvSpPr>
           <p:nvPr>
             <p:ph type="title"/>
           </p:nvPr>
         </p:nvSpPr>
         <p:spPr>
           <a:xfrm>
-            <a:off x="311700" y="593367"/>
-            <a:ext cx="8520600" cy="763500"/>
+            <a:off x="415600" y="593367"/>
+            <a:ext cx="11360800" cy="763500"/>
           </a:xfrm>
           <a:prstGeom prst="rect">
             <a:avLst/>
           </a:prstGeom>
         </p:spPr>
         <p:txBody>
-          <a:bodyPr anchorCtr="0" anchor="t" bIns="91425" lIns="91425" spcFirstLastPara="1" rIns="91425" wrap="square" tIns="91425">
+          <a:bodyPr spcFirstLastPara="1" wrap="square" lIns="91425" tIns="91425" rIns="91425" bIns="91425" anchor="t" anchorCtr="0">
             <a:normAutofit/>
           </a:bodyPr>
           <a:lstStyle>
@@ -4017,28 +4131,32 @@
               <a:defRPr/>
             </a:lvl9pPr>
           </a:lstStyle>
-          <a:p/>
+          <a:p>
+            <a:endParaRPr/>
+          </a:p>
         </p:txBody>
       </p:sp>
       <p:sp>
         <p:nvSpPr>
           <p:cNvPr id="27" name="Google Shape;27;p6"/>
-          <p:cNvSpPr txBox="1"/>
+          <p:cNvSpPr txBox="1">
+            <a:spLocks noGrp="1"/>
+          </p:cNvSpPr>
           <p:nvPr>
-            <p:ph idx="12" type="sldNum"/>
+            <p:ph type="sldNum" idx="12"/>
           </p:nvPr>
         </p:nvSpPr>
         <p:spPr>
           <a:xfrm>
-            <a:off x="8472458" y="6217622"/>
-            <a:ext cx="548700" cy="524700"/>
+            <a:off x="11296611" y="6217622"/>
+            <a:ext cx="731600" cy="524700"/>
           </a:xfrm>
           <a:prstGeom prst="rect">
             <a:avLst/>
           </a:prstGeom>
         </p:spPr>
         <p:txBody>
-          <a:bodyPr anchorCtr="0" anchor="ctr" bIns="91425" lIns="91425" spcFirstLastPara="1" rIns="91425" wrap="square" tIns="91425">
+          <a:bodyPr spcFirstLastPara="1" wrap="square" lIns="91425" tIns="91425" rIns="91425" bIns="91425" anchor="ctr" anchorCtr="0">
             <a:normAutofit/>
           </a:bodyPr>
           <a:lstStyle>
@@ -4080,20 +4198,12 @@
             </a:lvl9pPr>
           </a:lstStyle>
           <a:p>
-            <a:pPr indent="0" lvl="0" marL="0" rtl="0" algn="r">
-              <a:spcBef>
-                <a:spcPts val="0"/>
-              </a:spcBef>
-              <a:spcAft>
-                <a:spcPts val="0"/>
-              </a:spcAft>
-              <a:buNone/>
-            </a:pPr>
             <a:fld id="{00000000-1234-1234-1234-123412341234}" type="slidenum">
-              <a:rPr lang="en"/>
+              <a:rPr lang="en" smtClean="0"/>
+              <a:pPr/>
               <a:t>‹#›</a:t>
             </a:fld>
-            <a:endParaRPr/>
+            <a:endParaRPr lang="en"/>
           </a:p>
         </p:txBody>
       </p:sp>
@@ -4106,11 +4216,11 @@
 </file>
 
 <file path=ppt/slideLayouts/slideLayout6.xml><?xml version="1.0" encoding="utf-8"?>
-<p:sldLayout xmlns:a="http://schemas.openxmlformats.org/drawingml/2006/main" xmlns:r="http://schemas.openxmlformats.org/officeDocument/2006/relationships" xmlns:mc="http://schemas.openxmlformats.org/markup-compatibility/2006" xmlns:mv="urn:schemas-microsoft-com:mac:vml" xmlns:p="http://schemas.openxmlformats.org/presentationml/2006/main" xmlns:c="http://schemas.openxmlformats.org/drawingml/2006/chart" xmlns:dgm="http://schemas.openxmlformats.org/drawingml/2006/diagram" xmlns:o="urn:schemas-microsoft-com:office:office" xmlns:v="urn:schemas-microsoft-com:vml" xmlns:pvml="urn:schemas-microsoft-com:office:powerpoint" xmlns:com="http://schemas.openxmlformats.org/drawingml/2006/compatibility" xmlns:p14="http://schemas.microsoft.com/office/powerpoint/2010/main" xmlns:p15="http://schemas.microsoft.com/office/powerpoint/2012/main" xmlns:ahyp="http://schemas.microsoft.com/office/drawing/2018/hyperlinkcolor" matchingName="One column text">
+<p:sldLayout xmlns:a="http://schemas.openxmlformats.org/drawingml/2006/main" xmlns:r="http://schemas.openxmlformats.org/officeDocument/2006/relationships" xmlns:p="http://schemas.openxmlformats.org/presentationml/2006/main" matchingName="One column text">
   <p:cSld name="ONE_COLUMN_TEXT">
     <p:spTree>
       <p:nvGrpSpPr>
-        <p:cNvPr id="28" name="Shape 28"/>
+        <p:cNvPr id="1" name="Shape 28"/>
         <p:cNvGrpSpPr/>
         <p:nvPr/>
       </p:nvGrpSpPr>
@@ -4125,22 +4235,24 @@
       <p:sp>
         <p:nvSpPr>
           <p:cNvPr id="29" name="Google Shape;29;p7"/>
-          <p:cNvSpPr txBox="1"/>
+          <p:cNvSpPr txBox="1">
+            <a:spLocks noGrp="1"/>
+          </p:cNvSpPr>
           <p:nvPr>
             <p:ph type="title"/>
           </p:nvPr>
         </p:nvSpPr>
         <p:spPr>
           <a:xfrm>
-            <a:off x="311700" y="740800"/>
-            <a:ext cx="2808000" cy="1007700"/>
+            <a:off x="415600" y="740800"/>
+            <a:ext cx="3744000" cy="1007700"/>
           </a:xfrm>
           <a:prstGeom prst="rect">
             <a:avLst/>
           </a:prstGeom>
         </p:spPr>
         <p:txBody>
-          <a:bodyPr anchorCtr="0" anchor="b" bIns="91425" lIns="91425" spcFirstLastPara="1" rIns="91425" wrap="square" tIns="91425">
+          <a:bodyPr spcFirstLastPara="1" wrap="square" lIns="91425" tIns="91425" rIns="91425" bIns="91425" anchor="b" anchorCtr="0">
             <a:normAutofit/>
           </a:bodyPr>
           <a:lstStyle>
@@ -4244,32 +4356,36 @@
               <a:defRPr sz="2400"/>
             </a:lvl9pPr>
           </a:lstStyle>
-          <a:p/>
+          <a:p>
+            <a:endParaRPr/>
+          </a:p>
         </p:txBody>
       </p:sp>
       <p:sp>
         <p:nvSpPr>
           <p:cNvPr id="30" name="Google Shape;30;p7"/>
-          <p:cNvSpPr txBox="1"/>
+          <p:cNvSpPr txBox="1">
+            <a:spLocks noGrp="1"/>
+          </p:cNvSpPr>
           <p:nvPr>
-            <p:ph idx="1" type="body"/>
+            <p:ph type="body" idx="1"/>
           </p:nvPr>
         </p:nvSpPr>
         <p:spPr>
           <a:xfrm>
-            <a:off x="311700" y="1852800"/>
-            <a:ext cx="2808000" cy="4239300"/>
+            <a:off x="415600" y="1852800"/>
+            <a:ext cx="3744000" cy="4239300"/>
           </a:xfrm>
           <a:prstGeom prst="rect">
             <a:avLst/>
           </a:prstGeom>
         </p:spPr>
         <p:txBody>
-          <a:bodyPr anchorCtr="0" anchor="t" bIns="91425" lIns="91425" spcFirstLastPara="1" rIns="91425" wrap="square" tIns="91425">
+          <a:bodyPr spcFirstLastPara="1" wrap="square" lIns="91425" tIns="91425" rIns="91425" bIns="91425" anchor="t" anchorCtr="0">
             <a:normAutofit/>
           </a:bodyPr>
           <a:lstStyle>
-            <a:lvl1pPr indent="-304800" lvl="0" marL="457200">
+            <a:lvl1pPr marL="457200" lvl="0" indent="-304800">
               <a:spcBef>
                 <a:spcPts val="0"/>
               </a:spcBef>
@@ -4280,7 +4396,7 @@
               <a:buChar char="●"/>
               <a:defRPr sz="1200"/>
             </a:lvl1pPr>
-            <a:lvl2pPr indent="-304800" lvl="1" marL="914400">
+            <a:lvl2pPr marL="914400" lvl="1" indent="-304800">
               <a:spcBef>
                 <a:spcPts val="0"/>
               </a:spcBef>
@@ -4291,7 +4407,7 @@
               <a:buChar char="○"/>
               <a:defRPr sz="1200"/>
             </a:lvl2pPr>
-            <a:lvl3pPr indent="-304800" lvl="2" marL="1371600">
+            <a:lvl3pPr marL="1371600" lvl="2" indent="-304800">
               <a:spcBef>
                 <a:spcPts val="0"/>
               </a:spcBef>
@@ -4302,7 +4418,7 @@
               <a:buChar char="■"/>
               <a:defRPr sz="1200"/>
             </a:lvl3pPr>
-            <a:lvl4pPr indent="-304800" lvl="3" marL="1828800">
+            <a:lvl4pPr marL="1828800" lvl="3" indent="-304800">
               <a:spcBef>
                 <a:spcPts val="0"/>
               </a:spcBef>
@@ -4313,7 +4429,7 @@
               <a:buChar char="●"/>
               <a:defRPr sz="1200"/>
             </a:lvl4pPr>
-            <a:lvl5pPr indent="-304800" lvl="4" marL="2286000">
+            <a:lvl5pPr marL="2286000" lvl="4" indent="-304800">
               <a:spcBef>
                 <a:spcPts val="0"/>
               </a:spcBef>
@@ -4324,7 +4440,7 @@
               <a:buChar char="○"/>
               <a:defRPr sz="1200"/>
             </a:lvl5pPr>
-            <a:lvl6pPr indent="-304800" lvl="5" marL="2743200">
+            <a:lvl6pPr marL="2743200" lvl="5" indent="-304800">
               <a:spcBef>
                 <a:spcPts val="0"/>
               </a:spcBef>
@@ -4335,7 +4451,7 @@
               <a:buChar char="■"/>
               <a:defRPr sz="1200"/>
             </a:lvl6pPr>
-            <a:lvl7pPr indent="-304800" lvl="6" marL="3200400">
+            <a:lvl7pPr marL="3200400" lvl="6" indent="-304800">
               <a:spcBef>
                 <a:spcPts val="0"/>
               </a:spcBef>
@@ -4346,7 +4462,7 @@
               <a:buChar char="●"/>
               <a:defRPr sz="1200"/>
             </a:lvl7pPr>
-            <a:lvl8pPr indent="-304800" lvl="7" marL="3657600">
+            <a:lvl8pPr marL="3657600" lvl="7" indent="-304800">
               <a:spcBef>
                 <a:spcPts val="0"/>
               </a:spcBef>
@@ -4357,7 +4473,7 @@
               <a:buChar char="○"/>
               <a:defRPr sz="1200"/>
             </a:lvl8pPr>
-            <a:lvl9pPr indent="-304800" lvl="8" marL="4114800">
+            <a:lvl9pPr marL="4114800" lvl="8" indent="-304800">
               <a:spcBef>
                 <a:spcPts val="0"/>
               </a:spcBef>
@@ -4369,28 +4485,32 @@
               <a:defRPr sz="1200"/>
             </a:lvl9pPr>
           </a:lstStyle>
-          <a:p/>
+          <a:p>
+            <a:endParaRPr/>
+          </a:p>
         </p:txBody>
       </p:sp>
       <p:sp>
         <p:nvSpPr>
           <p:cNvPr id="31" name="Google Shape;31;p7"/>
-          <p:cNvSpPr txBox="1"/>
+          <p:cNvSpPr txBox="1">
+            <a:spLocks noGrp="1"/>
+          </p:cNvSpPr>
           <p:nvPr>
-            <p:ph idx="12" type="sldNum"/>
+            <p:ph type="sldNum" idx="12"/>
           </p:nvPr>
         </p:nvSpPr>
         <p:spPr>
           <a:xfrm>
-            <a:off x="8472458" y="6217622"/>
-            <a:ext cx="548700" cy="524700"/>
+            <a:off x="11296611" y="6217622"/>
+            <a:ext cx="731600" cy="524700"/>
           </a:xfrm>
           <a:prstGeom prst="rect">
             <a:avLst/>
           </a:prstGeom>
         </p:spPr>
         <p:txBody>
-          <a:bodyPr anchorCtr="0" anchor="ctr" bIns="91425" lIns="91425" spcFirstLastPara="1" rIns="91425" wrap="square" tIns="91425">
+          <a:bodyPr spcFirstLastPara="1" wrap="square" lIns="91425" tIns="91425" rIns="91425" bIns="91425" anchor="ctr" anchorCtr="0">
             <a:normAutofit/>
           </a:bodyPr>
           <a:lstStyle>
@@ -4432,20 +4552,12 @@
             </a:lvl9pPr>
           </a:lstStyle>
           <a:p>
-            <a:pPr indent="0" lvl="0" marL="0" rtl="0" algn="r">
-              <a:spcBef>
-                <a:spcPts val="0"/>
-              </a:spcBef>
-              <a:spcAft>
-                <a:spcPts val="0"/>
-              </a:spcAft>
-              <a:buNone/>
-            </a:pPr>
             <a:fld id="{00000000-1234-1234-1234-123412341234}" type="slidenum">
-              <a:rPr lang="en"/>
+              <a:rPr lang="en" smtClean="0"/>
+              <a:pPr/>
               <a:t>‹#›</a:t>
             </a:fld>
-            <a:endParaRPr/>
+            <a:endParaRPr lang="en"/>
           </a:p>
         </p:txBody>
       </p:sp>
@@ -4458,11 +4570,11 @@
 </file>
 
 <file path=ppt/slideLayouts/slideLayout7.xml><?xml version="1.0" encoding="utf-8"?>
-<p:sldLayout xmlns:a="http://schemas.openxmlformats.org/drawingml/2006/main" xmlns:r="http://schemas.openxmlformats.org/officeDocument/2006/relationships" xmlns:mc="http://schemas.openxmlformats.org/markup-compatibility/2006" xmlns:mv="urn:schemas-microsoft-com:mac:vml" xmlns:p="http://schemas.openxmlformats.org/presentationml/2006/main" xmlns:c="http://schemas.openxmlformats.org/drawingml/2006/chart" xmlns:dgm="http://schemas.openxmlformats.org/drawingml/2006/diagram" xmlns:o="urn:schemas-microsoft-com:office:office" xmlns:v="urn:schemas-microsoft-com:vml" xmlns:pvml="urn:schemas-microsoft-com:office:powerpoint" xmlns:com="http://schemas.openxmlformats.org/drawingml/2006/compatibility" xmlns:p14="http://schemas.microsoft.com/office/powerpoint/2010/main" xmlns:p15="http://schemas.microsoft.com/office/powerpoint/2012/main" xmlns:ahyp="http://schemas.microsoft.com/office/drawing/2018/hyperlinkcolor" matchingName="Main point">
+<p:sldLayout xmlns:a="http://schemas.openxmlformats.org/drawingml/2006/main" xmlns:r="http://schemas.openxmlformats.org/officeDocument/2006/relationships" xmlns:p="http://schemas.openxmlformats.org/presentationml/2006/main" matchingName="Main point">
   <p:cSld name="MAIN_POINT">
     <p:spTree>
       <p:nvGrpSpPr>
-        <p:cNvPr id="32" name="Shape 32"/>
+        <p:cNvPr id="1" name="Shape 32"/>
         <p:cNvGrpSpPr/>
         <p:nvPr/>
       </p:nvGrpSpPr>
@@ -4477,22 +4589,24 @@
       <p:sp>
         <p:nvSpPr>
           <p:cNvPr id="33" name="Google Shape;33;p8"/>
-          <p:cNvSpPr txBox="1"/>
+          <p:cNvSpPr txBox="1">
+            <a:spLocks noGrp="1"/>
+          </p:cNvSpPr>
           <p:nvPr>
             <p:ph type="title"/>
           </p:nvPr>
         </p:nvSpPr>
         <p:spPr>
           <a:xfrm>
-            <a:off x="490250" y="600200"/>
-            <a:ext cx="6367800" cy="5454300"/>
+            <a:off x="653667" y="600200"/>
+            <a:ext cx="8490400" cy="5454300"/>
           </a:xfrm>
           <a:prstGeom prst="rect">
             <a:avLst/>
           </a:prstGeom>
         </p:spPr>
         <p:txBody>
-          <a:bodyPr anchorCtr="0" anchor="ctr" bIns="91425" lIns="91425" spcFirstLastPara="1" rIns="91425" wrap="square" tIns="91425">
+          <a:bodyPr spcFirstLastPara="1" wrap="square" lIns="91425" tIns="91425" rIns="91425" bIns="91425" anchor="ctr" anchorCtr="0">
             <a:normAutofit/>
           </a:bodyPr>
           <a:lstStyle>
@@ -4596,28 +4710,32 @@
               <a:defRPr sz="4800"/>
             </a:lvl9pPr>
           </a:lstStyle>
-          <a:p/>
+          <a:p>
+            <a:endParaRPr/>
+          </a:p>
         </p:txBody>
       </p:sp>
       <p:sp>
         <p:nvSpPr>
           <p:cNvPr id="34" name="Google Shape;34;p8"/>
-          <p:cNvSpPr txBox="1"/>
+          <p:cNvSpPr txBox="1">
+            <a:spLocks noGrp="1"/>
+          </p:cNvSpPr>
           <p:nvPr>
-            <p:ph idx="12" type="sldNum"/>
+            <p:ph type="sldNum" idx="12"/>
           </p:nvPr>
         </p:nvSpPr>
         <p:spPr>
           <a:xfrm>
-            <a:off x="8472458" y="6217622"/>
-            <a:ext cx="548700" cy="524700"/>
+            <a:off x="11296611" y="6217622"/>
+            <a:ext cx="731600" cy="524700"/>
           </a:xfrm>
           <a:prstGeom prst="rect">
             <a:avLst/>
           </a:prstGeom>
         </p:spPr>
         <p:txBody>
-          <a:bodyPr anchorCtr="0" anchor="ctr" bIns="91425" lIns="91425" spcFirstLastPara="1" rIns="91425" wrap="square" tIns="91425">
+          <a:bodyPr spcFirstLastPara="1" wrap="square" lIns="91425" tIns="91425" rIns="91425" bIns="91425" anchor="ctr" anchorCtr="0">
             <a:normAutofit/>
           </a:bodyPr>
           <a:lstStyle>
@@ -4659,20 +4777,12 @@
             </a:lvl9pPr>
           </a:lstStyle>
           <a:p>
-            <a:pPr indent="0" lvl="0" marL="0" rtl="0" algn="r">
-              <a:spcBef>
-                <a:spcPts val="0"/>
-              </a:spcBef>
-              <a:spcAft>
-                <a:spcPts val="0"/>
-              </a:spcAft>
-              <a:buNone/>
-            </a:pPr>
             <a:fld id="{00000000-1234-1234-1234-123412341234}" type="slidenum">
-              <a:rPr lang="en"/>
+              <a:rPr lang="en" smtClean="0"/>
+              <a:pPr/>
               <a:t>‹#›</a:t>
             </a:fld>
-            <a:endParaRPr/>
+            <a:endParaRPr lang="en"/>
           </a:p>
         </p:txBody>
       </p:sp>
@@ -4685,11 +4795,11 @@
 </file>
 
 <file path=ppt/slideLayouts/slideLayout8.xml><?xml version="1.0" encoding="utf-8"?>
-<p:sldLayout xmlns:a="http://schemas.openxmlformats.org/drawingml/2006/main" xmlns:r="http://schemas.openxmlformats.org/officeDocument/2006/relationships" xmlns:mc="http://schemas.openxmlformats.org/markup-compatibility/2006" xmlns:mv="urn:schemas-microsoft-com:mac:vml" xmlns:p="http://schemas.openxmlformats.org/presentationml/2006/main" xmlns:c="http://schemas.openxmlformats.org/drawingml/2006/chart" xmlns:dgm="http://schemas.openxmlformats.org/drawingml/2006/diagram" xmlns:o="urn:schemas-microsoft-com:office:office" xmlns:v="urn:schemas-microsoft-com:vml" xmlns:pvml="urn:schemas-microsoft-com:office:powerpoint" xmlns:com="http://schemas.openxmlformats.org/drawingml/2006/compatibility" xmlns:p14="http://schemas.microsoft.com/office/powerpoint/2010/main" xmlns:p15="http://schemas.microsoft.com/office/powerpoint/2012/main" xmlns:ahyp="http://schemas.microsoft.com/office/drawing/2018/hyperlinkcolor" matchingName="Section title and description">
+<p:sldLayout xmlns:a="http://schemas.openxmlformats.org/drawingml/2006/main" xmlns:r="http://schemas.openxmlformats.org/officeDocument/2006/relationships" xmlns:p="http://schemas.openxmlformats.org/presentationml/2006/main" matchingName="Section title and description">
   <p:cSld name="SECTION_TITLE_AND_DESCRIPTION">
     <p:spTree>
       <p:nvGrpSpPr>
-        <p:cNvPr id="35" name="Shape 35"/>
+        <p:cNvPr id="1" name="Shape 35"/>
         <p:cNvGrpSpPr/>
         <p:nvPr/>
       </p:nvGrpSpPr>
@@ -4709,8 +4819,8 @@
         </p:nvSpPr>
         <p:spPr>
           <a:xfrm>
-            <a:off x="4572000" y="-167"/>
-            <a:ext cx="4572000" cy="6858000"/>
+            <a:off x="6096000" y="-167"/>
+            <a:ext cx="6096000" cy="6858000"/>
           </a:xfrm>
           <a:prstGeom prst="rect">
             <a:avLst/>
@@ -4723,12 +4833,12 @@
           </a:ln>
         </p:spPr>
         <p:txBody>
-          <a:bodyPr anchorCtr="0" anchor="ctr" bIns="91425" lIns="91425" spcFirstLastPara="1" rIns="91425" wrap="square" tIns="91425">
+          <a:bodyPr spcFirstLastPara="1" wrap="square" lIns="91425" tIns="91425" rIns="91425" bIns="91425" anchor="ctr" anchorCtr="0">
             <a:noAutofit/>
           </a:bodyPr>
           <a:lstStyle/>
           <a:p>
-            <a:pPr indent="0" lvl="0" marL="0" rtl="0" algn="l">
+            <a:pPr marL="0" lvl="0" indent="0" algn="l" rtl="0">
               <a:spcBef>
                 <a:spcPts val="0"/>
               </a:spcBef>
@@ -4737,32 +4847,31 @@
               </a:spcAft>
               <a:buNone/>
             </a:pPr>
-            <a:r>
-              <a:t/>
-            </a:r>
-            <a:endParaRPr/>
+            <a:endParaRPr sz="1400"/>
           </a:p>
         </p:txBody>
       </p:sp>
       <p:sp>
         <p:nvSpPr>
           <p:cNvPr id="37" name="Google Shape;37;p9"/>
-          <p:cNvSpPr txBox="1"/>
+          <p:cNvSpPr txBox="1">
+            <a:spLocks noGrp="1"/>
+          </p:cNvSpPr>
           <p:nvPr>
             <p:ph type="title"/>
           </p:nvPr>
         </p:nvSpPr>
         <p:spPr>
           <a:xfrm>
-            <a:off x="265500" y="1644233"/>
-            <a:ext cx="4045200" cy="1976400"/>
+            <a:off x="354000" y="1644233"/>
+            <a:ext cx="5393600" cy="1976400"/>
           </a:xfrm>
           <a:prstGeom prst="rect">
             <a:avLst/>
           </a:prstGeom>
         </p:spPr>
         <p:txBody>
-          <a:bodyPr anchorCtr="0" anchor="b" bIns="91425" lIns="91425" spcFirstLastPara="1" rIns="91425" wrap="square" tIns="91425">
+          <a:bodyPr spcFirstLastPara="1" wrap="square" lIns="91425" tIns="91425" rIns="91425" bIns="91425" anchor="b" anchorCtr="0">
             <a:normAutofit/>
           </a:bodyPr>
           <a:lstStyle>
@@ -4866,28 +4975,32 @@
               <a:defRPr sz="4200"/>
             </a:lvl9pPr>
           </a:lstStyle>
-          <a:p/>
+          <a:p>
+            <a:endParaRPr/>
+          </a:p>
         </p:txBody>
       </p:sp>
       <p:sp>
         <p:nvSpPr>
           <p:cNvPr id="38" name="Google Shape;38;p9"/>
-          <p:cNvSpPr txBox="1"/>
+          <p:cNvSpPr txBox="1">
+            <a:spLocks noGrp="1"/>
+          </p:cNvSpPr>
           <p:nvPr>
-            <p:ph idx="1" type="subTitle"/>
+            <p:ph type="subTitle" idx="1"/>
           </p:nvPr>
         </p:nvSpPr>
         <p:spPr>
           <a:xfrm>
-            <a:off x="265500" y="3737433"/>
-            <a:ext cx="4045200" cy="1646700"/>
+            <a:off x="354000" y="3737433"/>
+            <a:ext cx="5393600" cy="1646700"/>
           </a:xfrm>
           <a:prstGeom prst="rect">
             <a:avLst/>
           </a:prstGeom>
         </p:spPr>
         <p:txBody>
-          <a:bodyPr anchorCtr="0" anchor="t" bIns="91425" lIns="91425" spcFirstLastPara="1" rIns="91425" wrap="square" tIns="91425">
+          <a:bodyPr spcFirstLastPara="1" wrap="square" lIns="91425" tIns="91425" rIns="91425" bIns="91425" anchor="t" anchorCtr="0">
             <a:normAutofit/>
           </a:bodyPr>
           <a:lstStyle>
@@ -5018,32 +5131,36 @@
               <a:defRPr sz="2100"/>
             </a:lvl9pPr>
           </a:lstStyle>
-          <a:p/>
+          <a:p>
+            <a:endParaRPr/>
+          </a:p>
         </p:txBody>
       </p:sp>
       <p:sp>
         <p:nvSpPr>
           <p:cNvPr id="39" name="Google Shape;39;p9"/>
-          <p:cNvSpPr txBox="1"/>
+          <p:cNvSpPr txBox="1">
+            <a:spLocks noGrp="1"/>
+          </p:cNvSpPr>
           <p:nvPr>
-            <p:ph idx="2" type="body"/>
+            <p:ph type="body" idx="2"/>
           </p:nvPr>
         </p:nvSpPr>
         <p:spPr>
           <a:xfrm>
-            <a:off x="4939500" y="965433"/>
-            <a:ext cx="3837000" cy="4926900"/>
+            <a:off x="6586000" y="965433"/>
+            <a:ext cx="5116000" cy="4926900"/>
           </a:xfrm>
           <a:prstGeom prst="rect">
             <a:avLst/>
           </a:prstGeom>
         </p:spPr>
         <p:txBody>
-          <a:bodyPr anchorCtr="0" anchor="ctr" bIns="91425" lIns="91425" spcFirstLastPara="1" rIns="91425" wrap="square" tIns="91425">
+          <a:bodyPr spcFirstLastPara="1" wrap="square" lIns="91425" tIns="91425" rIns="91425" bIns="91425" anchor="ctr" anchorCtr="0">
             <a:normAutofit/>
           </a:bodyPr>
           <a:lstStyle>
-            <a:lvl1pPr indent="-342900" lvl="0" marL="457200">
+            <a:lvl1pPr marL="457200" lvl="0" indent="-342900">
               <a:spcBef>
                 <a:spcPts val="0"/>
               </a:spcBef>
@@ -5054,7 +5171,7 @@
               <a:buChar char="●"/>
               <a:defRPr/>
             </a:lvl1pPr>
-            <a:lvl2pPr indent="-317500" lvl="1" marL="914400">
+            <a:lvl2pPr marL="914400" lvl="1" indent="-317500">
               <a:spcBef>
                 <a:spcPts val="0"/>
               </a:spcBef>
@@ -5065,7 +5182,7 @@
               <a:buChar char="○"/>
               <a:defRPr/>
             </a:lvl2pPr>
-            <a:lvl3pPr indent="-317500" lvl="2" marL="1371600">
+            <a:lvl3pPr marL="1371600" lvl="2" indent="-317500">
               <a:spcBef>
                 <a:spcPts val="0"/>
               </a:spcBef>
@@ -5076,7 +5193,7 @@
               <a:buChar char="■"/>
               <a:defRPr/>
             </a:lvl3pPr>
-            <a:lvl4pPr indent="-317500" lvl="3" marL="1828800">
+            <a:lvl4pPr marL="1828800" lvl="3" indent="-317500">
               <a:spcBef>
                 <a:spcPts val="0"/>
               </a:spcBef>
@@ -5087,7 +5204,7 @@
               <a:buChar char="●"/>
               <a:defRPr/>
             </a:lvl4pPr>
-            <a:lvl5pPr indent="-317500" lvl="4" marL="2286000">
+            <a:lvl5pPr marL="2286000" lvl="4" indent="-317500">
               <a:spcBef>
                 <a:spcPts val="0"/>
               </a:spcBef>
@@ -5098,7 +5215,7 @@
               <a:buChar char="○"/>
               <a:defRPr/>
             </a:lvl5pPr>
-            <a:lvl6pPr indent="-317500" lvl="5" marL="2743200">
+            <a:lvl6pPr marL="2743200" lvl="5" indent="-317500">
               <a:spcBef>
                 <a:spcPts val="0"/>
               </a:spcBef>
@@ -5109,7 +5226,7 @@
               <a:buChar char="■"/>
               <a:defRPr/>
             </a:lvl6pPr>
-            <a:lvl7pPr indent="-317500" lvl="6" marL="3200400">
+            <a:lvl7pPr marL="3200400" lvl="6" indent="-317500">
               <a:spcBef>
                 <a:spcPts val="0"/>
               </a:spcBef>
@@ -5120,7 +5237,7 @@
               <a:buChar char="●"/>
               <a:defRPr/>
             </a:lvl7pPr>
-            <a:lvl8pPr indent="-317500" lvl="7" marL="3657600">
+            <a:lvl8pPr marL="3657600" lvl="7" indent="-317500">
               <a:spcBef>
                 <a:spcPts val="0"/>
               </a:spcBef>
@@ -5131,7 +5248,7 @@
               <a:buChar char="○"/>
               <a:defRPr/>
             </a:lvl8pPr>
-            <a:lvl9pPr indent="-317500" lvl="8" marL="4114800">
+            <a:lvl9pPr marL="4114800" lvl="8" indent="-317500">
               <a:spcBef>
                 <a:spcPts val="0"/>
               </a:spcBef>
@@ -5143,28 +5260,32 @@
               <a:defRPr/>
             </a:lvl9pPr>
           </a:lstStyle>
-          <a:p/>
+          <a:p>
+            <a:endParaRPr/>
+          </a:p>
         </p:txBody>
       </p:sp>
       <p:sp>
         <p:nvSpPr>
           <p:cNvPr id="40" name="Google Shape;40;p9"/>
-          <p:cNvSpPr txBox="1"/>
+          <p:cNvSpPr txBox="1">
+            <a:spLocks noGrp="1"/>
+          </p:cNvSpPr>
           <p:nvPr>
-            <p:ph idx="12" type="sldNum"/>
+            <p:ph type="sldNum" idx="12"/>
           </p:nvPr>
         </p:nvSpPr>
         <p:spPr>
           <a:xfrm>
-            <a:off x="8472458" y="6217622"/>
-            <a:ext cx="548700" cy="524700"/>
+            <a:off x="11296611" y="6217622"/>
+            <a:ext cx="731600" cy="524700"/>
           </a:xfrm>
           <a:prstGeom prst="rect">
             <a:avLst/>
           </a:prstGeom>
         </p:spPr>
         <p:txBody>
-          <a:bodyPr anchorCtr="0" anchor="ctr" bIns="91425" lIns="91425" spcFirstLastPara="1" rIns="91425" wrap="square" tIns="91425">
+          <a:bodyPr spcFirstLastPara="1" wrap="square" lIns="91425" tIns="91425" rIns="91425" bIns="91425" anchor="ctr" anchorCtr="0">
             <a:normAutofit/>
           </a:bodyPr>
           <a:lstStyle>
@@ -5206,20 +5327,12 @@
             </a:lvl9pPr>
           </a:lstStyle>
           <a:p>
-            <a:pPr indent="0" lvl="0" marL="0" rtl="0" algn="r">
-              <a:spcBef>
-                <a:spcPts val="0"/>
-              </a:spcBef>
-              <a:spcAft>
-                <a:spcPts val="0"/>
-              </a:spcAft>
-              <a:buNone/>
-            </a:pPr>
             <a:fld id="{00000000-1234-1234-1234-123412341234}" type="slidenum">
-              <a:rPr lang="en"/>
+              <a:rPr lang="en" smtClean="0"/>
+              <a:pPr/>
               <a:t>‹#›</a:t>
             </a:fld>
-            <a:endParaRPr/>
+            <a:endParaRPr lang="en"/>
           </a:p>
         </p:txBody>
       </p:sp>
@@ -5232,11 +5345,11 @@
 </file>
 
 <file path=ppt/slideLayouts/slideLayout9.xml><?xml version="1.0" encoding="utf-8"?>
-<p:sldLayout xmlns:a="http://schemas.openxmlformats.org/drawingml/2006/main" xmlns:r="http://schemas.openxmlformats.org/officeDocument/2006/relationships" xmlns:mc="http://schemas.openxmlformats.org/markup-compatibility/2006" xmlns:mv="urn:schemas-microsoft-com:mac:vml" xmlns:p="http://schemas.openxmlformats.org/presentationml/2006/main" xmlns:c="http://schemas.openxmlformats.org/drawingml/2006/chart" xmlns:dgm="http://schemas.openxmlformats.org/drawingml/2006/diagram" xmlns:o="urn:schemas-microsoft-com:office:office" xmlns:v="urn:schemas-microsoft-com:vml" xmlns:pvml="urn:schemas-microsoft-com:office:powerpoint" xmlns:com="http://schemas.openxmlformats.org/drawingml/2006/compatibility" xmlns:p14="http://schemas.microsoft.com/office/powerpoint/2010/main" xmlns:p15="http://schemas.microsoft.com/office/powerpoint/2012/main" xmlns:ahyp="http://schemas.microsoft.com/office/drawing/2018/hyperlinkcolor" matchingName="Caption">
+<p:sldLayout xmlns:a="http://schemas.openxmlformats.org/drawingml/2006/main" xmlns:r="http://schemas.openxmlformats.org/officeDocument/2006/relationships" xmlns:p="http://schemas.openxmlformats.org/presentationml/2006/main" matchingName="Caption">
   <p:cSld name="CAPTION_ONLY">
     <p:spTree>
       <p:nvGrpSpPr>
-        <p:cNvPr id="41" name="Shape 41"/>
+        <p:cNvPr id="1" name="Shape 41"/>
         <p:cNvGrpSpPr/>
         <p:nvPr/>
       </p:nvGrpSpPr>
@@ -5251,26 +5364,28 @@
       <p:sp>
         <p:nvSpPr>
           <p:cNvPr id="42" name="Google Shape;42;p10"/>
-          <p:cNvSpPr txBox="1"/>
+          <p:cNvSpPr txBox="1">
+            <a:spLocks noGrp="1"/>
+          </p:cNvSpPr>
           <p:nvPr>
-            <p:ph idx="1" type="body"/>
+            <p:ph type="body" idx="1"/>
           </p:nvPr>
         </p:nvSpPr>
         <p:spPr>
           <a:xfrm>
-            <a:off x="311700" y="5640767"/>
-            <a:ext cx="5998800" cy="806700"/>
+            <a:off x="415600" y="5640767"/>
+            <a:ext cx="7998400" cy="806700"/>
           </a:xfrm>
           <a:prstGeom prst="rect">
             <a:avLst/>
           </a:prstGeom>
         </p:spPr>
         <p:txBody>
-          <a:bodyPr anchorCtr="0" anchor="ctr" bIns="91425" lIns="91425" spcFirstLastPara="1" rIns="91425" wrap="square" tIns="91425">
+          <a:bodyPr spcFirstLastPara="1" wrap="square" lIns="91425" tIns="91425" rIns="91425" bIns="91425" anchor="ctr" anchorCtr="0">
             <a:normAutofit/>
           </a:bodyPr>
           <a:lstStyle>
-            <a:lvl1pPr indent="-228600" lvl="0" marL="457200">
+            <a:lvl1pPr marL="457200" lvl="0" indent="-228600">
               <a:lnSpc>
                 <a:spcPct val="100000"/>
               </a:lnSpc>
@@ -5285,28 +5400,32 @@
               <a:defRPr/>
             </a:lvl1pPr>
           </a:lstStyle>
-          <a:p/>
+          <a:p>
+            <a:endParaRPr/>
+          </a:p>
         </p:txBody>
       </p:sp>
       <p:sp>
         <p:nvSpPr>
           <p:cNvPr id="43" name="Google Shape;43;p10"/>
-          <p:cNvSpPr txBox="1"/>
+          <p:cNvSpPr txBox="1">
+            <a:spLocks noGrp="1"/>
+          </p:cNvSpPr>
           <p:nvPr>
-            <p:ph idx="12" type="sldNum"/>
+            <p:ph type="sldNum" idx="12"/>
           </p:nvPr>
         </p:nvSpPr>
         <p:spPr>
           <a:xfrm>
-            <a:off x="8472458" y="6217622"/>
-            <a:ext cx="548700" cy="524700"/>
+            <a:off x="11296611" y="6217622"/>
+            <a:ext cx="731600" cy="524700"/>
           </a:xfrm>
           <a:prstGeom prst="rect">
             <a:avLst/>
           </a:prstGeom>
         </p:spPr>
         <p:txBody>
-          <a:bodyPr anchorCtr="0" anchor="ctr" bIns="91425" lIns="91425" spcFirstLastPara="1" rIns="91425" wrap="square" tIns="91425">
+          <a:bodyPr spcFirstLastPara="1" wrap="square" lIns="91425" tIns="91425" rIns="91425" bIns="91425" anchor="ctr" anchorCtr="0">
             <a:normAutofit/>
           </a:bodyPr>
           <a:lstStyle>
@@ -5348,20 +5467,12 @@
             </a:lvl9pPr>
           </a:lstStyle>
           <a:p>
-            <a:pPr indent="0" lvl="0" marL="0" rtl="0" algn="r">
-              <a:spcBef>
-                <a:spcPts val="0"/>
-              </a:spcBef>
-              <a:spcAft>
-                <a:spcPts val="0"/>
-              </a:spcAft>
-              <a:buNone/>
-            </a:pPr>
             <a:fld id="{00000000-1234-1234-1234-123412341234}" type="slidenum">
-              <a:rPr lang="en"/>
+              <a:rPr lang="en" smtClean="0"/>
+              <a:pPr/>
               <a:t>‹#›</a:t>
             </a:fld>
-            <a:endParaRPr/>
+            <a:endParaRPr lang="en"/>
           </a:p>
         </p:txBody>
       </p:sp>
@@ -5374,18 +5485,19 @@
 </file>
 
 <file path=ppt/slideMasters/slideMaster1.xml><?xml version="1.0" encoding="utf-8"?>
-<p:sldMaster xmlns:a="http://schemas.openxmlformats.org/drawingml/2006/main" xmlns:r="http://schemas.openxmlformats.org/officeDocument/2006/relationships" xmlns:mc="http://schemas.openxmlformats.org/markup-compatibility/2006" xmlns:mv="urn:schemas-microsoft-com:mac:vml" xmlns:p="http://schemas.openxmlformats.org/presentationml/2006/main" xmlns:c="http://schemas.openxmlformats.org/drawingml/2006/chart" xmlns:dgm="http://schemas.openxmlformats.org/drawingml/2006/diagram" xmlns:o="urn:schemas-microsoft-com:office:office" xmlns:v="urn:schemas-microsoft-com:vml" xmlns:pvml="urn:schemas-microsoft-com:office:powerpoint" xmlns:com="http://schemas.openxmlformats.org/drawingml/2006/compatibility" xmlns:p14="http://schemas.microsoft.com/office/powerpoint/2010/main" xmlns:p15="http://schemas.microsoft.com/office/powerpoint/2012/main" xmlns:ahyp="http://schemas.microsoft.com/office/drawing/2018/hyperlinkcolor">
+<p:sldMaster xmlns:a="http://schemas.openxmlformats.org/drawingml/2006/main" xmlns:r="http://schemas.openxmlformats.org/officeDocument/2006/relationships" xmlns:p="http://schemas.openxmlformats.org/presentationml/2006/main">
   <p:cSld name="simple-light-2">
     <p:bg>
       <p:bgPr>
         <a:solidFill>
           <a:schemeClr val="lt1"/>
         </a:solidFill>
+        <a:effectLst/>
       </p:bgPr>
     </p:bg>
     <p:spTree>
       <p:nvGrpSpPr>
-        <p:cNvPr id="5" name="Shape 5"/>
+        <p:cNvPr id="1" name="Shape 5"/>
         <p:cNvGrpSpPr/>
         <p:nvPr/>
       </p:nvGrpSpPr>
@@ -5400,15 +5512,17 @@
       <p:sp>
         <p:nvSpPr>
           <p:cNvPr id="6" name="Google Shape;6;p1"/>
-          <p:cNvSpPr txBox="1"/>
+          <p:cNvSpPr txBox="1">
+            <a:spLocks noGrp="1"/>
+          </p:cNvSpPr>
           <p:nvPr>
             <p:ph type="title"/>
           </p:nvPr>
         </p:nvSpPr>
         <p:spPr>
           <a:xfrm>
-            <a:off x="311700" y="593367"/>
-            <a:ext cx="8520600" cy="763500"/>
+            <a:off x="415600" y="593367"/>
+            <a:ext cx="11360800" cy="763500"/>
           </a:xfrm>
           <a:prstGeom prst="rect">
             <a:avLst/>
@@ -5419,7 +5533,7 @@
           </a:ln>
         </p:spPr>
         <p:txBody>
-          <a:bodyPr anchorCtr="0" anchor="t" bIns="91425" lIns="91425" spcFirstLastPara="1" rIns="91425" wrap="square" tIns="91425">
+          <a:bodyPr spcFirstLastPara="1" wrap="square" lIns="91425" tIns="91425" rIns="91425" bIns="91425" anchor="t" anchorCtr="0">
             <a:normAutofit/>
           </a:bodyPr>
           <a:lstStyle>
@@ -5586,21 +5700,25 @@
               </a:defRPr>
             </a:lvl9pPr>
           </a:lstStyle>
-          <a:p/>
+          <a:p>
+            <a:endParaRPr/>
+          </a:p>
         </p:txBody>
       </p:sp>
       <p:sp>
         <p:nvSpPr>
           <p:cNvPr id="7" name="Google Shape;7;p1"/>
-          <p:cNvSpPr txBox="1"/>
+          <p:cNvSpPr txBox="1">
+            <a:spLocks noGrp="1"/>
+          </p:cNvSpPr>
           <p:nvPr>
-            <p:ph idx="1" type="body"/>
+            <p:ph type="body" idx="1"/>
           </p:nvPr>
         </p:nvSpPr>
         <p:spPr>
           <a:xfrm>
-            <a:off x="311700" y="1536633"/>
-            <a:ext cx="8520600" cy="4555200"/>
+            <a:off x="415600" y="1536633"/>
+            <a:ext cx="11360800" cy="4555200"/>
           </a:xfrm>
           <a:prstGeom prst="rect">
             <a:avLst/>
@@ -5611,11 +5729,11 @@
           </a:ln>
         </p:spPr>
         <p:txBody>
-          <a:bodyPr anchorCtr="0" anchor="t" bIns="91425" lIns="91425" spcFirstLastPara="1" rIns="91425" wrap="square" tIns="91425">
+          <a:bodyPr spcFirstLastPara="1" wrap="square" lIns="91425" tIns="91425" rIns="91425" bIns="91425" anchor="t" anchorCtr="0">
             <a:normAutofit/>
           </a:bodyPr>
           <a:lstStyle>
-            <a:lvl1pPr indent="-342900" lvl="0" marL="457200">
+            <a:lvl1pPr marL="457200" lvl="0" indent="-342900">
               <a:lnSpc>
                 <a:spcPct val="115000"/>
               </a:lnSpc>
@@ -5636,7 +5754,7 @@
                 </a:solidFill>
               </a:defRPr>
             </a:lvl1pPr>
-            <a:lvl2pPr indent="-317500" lvl="1" marL="914400">
+            <a:lvl2pPr marL="914400" lvl="1" indent="-317500">
               <a:lnSpc>
                 <a:spcPct val="115000"/>
               </a:lnSpc>
@@ -5657,7 +5775,7 @@
                 </a:solidFill>
               </a:defRPr>
             </a:lvl2pPr>
-            <a:lvl3pPr indent="-317500" lvl="2" marL="1371600">
+            <a:lvl3pPr marL="1371600" lvl="2" indent="-317500">
               <a:lnSpc>
                 <a:spcPct val="115000"/>
               </a:lnSpc>
@@ -5678,7 +5796,7 @@
                 </a:solidFill>
               </a:defRPr>
             </a:lvl3pPr>
-            <a:lvl4pPr indent="-317500" lvl="3" marL="1828800">
+            <a:lvl4pPr marL="1828800" lvl="3" indent="-317500">
               <a:lnSpc>
                 <a:spcPct val="115000"/>
               </a:lnSpc>
@@ -5699,7 +5817,7 @@
                 </a:solidFill>
               </a:defRPr>
             </a:lvl4pPr>
-            <a:lvl5pPr indent="-317500" lvl="4" marL="2286000">
+            <a:lvl5pPr marL="2286000" lvl="4" indent="-317500">
               <a:lnSpc>
                 <a:spcPct val="115000"/>
               </a:lnSpc>
@@ -5720,7 +5838,7 @@
                 </a:solidFill>
               </a:defRPr>
             </a:lvl5pPr>
-            <a:lvl6pPr indent="-317500" lvl="5" marL="2743200">
+            <a:lvl6pPr marL="2743200" lvl="5" indent="-317500">
               <a:lnSpc>
                 <a:spcPct val="115000"/>
               </a:lnSpc>
@@ -5741,7 +5859,7 @@
                 </a:solidFill>
               </a:defRPr>
             </a:lvl6pPr>
-            <a:lvl7pPr indent="-317500" lvl="6" marL="3200400">
+            <a:lvl7pPr marL="3200400" lvl="6" indent="-317500">
               <a:lnSpc>
                 <a:spcPct val="115000"/>
               </a:lnSpc>
@@ -5762,7 +5880,7 @@
                 </a:solidFill>
               </a:defRPr>
             </a:lvl7pPr>
-            <a:lvl8pPr indent="-317500" lvl="7" marL="3657600">
+            <a:lvl8pPr marL="3657600" lvl="7" indent="-317500">
               <a:lnSpc>
                 <a:spcPct val="115000"/>
               </a:lnSpc>
@@ -5783,7 +5901,7 @@
                 </a:solidFill>
               </a:defRPr>
             </a:lvl8pPr>
-            <a:lvl9pPr indent="-317500" lvl="8" marL="4114800">
+            <a:lvl9pPr marL="4114800" lvl="8" indent="-317500">
               <a:lnSpc>
                 <a:spcPct val="115000"/>
               </a:lnSpc>
@@ -5805,21 +5923,25 @@
               </a:defRPr>
             </a:lvl9pPr>
           </a:lstStyle>
-          <a:p/>
+          <a:p>
+            <a:endParaRPr/>
+          </a:p>
         </p:txBody>
       </p:sp>
       <p:sp>
         <p:nvSpPr>
           <p:cNvPr id="8" name="Google Shape;8;p1"/>
-          <p:cNvSpPr txBox="1"/>
+          <p:cNvSpPr txBox="1">
+            <a:spLocks noGrp="1"/>
+          </p:cNvSpPr>
           <p:nvPr>
-            <p:ph idx="12" type="sldNum"/>
+            <p:ph type="sldNum" idx="12"/>
           </p:nvPr>
         </p:nvSpPr>
         <p:spPr>
           <a:xfrm>
-            <a:off x="8472458" y="6217622"/>
-            <a:ext cx="548700" cy="524700"/>
+            <a:off x="11296611" y="6217622"/>
+            <a:ext cx="731600" cy="524700"/>
           </a:xfrm>
           <a:prstGeom prst="rect">
             <a:avLst/>
@@ -5830,7 +5952,7 @@
           </a:ln>
         </p:spPr>
         <p:txBody>
-          <a:bodyPr anchorCtr="0" anchor="ctr" bIns="91425" lIns="91425" spcFirstLastPara="1" rIns="91425" wrap="square" tIns="91425">
+          <a:bodyPr spcFirstLastPara="1" wrap="square" lIns="91425" tIns="91425" rIns="91425" bIns="91425" anchor="ctr" anchorCtr="0">
             <a:normAutofit/>
           </a:bodyPr>
           <a:lstStyle>
@@ -5908,26 +6030,127 @@
             </a:lvl9pPr>
           </a:lstStyle>
           <a:p>
-            <a:pPr indent="0" lvl="0" marL="0" rtl="0" algn="r">
-              <a:spcBef>
-                <a:spcPts val="0"/>
-              </a:spcBef>
-              <a:spcAft>
-                <a:spcPts val="0"/>
-              </a:spcAft>
-              <a:buNone/>
-            </a:pPr>
             <a:fld id="{00000000-1234-1234-1234-123412341234}" type="slidenum">
-              <a:rPr lang="en"/>
+              <a:rPr lang="en" smtClean="0"/>
+              <a:pPr/>
               <a:t>‹#›</a:t>
             </a:fld>
-            <a:endParaRPr/>
+            <a:endParaRPr lang="en"/>
+          </a:p>
+        </p:txBody>
+      </p:sp>
+      <p:cxnSp>
+        <p:nvCxnSpPr>
+          <p:cNvPr id="3" name="직선 연결선 2">
+            <a:extLst>
+              <a:ext uri="{FF2B5EF4-FFF2-40B4-BE49-F238E27FC236}">
+                <a16:creationId xmlns:a16="http://schemas.microsoft.com/office/drawing/2014/main" id="{613FFDFD-7A23-1DA9-F8DF-B3D672D08D4E}"/>
+              </a:ext>
+            </a:extLst>
+          </p:cNvPr>
+          <p:cNvCxnSpPr>
+            <a:cxnSpLocks/>
+          </p:cNvCxnSpPr>
+          <p:nvPr userDrawn="1"/>
+        </p:nvCxnSpPr>
+        <p:spPr>
+          <a:xfrm>
+            <a:off x="0" y="365125"/>
+            <a:ext cx="10582183" cy="0"/>
+          </a:xfrm>
+          <a:prstGeom prst="line">
+            <a:avLst/>
+          </a:prstGeom>
+          <a:ln w="38100"/>
+        </p:spPr>
+        <p:style>
+          <a:lnRef idx="1">
+            <a:schemeClr val="accent1"/>
+          </a:lnRef>
+          <a:fillRef idx="0">
+            <a:schemeClr val="accent1"/>
+          </a:fillRef>
+          <a:effectRef idx="0">
+            <a:schemeClr val="accent1"/>
+          </a:effectRef>
+          <a:fontRef idx="minor">
+            <a:schemeClr val="tx1"/>
+          </a:fontRef>
+        </p:style>
+      </p:cxnSp>
+      <p:pic>
+        <p:nvPicPr>
+          <p:cNvPr id="4" name="그림 3">
+            <a:extLst>
+              <a:ext uri="{FF2B5EF4-FFF2-40B4-BE49-F238E27FC236}">
+                <a16:creationId xmlns:a16="http://schemas.microsoft.com/office/drawing/2014/main" id="{5295F08F-F40C-4D8A-77ED-55B5C4C53AFF}"/>
+              </a:ext>
+            </a:extLst>
+          </p:cNvPr>
+          <p:cNvPicPr>
+            <a:picLocks noChangeAspect="1"/>
+          </p:cNvPicPr>
+          <p:nvPr userDrawn="1"/>
+        </p:nvPicPr>
+        <p:blipFill>
+          <a:blip r:embed="rId13"/>
+          <a:stretch>
+            <a:fillRect/>
+          </a:stretch>
+        </p:blipFill>
+        <p:spPr>
+          <a:xfrm>
+            <a:off x="10758910" y="129799"/>
+            <a:ext cx="1189780" cy="470650"/>
+          </a:xfrm>
+          <a:prstGeom prst="rect">
+            <a:avLst/>
+          </a:prstGeom>
+        </p:spPr>
+      </p:pic>
+      <p:sp>
+        <p:nvSpPr>
+          <p:cNvPr id="5" name="TextBox 4">
+            <a:extLst>
+              <a:ext uri="{FF2B5EF4-FFF2-40B4-BE49-F238E27FC236}">
+                <a16:creationId xmlns:a16="http://schemas.microsoft.com/office/drawing/2014/main" id="{B2B2D842-6E20-2051-95EB-4A7DA0F16382}"/>
+              </a:ext>
+            </a:extLst>
+          </p:cNvPr>
+          <p:cNvSpPr txBox="1"/>
+          <p:nvPr userDrawn="1"/>
+        </p:nvSpPr>
+        <p:spPr>
+          <a:xfrm>
+            <a:off x="5112397" y="6409678"/>
+            <a:ext cx="1967205" cy="307777"/>
+          </a:xfrm>
+          <a:prstGeom prst="rect">
+            <a:avLst/>
+          </a:prstGeom>
+          <a:noFill/>
+        </p:spPr>
+        <p:txBody>
+          <a:bodyPr wrap="none" rtlCol="0">
+            <a:spAutoFit/>
+          </a:bodyPr>
+          <a:lstStyle/>
+          <a:p>
+            <a:r>
+              <a:rPr lang="en-US" altLang="ko-KR" sz="1400" b="0" dirty="0"/>
+              <a:t>Copyright 2022 </a:t>
+            </a:r>
+            <a:r>
+              <a:rPr lang="en-US" altLang="ko-KR" sz="1400" b="0" dirty="0" err="1"/>
+              <a:t>jdedu</a:t>
+            </a:r>
+            <a:endParaRPr lang="ko-KR" altLang="en-US" sz="1400" b="0" dirty="0"/>
           </a:p>
         </p:txBody>
       </p:sp>
     </p:spTree>
   </p:cSld>
-  <p:clrMap accent1="accent1" accent2="accent2" accent3="accent3" accent4="accent4" accent5="accent5" accent6="accent6" bg1="lt1" bg2="dk2" tx1="dk1" tx2="lt2" folHlink="folHlink" hlink="hlink"/>
+  <p:clrMap bg1="lt1" tx1="dk1" bg2="dk2" tx2="lt2" accent1="accent1" accent2="accent2" accent3="accent3" accent4="accent4" accent5="accent5" accent6="accent6" hlink="hlink" folHlink="folHlink"/>
   <p:sldLayoutIdLst>
     <p:sldLayoutId id="2147483648" r:id="rId1"/>
     <p:sldLayoutId id="2147483649" r:id="rId2"/>
@@ -5941,10 +6164,10 @@
     <p:sldLayoutId id="2147483657" r:id="rId10"/>
     <p:sldLayoutId id="2147483658" r:id="rId11"/>
   </p:sldLayoutIdLst>
-  <p:hf dt="0" ftr="0" hdr="0" sldNum="0"/>
+  <p:hf sldNum="0" hdr="0" ftr="0" dt="0"/>
   <p:txStyles>
     <p:titleStyle>
-      <a:defPPr lvl="0" marR="0" rtl="0" algn="l">
+      <a:defPPr marR="0" lvl="0" algn="l" rtl="0">
         <a:lnSpc>
           <a:spcPct val="100000"/>
         </a:lnSpc>
@@ -5955,7 +6178,7 @@
           <a:spcPts val="0"/>
         </a:spcAft>
       </a:defPPr>
-      <a:lvl1pPr lvl="0" marR="0" rtl="0" algn="l">
+      <a:lvl1pPr marR="0" lvl="0" algn="l" rtl="0">
         <a:lnSpc>
           <a:spcPct val="100000"/>
         </a:lnSpc>
@@ -5969,7 +6192,7 @@
           <a:srgbClr val="000000"/>
         </a:buClr>
         <a:buFont typeface="Arial"/>
-        <a:defRPr b="0" i="0" sz="1400" u="none" cap="none" strike="noStrike">
+        <a:defRPr sz="1400" b="0" i="0" u="none" strike="noStrike" cap="none">
           <a:solidFill>
             <a:srgbClr val="000000"/>
           </a:solidFill>
@@ -5979,7 +6202,7 @@
           <a:sym typeface="Arial"/>
         </a:defRPr>
       </a:lvl1pPr>
-      <a:lvl2pPr lvl="1" marR="0" rtl="0" algn="l">
+      <a:lvl2pPr marR="0" lvl="1" algn="l" rtl="0">
         <a:lnSpc>
           <a:spcPct val="100000"/>
         </a:lnSpc>
@@ -5993,7 +6216,7 @@
           <a:srgbClr val="000000"/>
         </a:buClr>
         <a:buFont typeface="Arial"/>
-        <a:defRPr b="0" i="0" sz="1400" u="none" cap="none" strike="noStrike">
+        <a:defRPr sz="1400" b="0" i="0" u="none" strike="noStrike" cap="none">
           <a:solidFill>
             <a:srgbClr val="000000"/>
           </a:solidFill>
@@ -6003,7 +6226,7 @@
           <a:sym typeface="Arial"/>
         </a:defRPr>
       </a:lvl2pPr>
-      <a:lvl3pPr lvl="2" marR="0" rtl="0" algn="l">
+      <a:lvl3pPr marR="0" lvl="2" algn="l" rtl="0">
         <a:lnSpc>
           <a:spcPct val="100000"/>
         </a:lnSpc>
@@ -6017,7 +6240,7 @@
           <a:srgbClr val="000000"/>
         </a:buClr>
         <a:buFont typeface="Arial"/>
-        <a:defRPr b="0" i="0" sz="1400" u="none" cap="none" strike="noStrike">
+        <a:defRPr sz="1400" b="0" i="0" u="none" strike="noStrike" cap="none">
           <a:solidFill>
             <a:srgbClr val="000000"/>
           </a:solidFill>
@@ -6027,7 +6250,7 @@
           <a:sym typeface="Arial"/>
         </a:defRPr>
       </a:lvl3pPr>
-      <a:lvl4pPr lvl="3" marR="0" rtl="0" algn="l">
+      <a:lvl4pPr marR="0" lvl="3" algn="l" rtl="0">
         <a:lnSpc>
           <a:spcPct val="100000"/>
         </a:lnSpc>
@@ -6041,7 +6264,7 @@
           <a:srgbClr val="000000"/>
         </a:buClr>
         <a:buFont typeface="Arial"/>
-        <a:defRPr b="0" i="0" sz="1400" u="none" cap="none" strike="noStrike">
+        <a:defRPr sz="1400" b="0" i="0" u="none" strike="noStrike" cap="none">
           <a:solidFill>
             <a:srgbClr val="000000"/>
           </a:solidFill>
@@ -6051,7 +6274,7 @@
           <a:sym typeface="Arial"/>
         </a:defRPr>
       </a:lvl4pPr>
-      <a:lvl5pPr lvl="4" marR="0" rtl="0" algn="l">
+      <a:lvl5pPr marR="0" lvl="4" algn="l" rtl="0">
         <a:lnSpc>
           <a:spcPct val="100000"/>
         </a:lnSpc>
@@ -6065,7 +6288,7 @@
           <a:srgbClr val="000000"/>
         </a:buClr>
         <a:buFont typeface="Arial"/>
-        <a:defRPr b="0" i="0" sz="1400" u="none" cap="none" strike="noStrike">
+        <a:defRPr sz="1400" b="0" i="0" u="none" strike="noStrike" cap="none">
           <a:solidFill>
             <a:srgbClr val="000000"/>
           </a:solidFill>
@@ -6075,7 +6298,7 @@
           <a:sym typeface="Arial"/>
         </a:defRPr>
       </a:lvl5pPr>
-      <a:lvl6pPr lvl="5" marR="0" rtl="0" algn="l">
+      <a:lvl6pPr marR="0" lvl="5" algn="l" rtl="0">
         <a:lnSpc>
           <a:spcPct val="100000"/>
         </a:lnSpc>
@@ -6089,7 +6312,7 @@
           <a:srgbClr val="000000"/>
         </a:buClr>
         <a:buFont typeface="Arial"/>
-        <a:defRPr b="0" i="0" sz="1400" u="none" cap="none" strike="noStrike">
+        <a:defRPr sz="1400" b="0" i="0" u="none" strike="noStrike" cap="none">
           <a:solidFill>
             <a:srgbClr val="000000"/>
           </a:solidFill>
@@ -6099,7 +6322,7 @@
           <a:sym typeface="Arial"/>
         </a:defRPr>
       </a:lvl6pPr>
-      <a:lvl7pPr lvl="6" marR="0" rtl="0" algn="l">
+      <a:lvl7pPr marR="0" lvl="6" algn="l" rtl="0">
         <a:lnSpc>
           <a:spcPct val="100000"/>
         </a:lnSpc>
@@ -6113,7 +6336,7 @@
           <a:srgbClr val="000000"/>
         </a:buClr>
         <a:buFont typeface="Arial"/>
-        <a:defRPr b="0" i="0" sz="1400" u="none" cap="none" strike="noStrike">
+        <a:defRPr sz="1400" b="0" i="0" u="none" strike="noStrike" cap="none">
           <a:solidFill>
             <a:srgbClr val="000000"/>
           </a:solidFill>
@@ -6123,7 +6346,7 @@
           <a:sym typeface="Arial"/>
         </a:defRPr>
       </a:lvl7pPr>
-      <a:lvl8pPr lvl="7" marR="0" rtl="0" algn="l">
+      <a:lvl8pPr marR="0" lvl="7" algn="l" rtl="0">
         <a:lnSpc>
           <a:spcPct val="100000"/>
         </a:lnSpc>
@@ -6137,7 +6360,7 @@
           <a:srgbClr val="000000"/>
         </a:buClr>
         <a:buFont typeface="Arial"/>
-        <a:defRPr b="0" i="0" sz="1400" u="none" cap="none" strike="noStrike">
+        <a:defRPr sz="1400" b="0" i="0" u="none" strike="noStrike" cap="none">
           <a:solidFill>
             <a:srgbClr val="000000"/>
           </a:solidFill>
@@ -6147,7 +6370,7 @@
           <a:sym typeface="Arial"/>
         </a:defRPr>
       </a:lvl8pPr>
-      <a:lvl9pPr lvl="8" marR="0" rtl="0" algn="l">
+      <a:lvl9pPr marR="0" lvl="8" algn="l" rtl="0">
         <a:lnSpc>
           <a:spcPct val="100000"/>
         </a:lnSpc>
@@ -6161,7 +6384,7 @@
           <a:srgbClr val="000000"/>
         </a:buClr>
         <a:buFont typeface="Arial"/>
-        <a:defRPr b="0" i="0" sz="1400" u="none" cap="none" strike="noStrike">
+        <a:defRPr sz="1400" b="0" i="0" u="none" strike="noStrike" cap="none">
           <a:solidFill>
             <a:srgbClr val="000000"/>
           </a:solidFill>
@@ -6173,7 +6396,7 @@
       </a:lvl9pPr>
     </p:titleStyle>
     <p:bodyStyle>
-      <a:defPPr lvl="0" marR="0" rtl="0" algn="l">
+      <a:defPPr marR="0" lvl="0" algn="l" rtl="0">
         <a:lnSpc>
           <a:spcPct val="100000"/>
         </a:lnSpc>
@@ -6184,7 +6407,7 @@
           <a:spcPts val="0"/>
         </a:spcAft>
       </a:defPPr>
-      <a:lvl1pPr lvl="0" marR="0" rtl="0" algn="l">
+      <a:lvl1pPr marR="0" lvl="0" algn="l" rtl="0">
         <a:lnSpc>
           <a:spcPct val="100000"/>
         </a:lnSpc>
@@ -6198,7 +6421,7 @@
           <a:srgbClr val="000000"/>
         </a:buClr>
         <a:buFont typeface="Arial"/>
-        <a:defRPr b="0" i="0" sz="1400" u="none" cap="none" strike="noStrike">
+        <a:defRPr sz="1400" b="0" i="0" u="none" strike="noStrike" cap="none">
           <a:solidFill>
             <a:srgbClr val="000000"/>
           </a:solidFill>
@@ -6208,7 +6431,7 @@
           <a:sym typeface="Arial"/>
         </a:defRPr>
       </a:lvl1pPr>
-      <a:lvl2pPr lvl="1" marR="0" rtl="0" algn="l">
+      <a:lvl2pPr marR="0" lvl="1" algn="l" rtl="0">
         <a:lnSpc>
           <a:spcPct val="100000"/>
         </a:lnSpc>
@@ -6222,7 +6445,7 @@
           <a:srgbClr val="000000"/>
         </a:buClr>
         <a:buFont typeface="Arial"/>
-        <a:defRPr b="0" i="0" sz="1400" u="none" cap="none" strike="noStrike">
+        <a:defRPr sz="1400" b="0" i="0" u="none" strike="noStrike" cap="none">
           <a:solidFill>
             <a:srgbClr val="000000"/>
           </a:solidFill>
@@ -6232,7 +6455,7 @@
           <a:sym typeface="Arial"/>
         </a:defRPr>
       </a:lvl2pPr>
-      <a:lvl3pPr lvl="2" marR="0" rtl="0" algn="l">
+      <a:lvl3pPr marR="0" lvl="2" algn="l" rtl="0">
         <a:lnSpc>
           <a:spcPct val="100000"/>
         </a:lnSpc>
@@ -6246,7 +6469,7 @@
           <a:srgbClr val="000000"/>
         </a:buClr>
         <a:buFont typeface="Arial"/>
-        <a:defRPr b="0" i="0" sz="1400" u="none" cap="none" strike="noStrike">
+        <a:defRPr sz="1400" b="0" i="0" u="none" strike="noStrike" cap="none">
           <a:solidFill>
             <a:srgbClr val="000000"/>
           </a:solidFill>
@@ -6256,7 +6479,7 @@
           <a:sym typeface="Arial"/>
         </a:defRPr>
       </a:lvl3pPr>
-      <a:lvl4pPr lvl="3" marR="0" rtl="0" algn="l">
+      <a:lvl4pPr marR="0" lvl="3" algn="l" rtl="0">
         <a:lnSpc>
           <a:spcPct val="100000"/>
         </a:lnSpc>
@@ -6270,7 +6493,7 @@
           <a:srgbClr val="000000"/>
         </a:buClr>
         <a:buFont typeface="Arial"/>
-        <a:defRPr b="0" i="0" sz="1400" u="none" cap="none" strike="noStrike">
+        <a:defRPr sz="1400" b="0" i="0" u="none" strike="noStrike" cap="none">
           <a:solidFill>
             <a:srgbClr val="000000"/>
           </a:solidFill>
@@ -6280,7 +6503,7 @@
           <a:sym typeface="Arial"/>
         </a:defRPr>
       </a:lvl4pPr>
-      <a:lvl5pPr lvl="4" marR="0" rtl="0" algn="l">
+      <a:lvl5pPr marR="0" lvl="4" algn="l" rtl="0">
         <a:lnSpc>
           <a:spcPct val="100000"/>
         </a:lnSpc>
@@ -6294,7 +6517,7 @@
           <a:srgbClr val="000000"/>
         </a:buClr>
         <a:buFont typeface="Arial"/>
-        <a:defRPr b="0" i="0" sz="1400" u="none" cap="none" strike="noStrike">
+        <a:defRPr sz="1400" b="0" i="0" u="none" strike="noStrike" cap="none">
           <a:solidFill>
             <a:srgbClr val="000000"/>
           </a:solidFill>
@@ -6304,7 +6527,7 @@
           <a:sym typeface="Arial"/>
         </a:defRPr>
       </a:lvl5pPr>
-      <a:lvl6pPr lvl="5" marR="0" rtl="0" algn="l">
+      <a:lvl6pPr marR="0" lvl="5" algn="l" rtl="0">
         <a:lnSpc>
           <a:spcPct val="100000"/>
         </a:lnSpc>
@@ -6318,7 +6541,7 @@
           <a:srgbClr val="000000"/>
         </a:buClr>
         <a:buFont typeface="Arial"/>
-        <a:defRPr b="0" i="0" sz="1400" u="none" cap="none" strike="noStrike">
+        <a:defRPr sz="1400" b="0" i="0" u="none" strike="noStrike" cap="none">
           <a:solidFill>
             <a:srgbClr val="000000"/>
           </a:solidFill>
@@ -6328,7 +6551,7 @@
           <a:sym typeface="Arial"/>
         </a:defRPr>
       </a:lvl6pPr>
-      <a:lvl7pPr lvl="6" marR="0" rtl="0" algn="l">
+      <a:lvl7pPr marR="0" lvl="6" algn="l" rtl="0">
         <a:lnSpc>
           <a:spcPct val="100000"/>
         </a:lnSpc>
@@ -6342,7 +6565,7 @@
           <a:srgbClr val="000000"/>
         </a:buClr>
         <a:buFont typeface="Arial"/>
-        <a:defRPr b="0" i="0" sz="1400" u="none" cap="none" strike="noStrike">
+        <a:defRPr sz="1400" b="0" i="0" u="none" strike="noStrike" cap="none">
           <a:solidFill>
             <a:srgbClr val="000000"/>
           </a:solidFill>
@@ -6352,7 +6575,7 @@
           <a:sym typeface="Arial"/>
         </a:defRPr>
       </a:lvl7pPr>
-      <a:lvl8pPr lvl="7" marR="0" rtl="0" algn="l">
+      <a:lvl8pPr marR="0" lvl="7" algn="l" rtl="0">
         <a:lnSpc>
           <a:spcPct val="100000"/>
         </a:lnSpc>
@@ -6366,7 +6589,7 @@
           <a:srgbClr val="000000"/>
         </a:buClr>
         <a:buFont typeface="Arial"/>
-        <a:defRPr b="0" i="0" sz="1400" u="none" cap="none" strike="noStrike">
+        <a:defRPr sz="1400" b="0" i="0" u="none" strike="noStrike" cap="none">
           <a:solidFill>
             <a:srgbClr val="000000"/>
           </a:solidFill>
@@ -6376,7 +6599,7 @@
           <a:sym typeface="Arial"/>
         </a:defRPr>
       </a:lvl8pPr>
-      <a:lvl9pPr lvl="8" marR="0" rtl="0" algn="l">
+      <a:lvl9pPr marR="0" lvl="8" algn="l" rtl="0">
         <a:lnSpc>
           <a:spcPct val="100000"/>
         </a:lnSpc>
@@ -6390,7 +6613,7 @@
           <a:srgbClr val="000000"/>
         </a:buClr>
         <a:buFont typeface="Arial"/>
-        <a:defRPr b="0" i="0" sz="1400" u="none" cap="none" strike="noStrike">
+        <a:defRPr sz="1400" b="0" i="0" u="none" strike="noStrike" cap="none">
           <a:solidFill>
             <a:srgbClr val="000000"/>
           </a:solidFill>
@@ -6402,7 +6625,7 @@
       </a:lvl9pPr>
     </p:bodyStyle>
     <p:otherStyle>
-      <a:defPPr lvl="0" marR="0" rtl="0" algn="l">
+      <a:defPPr marR="0" lvl="0" algn="l" rtl="0">
         <a:lnSpc>
           <a:spcPct val="100000"/>
         </a:lnSpc>
@@ -6413,7 +6636,7 @@
           <a:spcPts val="0"/>
         </a:spcAft>
       </a:defPPr>
-      <a:lvl1pPr lvl="0" marR="0" rtl="0" algn="l">
+      <a:lvl1pPr marR="0" lvl="0" algn="l" rtl="0">
         <a:lnSpc>
           <a:spcPct val="100000"/>
         </a:lnSpc>
@@ -6427,7 +6650,7 @@
           <a:srgbClr val="000000"/>
         </a:buClr>
         <a:buFont typeface="Arial"/>
-        <a:defRPr b="0" i="0" sz="1400" u="none" cap="none" strike="noStrike">
+        <a:defRPr sz="1400" b="0" i="0" u="none" strike="noStrike" cap="none">
           <a:solidFill>
             <a:srgbClr val="000000"/>
           </a:solidFill>
@@ -6437,7 +6660,7 @@
           <a:sym typeface="Arial"/>
         </a:defRPr>
       </a:lvl1pPr>
-      <a:lvl2pPr lvl="1" marR="0" rtl="0" algn="l">
+      <a:lvl2pPr marR="0" lvl="1" algn="l" rtl="0">
         <a:lnSpc>
           <a:spcPct val="100000"/>
         </a:lnSpc>
@@ -6451,7 +6674,7 @@
           <a:srgbClr val="000000"/>
         </a:buClr>
         <a:buFont typeface="Arial"/>
-        <a:defRPr b="0" i="0" sz="1400" u="none" cap="none" strike="noStrike">
+        <a:defRPr sz="1400" b="0" i="0" u="none" strike="noStrike" cap="none">
           <a:solidFill>
             <a:srgbClr val="000000"/>
           </a:solidFill>
@@ -6461,7 +6684,7 @@
           <a:sym typeface="Arial"/>
         </a:defRPr>
       </a:lvl2pPr>
-      <a:lvl3pPr lvl="2" marR="0" rtl="0" algn="l">
+      <a:lvl3pPr marR="0" lvl="2" algn="l" rtl="0">
         <a:lnSpc>
           <a:spcPct val="100000"/>
         </a:lnSpc>
@@ -6475,7 +6698,7 @@
           <a:srgbClr val="000000"/>
         </a:buClr>
         <a:buFont typeface="Arial"/>
-        <a:defRPr b="0" i="0" sz="1400" u="none" cap="none" strike="noStrike">
+        <a:defRPr sz="1400" b="0" i="0" u="none" strike="noStrike" cap="none">
           <a:solidFill>
             <a:srgbClr val="000000"/>
           </a:solidFill>
@@ -6485,7 +6708,7 @@
           <a:sym typeface="Arial"/>
         </a:defRPr>
       </a:lvl3pPr>
-      <a:lvl4pPr lvl="3" marR="0" rtl="0" algn="l">
+      <a:lvl4pPr marR="0" lvl="3" algn="l" rtl="0">
         <a:lnSpc>
           <a:spcPct val="100000"/>
         </a:lnSpc>
@@ -6499,7 +6722,7 @@
           <a:srgbClr val="000000"/>
         </a:buClr>
         <a:buFont typeface="Arial"/>
-        <a:defRPr b="0" i="0" sz="1400" u="none" cap="none" strike="noStrike">
+        <a:defRPr sz="1400" b="0" i="0" u="none" strike="noStrike" cap="none">
           <a:solidFill>
             <a:srgbClr val="000000"/>
           </a:solidFill>
@@ -6509,7 +6732,7 @@
           <a:sym typeface="Arial"/>
         </a:defRPr>
       </a:lvl4pPr>
-      <a:lvl5pPr lvl="4" marR="0" rtl="0" algn="l">
+      <a:lvl5pPr marR="0" lvl="4" algn="l" rtl="0">
         <a:lnSpc>
           <a:spcPct val="100000"/>
         </a:lnSpc>
@@ -6523,7 +6746,7 @@
           <a:srgbClr val="000000"/>
         </a:buClr>
         <a:buFont typeface="Arial"/>
-        <a:defRPr b="0" i="0" sz="1400" u="none" cap="none" strike="noStrike">
+        <a:defRPr sz="1400" b="0" i="0" u="none" strike="noStrike" cap="none">
           <a:solidFill>
             <a:srgbClr val="000000"/>
           </a:solidFill>
@@ -6533,7 +6756,7 @@
           <a:sym typeface="Arial"/>
         </a:defRPr>
       </a:lvl5pPr>
-      <a:lvl6pPr lvl="5" marR="0" rtl="0" algn="l">
+      <a:lvl6pPr marR="0" lvl="5" algn="l" rtl="0">
         <a:lnSpc>
           <a:spcPct val="100000"/>
         </a:lnSpc>
@@ -6547,7 +6770,7 @@
           <a:srgbClr val="000000"/>
         </a:buClr>
         <a:buFont typeface="Arial"/>
-        <a:defRPr b="0" i="0" sz="1400" u="none" cap="none" strike="noStrike">
+        <a:defRPr sz="1400" b="0" i="0" u="none" strike="noStrike" cap="none">
           <a:solidFill>
             <a:srgbClr val="000000"/>
           </a:solidFill>
@@ -6557,7 +6780,7 @@
           <a:sym typeface="Arial"/>
         </a:defRPr>
       </a:lvl6pPr>
-      <a:lvl7pPr lvl="6" marR="0" rtl="0" algn="l">
+      <a:lvl7pPr marR="0" lvl="6" algn="l" rtl="0">
         <a:lnSpc>
           <a:spcPct val="100000"/>
         </a:lnSpc>
@@ -6571,7 +6794,7 @@
           <a:srgbClr val="000000"/>
         </a:buClr>
         <a:buFont typeface="Arial"/>
-        <a:defRPr b="0" i="0" sz="1400" u="none" cap="none" strike="noStrike">
+        <a:defRPr sz="1400" b="0" i="0" u="none" strike="noStrike" cap="none">
           <a:solidFill>
             <a:srgbClr val="000000"/>
           </a:solidFill>
@@ -6581,7 +6804,7 @@
           <a:sym typeface="Arial"/>
         </a:defRPr>
       </a:lvl7pPr>
-      <a:lvl8pPr lvl="7" marR="0" rtl="0" algn="l">
+      <a:lvl8pPr marR="0" lvl="7" algn="l" rtl="0">
         <a:lnSpc>
           <a:spcPct val="100000"/>
         </a:lnSpc>
@@ -6595,7 +6818,7 @@
           <a:srgbClr val="000000"/>
         </a:buClr>
         <a:buFont typeface="Arial"/>
-        <a:defRPr b="0" i="0" sz="1400" u="none" cap="none" strike="noStrike">
+        <a:defRPr sz="1400" b="0" i="0" u="none" strike="noStrike" cap="none">
           <a:solidFill>
             <a:srgbClr val="000000"/>
           </a:solidFill>
@@ -6605,7 +6828,7 @@
           <a:sym typeface="Arial"/>
         </a:defRPr>
       </a:lvl8pPr>
-      <a:lvl9pPr lvl="8" marR="0" rtl="0" algn="l">
+      <a:lvl9pPr marR="0" lvl="8" algn="l" rtl="0">
         <a:lnSpc>
           <a:spcPct val="100000"/>
         </a:lnSpc>
@@ -6619,7 +6842,7 @@
           <a:srgbClr val="000000"/>
         </a:buClr>
         <a:buFont typeface="Arial"/>
-        <a:defRPr b="0" i="0" sz="1400" u="none" cap="none" strike="noStrike">
+        <a:defRPr sz="1400" b="0" i="0" u="none" strike="noStrike" cap="none">
           <a:solidFill>
             <a:srgbClr val="000000"/>
           </a:solidFill>
@@ -6635,11 +6858,11 @@
 </file>
 
 <file path=ppt/slides/slide1.xml><?xml version="1.0" encoding="utf-8"?>
-<p:sld xmlns:a="http://schemas.openxmlformats.org/drawingml/2006/main" xmlns:r="http://schemas.openxmlformats.org/officeDocument/2006/relationships" xmlns:mc="http://schemas.openxmlformats.org/markup-compatibility/2006" xmlns:mv="urn:schemas-microsoft-com:mac:vml" xmlns:p="http://schemas.openxmlformats.org/presentationml/2006/main" xmlns:c="http://schemas.openxmlformats.org/drawingml/2006/chart" xmlns:dgm="http://schemas.openxmlformats.org/drawingml/2006/diagram" xmlns:o="urn:schemas-microsoft-com:office:office" xmlns:v="urn:schemas-microsoft-com:vml" xmlns:pvml="urn:schemas-microsoft-com:office:powerpoint" xmlns:com="http://schemas.openxmlformats.org/drawingml/2006/compatibility" xmlns:p14="http://schemas.microsoft.com/office/powerpoint/2010/main" xmlns:p15="http://schemas.microsoft.com/office/powerpoint/2012/main" xmlns:ahyp="http://schemas.microsoft.com/office/drawing/2018/hyperlinkcolor">
+<p:sld xmlns:a="http://schemas.openxmlformats.org/drawingml/2006/main" xmlns:r="http://schemas.openxmlformats.org/officeDocument/2006/relationships" xmlns:p="http://schemas.openxmlformats.org/presentationml/2006/main">
   <p:cSld>
     <p:spTree>
       <p:nvGrpSpPr>
-        <p:cNvPr id="53" name="Shape 53"/>
+        <p:cNvPr id="1" name="Shape 53"/>
         <p:cNvGrpSpPr/>
         <p:nvPr/>
       </p:nvGrpSpPr>
@@ -6654,14 +6877,16 @@
       <p:sp>
         <p:nvSpPr>
           <p:cNvPr id="54" name="Google Shape;54;p13"/>
-          <p:cNvSpPr txBox="1"/>
+          <p:cNvSpPr txBox="1">
+            <a:spLocks noGrp="1"/>
+          </p:cNvSpPr>
           <p:nvPr>
             <p:ph type="ctrTitle"/>
           </p:nvPr>
         </p:nvSpPr>
         <p:spPr>
           <a:xfrm>
-            <a:off x="311708" y="992767"/>
+            <a:off x="1835708" y="992767"/>
             <a:ext cx="8520600" cy="2736900"/>
           </a:xfrm>
           <a:prstGeom prst="rect">
@@ -6669,117 +6894,31 @@
           </a:prstGeom>
         </p:spPr>
         <p:txBody>
-          <a:bodyPr anchorCtr="0" anchor="b" bIns="91425" lIns="91425" spcFirstLastPara="1" rIns="91425" wrap="square" tIns="91425">
+          <a:bodyPr spcFirstLastPara="1" wrap="square" lIns="91425" tIns="91425" rIns="91425" bIns="91425" anchor="b" anchorCtr="0">
             <a:normAutofit/>
           </a:bodyPr>
           <a:lstStyle/>
           <a:p>
-            <a:pPr indent="0" lvl="0" marL="0" rtl="0" algn="ctr">
-              <a:spcBef>
-                <a:spcPts val="0"/>
-              </a:spcBef>
-              <a:spcAft>
-                <a:spcPts val="0"/>
-              </a:spcAft>
-              <a:buNone/>
-            </a:pPr>
-            <a:r>
-              <a:rPr b="1" lang="en" sz="4700">
+            <a:r>
+              <a:rPr lang="en" sz="4700" b="1">
                 <a:solidFill>
                   <a:srgbClr val="38761D"/>
                 </a:solidFill>
               </a:rPr>
               <a:t>10. 파이썬 중급</a:t>
             </a:r>
-            <a:endParaRPr b="1" sz="4700">
+            <a:endParaRPr sz="4700" b="1">
               <a:solidFill>
                 <a:srgbClr val="38761D"/>
               </a:solidFill>
             </a:endParaRPr>
           </a:p>
           <a:p>
-            <a:pPr indent="0" lvl="0" marL="0" rtl="0" algn="ctr">
-              <a:spcBef>
-                <a:spcPts val="0"/>
-              </a:spcBef>
-              <a:spcAft>
-                <a:spcPts val="0"/>
-              </a:spcAft>
-              <a:buNone/>
-            </a:pPr>
-            <a:r>
-              <a:rPr b="1" lang="en"/>
+            <a:r>
+              <a:rPr lang="en" b="1"/>
               <a:t>클래스</a:t>
             </a:r>
             <a:endParaRPr b="1"/>
-          </a:p>
-        </p:txBody>
-      </p:sp>
-      <p:sp>
-        <p:nvSpPr>
-          <p:cNvPr id="55" name="Google Shape;55;p13"/>
-          <p:cNvSpPr txBox="1"/>
-          <p:nvPr>
-            <p:ph idx="1" type="subTitle"/>
-          </p:nvPr>
-        </p:nvSpPr>
-        <p:spPr>
-          <a:xfrm>
-            <a:off x="311700" y="4007433"/>
-            <a:ext cx="8520600" cy="1056900"/>
-          </a:xfrm>
-          <a:prstGeom prst="rect">
-            <a:avLst/>
-          </a:prstGeom>
-        </p:spPr>
-        <p:txBody>
-          <a:bodyPr anchorCtr="0" anchor="t" bIns="91425" lIns="91425" spcFirstLastPara="1" rIns="91425" wrap="square" tIns="91425">
-            <a:normAutofit/>
-          </a:bodyPr>
-          <a:lstStyle/>
-          <a:p>
-            <a:pPr indent="0" lvl="0" marL="0" rtl="0" algn="ctr">
-              <a:spcBef>
-                <a:spcPts val="0"/>
-              </a:spcBef>
-              <a:spcAft>
-                <a:spcPts val="0"/>
-              </a:spcAft>
-              <a:buClr>
-                <a:schemeClr val="dk1"/>
-              </a:buClr>
-              <a:buSzPts val="1100"/>
-              <a:buFont typeface="Arial"/>
-              <a:buNone/>
-            </a:pPr>
-            <a:r>
-              <a:rPr b="1" lang="en">
-                <a:solidFill>
-                  <a:srgbClr val="0000FF"/>
-                </a:solidFill>
-              </a:rPr>
-              <a:t>JD Edu</a:t>
-            </a:r>
-            <a:endParaRPr b="1">
-              <a:solidFill>
-                <a:srgbClr val="0000FF"/>
-              </a:solidFill>
-            </a:endParaRPr>
-          </a:p>
-          <a:p>
-            <a:pPr indent="0" lvl="0" marL="0" rtl="0" algn="ctr">
-              <a:spcBef>
-                <a:spcPts val="0"/>
-              </a:spcBef>
-              <a:spcAft>
-                <a:spcPts val="0"/>
-              </a:spcAft>
-              <a:buNone/>
-            </a:pPr>
-            <a:r>
-              <a:t/>
-            </a:r>
-            <a:endParaRPr/>
           </a:p>
         </p:txBody>
       </p:sp>
@@ -6792,11 +6931,11 @@
 </file>
 
 <file path=ppt/slides/slide10.xml><?xml version="1.0" encoding="utf-8"?>
-<p:sld xmlns:a="http://schemas.openxmlformats.org/drawingml/2006/main" xmlns:r="http://schemas.openxmlformats.org/officeDocument/2006/relationships" xmlns:mc="http://schemas.openxmlformats.org/markup-compatibility/2006" xmlns:mv="urn:schemas-microsoft-com:mac:vml" xmlns:p="http://schemas.openxmlformats.org/presentationml/2006/main" xmlns:c="http://schemas.openxmlformats.org/drawingml/2006/chart" xmlns:dgm="http://schemas.openxmlformats.org/drawingml/2006/diagram" xmlns:o="urn:schemas-microsoft-com:office:office" xmlns:v="urn:schemas-microsoft-com:vml" xmlns:pvml="urn:schemas-microsoft-com:office:powerpoint" xmlns:com="http://schemas.openxmlformats.org/drawingml/2006/compatibility" xmlns:p14="http://schemas.microsoft.com/office/powerpoint/2010/main" xmlns:p15="http://schemas.microsoft.com/office/powerpoint/2012/main" xmlns:ahyp="http://schemas.microsoft.com/office/drawing/2018/hyperlinkcolor">
+<p:sld xmlns:a="http://schemas.openxmlformats.org/drawingml/2006/main" xmlns:r="http://schemas.openxmlformats.org/officeDocument/2006/relationships" xmlns:p="http://schemas.openxmlformats.org/presentationml/2006/main">
   <p:cSld>
     <p:spTree>
       <p:nvGrpSpPr>
-        <p:cNvPr id="159" name="Shape 159"/>
+        <p:cNvPr id="1" name="Shape 159"/>
         <p:cNvGrpSpPr/>
         <p:nvPr/>
       </p:nvGrpSpPr>
@@ -6811,14 +6950,16 @@
       <p:sp>
         <p:nvSpPr>
           <p:cNvPr id="160" name="Google Shape;160;p22"/>
-          <p:cNvSpPr txBox="1"/>
+          <p:cNvSpPr txBox="1">
+            <a:spLocks noGrp="1"/>
+          </p:cNvSpPr>
           <p:nvPr>
             <p:ph type="title"/>
           </p:nvPr>
         </p:nvSpPr>
         <p:spPr>
           <a:xfrm>
-            <a:off x="311700" y="593367"/>
+            <a:off x="1835700" y="593367"/>
             <a:ext cx="8520600" cy="763500"/>
           </a:xfrm>
           <a:prstGeom prst="rect">
@@ -6826,22 +6967,13 @@
           </a:prstGeom>
         </p:spPr>
         <p:txBody>
-          <a:bodyPr anchorCtr="0" anchor="t" bIns="91425" lIns="91425" spcFirstLastPara="1" rIns="91425" wrap="square" tIns="91425">
+          <a:bodyPr spcFirstLastPara="1" wrap="square" lIns="91425" tIns="91425" rIns="91425" bIns="91425" anchor="t" anchorCtr="0">
             <a:normAutofit/>
           </a:bodyPr>
           <a:lstStyle/>
           <a:p>
-            <a:pPr indent="0" lvl="0" marL="0" rtl="0" algn="l">
-              <a:spcBef>
-                <a:spcPts val="0"/>
-              </a:spcBef>
-              <a:spcAft>
-                <a:spcPts val="0"/>
-              </a:spcAft>
-              <a:buNone/>
-            </a:pPr>
-            <a:r>
-              <a:rPr b="1" lang="en"/>
+            <a:r>
+              <a:rPr lang="en" b="1"/>
               <a:t>클래스 변수 사용하기 </a:t>
             </a:r>
             <a:endParaRPr b="1"/>
@@ -6851,14 +6983,16 @@
       <p:sp>
         <p:nvSpPr>
           <p:cNvPr id="161" name="Google Shape;161;p22"/>
-          <p:cNvSpPr txBox="1"/>
+          <p:cNvSpPr txBox="1">
+            <a:spLocks noGrp="1"/>
+          </p:cNvSpPr>
           <p:nvPr>
-            <p:ph idx="1" type="body"/>
+            <p:ph type="body" idx="1"/>
           </p:nvPr>
         </p:nvSpPr>
         <p:spPr>
           <a:xfrm>
-            <a:off x="311700" y="1536633"/>
+            <a:off x="1835700" y="1536633"/>
             <a:ext cx="8520600" cy="4555200"/>
           </a:xfrm>
           <a:prstGeom prst="rect">
@@ -6866,21 +7000,11 @@
           </a:prstGeom>
         </p:spPr>
         <p:txBody>
-          <a:bodyPr anchorCtr="0" anchor="t" bIns="91425" lIns="91425" spcFirstLastPara="1" rIns="91425" wrap="square" tIns="91425">
-            <a:normAutofit lnSpcReduction="10000"/>
+          <a:bodyPr spcFirstLastPara="1" wrap="square" lIns="91425" tIns="91425" rIns="91425" bIns="91425" anchor="t" anchorCtr="0">
+            <a:normAutofit/>
           </a:bodyPr>
           <a:lstStyle/>
           <a:p>
-            <a:pPr indent="-342900" lvl="0" marL="457200" rtl="0" algn="l">
-              <a:spcBef>
-                <a:spcPts val="0"/>
-              </a:spcBef>
-              <a:spcAft>
-                <a:spcPts val="0"/>
-              </a:spcAft>
-              <a:buSzPts val="1800"/>
-              <a:buChar char="●"/>
-            </a:pPr>
             <a:r>
               <a:rPr lang="en"/>
               <a:t>클래스 변수를 사용해 봅시다. </a:t>
@@ -6888,13 +7012,10 @@
             <a:endParaRPr/>
           </a:p>
           <a:p>
-            <a:pPr indent="0" lvl="0" marL="0" rtl="0" algn="l">
+            <a:pPr marL="0" indent="0">
               <a:spcBef>
                 <a:spcPts val="1200"/>
               </a:spcBef>
-              <a:spcAft>
-                <a:spcPts val="0"/>
-              </a:spcAft>
               <a:buNone/>
             </a:pPr>
             <a:r>
@@ -6912,13 +7033,10 @@
             </a:endParaRPr>
           </a:p>
           <a:p>
-            <a:pPr indent="457200" lvl="0" marL="0" rtl="0" algn="l">
+            <a:pPr marL="0" indent="457200">
               <a:spcBef>
                 <a:spcPts val="1200"/>
               </a:spcBef>
-              <a:spcAft>
-                <a:spcPts val="0"/>
-              </a:spcAft>
               <a:buNone/>
             </a:pPr>
             <a:r>
@@ -6936,13 +7054,10 @@
             </a:endParaRPr>
           </a:p>
           <a:p>
-            <a:pPr indent="457200" lvl="0" marL="457200" rtl="0" algn="l">
+            <a:pPr indent="457200">
               <a:spcBef>
                 <a:spcPts val="1200"/>
               </a:spcBef>
-              <a:spcAft>
-                <a:spcPts val="0"/>
-              </a:spcAft>
               <a:buNone/>
             </a:pPr>
             <a:r>
@@ -6960,13 +7075,10 @@
             </a:endParaRPr>
           </a:p>
           <a:p>
-            <a:pPr indent="457200" lvl="0" marL="457200" rtl="0" algn="l">
+            <a:pPr indent="457200">
               <a:spcBef>
                 <a:spcPts val="1200"/>
               </a:spcBef>
-              <a:spcAft>
-                <a:spcPts val="0"/>
-              </a:spcAft>
               <a:buNone/>
             </a:pPr>
             <a:r>
@@ -6984,13 +7096,10 @@
             </a:endParaRPr>
           </a:p>
           <a:p>
-            <a:pPr indent="0" lvl="0" marL="457200" rtl="0" algn="l">
+            <a:pPr indent="0">
               <a:spcBef>
                 <a:spcPts val="1200"/>
               </a:spcBef>
-              <a:spcAft>
-                <a:spcPts val="0"/>
-              </a:spcAft>
               <a:buNone/>
             </a:pPr>
             <a:r>
@@ -7008,13 +7117,10 @@
             </a:endParaRPr>
           </a:p>
           <a:p>
-            <a:pPr indent="0" lvl="0" marL="457200" rtl="0" algn="l">
+            <a:pPr indent="0">
               <a:spcBef>
                 <a:spcPts val="1200"/>
               </a:spcBef>
-              <a:spcAft>
-                <a:spcPts val="0"/>
-              </a:spcAft>
               <a:buNone/>
             </a:pPr>
             <a:r>
@@ -7026,7 +7132,7 @@
               <a:t>	return self.x, self.y</a:t>
             </a:r>
             <a:r>
-              <a:rPr b="1" lang="en">
+              <a:rPr lang="en" b="1">
                 <a:solidFill>
                   <a:srgbClr val="0000FF"/>
                 </a:solidFill>
@@ -7040,13 +7146,10 @@
             </a:endParaRPr>
           </a:p>
           <a:p>
-            <a:pPr indent="0" lvl="0" marL="0" rtl="0" algn="l">
+            <a:pPr marL="0" indent="0">
               <a:spcBef>
                 <a:spcPts val="1200"/>
               </a:spcBef>
-              <a:spcAft>
-                <a:spcPts val="0"/>
-              </a:spcAft>
               <a:buNone/>
             </a:pPr>
             <a:r>
@@ -7076,17 +7179,14 @@
             <a:endParaRPr/>
           </a:p>
           <a:p>
-            <a:pPr indent="0" lvl="0" marL="0" rtl="0" algn="l">
+            <a:pPr marL="0" indent="0">
               <a:spcBef>
                 <a:spcPts val="1200"/>
               </a:spcBef>
-              <a:spcAft>
-                <a:spcPts val="0"/>
-              </a:spcAft>
               <a:buNone/>
             </a:pPr>
             <a:r>
-              <a:rPr b="1" lang="en">
+              <a:rPr lang="en" b="1">
                 <a:solidFill>
                   <a:srgbClr val="0000FF"/>
                 </a:solidFill>
@@ -7100,7 +7200,7 @@
             </a:endParaRPr>
           </a:p>
           <a:p>
-            <a:pPr indent="0" lvl="0" marL="0" rtl="0" algn="l">
+            <a:pPr marL="0" indent="0">
               <a:spcBef>
                 <a:spcPts val="1200"/>
               </a:spcBef>
@@ -7109,9 +7209,6 @@
               </a:spcAft>
               <a:buNone/>
             </a:pPr>
-            <a:r>
-              <a:t/>
-            </a:r>
             <a:endParaRPr/>
           </a:p>
         </p:txBody>
@@ -7125,11 +7222,11 @@
 </file>
 
 <file path=ppt/slides/slide11.xml><?xml version="1.0" encoding="utf-8"?>
-<p:sld xmlns:a="http://schemas.openxmlformats.org/drawingml/2006/main" xmlns:r="http://schemas.openxmlformats.org/officeDocument/2006/relationships" xmlns:mc="http://schemas.openxmlformats.org/markup-compatibility/2006" xmlns:mv="urn:schemas-microsoft-com:mac:vml" xmlns:p="http://schemas.openxmlformats.org/presentationml/2006/main" xmlns:c="http://schemas.openxmlformats.org/drawingml/2006/chart" xmlns:dgm="http://schemas.openxmlformats.org/drawingml/2006/diagram" xmlns:o="urn:schemas-microsoft-com:office:office" xmlns:v="urn:schemas-microsoft-com:vml" xmlns:pvml="urn:schemas-microsoft-com:office:powerpoint" xmlns:com="http://schemas.openxmlformats.org/drawingml/2006/compatibility" xmlns:p14="http://schemas.microsoft.com/office/powerpoint/2010/main" xmlns:p15="http://schemas.microsoft.com/office/powerpoint/2012/main" xmlns:ahyp="http://schemas.microsoft.com/office/drawing/2018/hyperlinkcolor">
+<p:sld xmlns:a="http://schemas.openxmlformats.org/drawingml/2006/main" xmlns:r="http://schemas.openxmlformats.org/officeDocument/2006/relationships" xmlns:p="http://schemas.openxmlformats.org/presentationml/2006/main">
   <p:cSld>
     <p:spTree>
       <p:nvGrpSpPr>
-        <p:cNvPr id="165" name="Shape 165"/>
+        <p:cNvPr id="1" name="Shape 165"/>
         <p:cNvGrpSpPr/>
         <p:nvPr/>
       </p:nvGrpSpPr>
@@ -7144,14 +7241,16 @@
       <p:sp>
         <p:nvSpPr>
           <p:cNvPr id="166" name="Google Shape;166;p23"/>
-          <p:cNvSpPr txBox="1"/>
+          <p:cNvSpPr txBox="1">
+            <a:spLocks noGrp="1"/>
+          </p:cNvSpPr>
           <p:nvPr>
             <p:ph type="title"/>
           </p:nvPr>
         </p:nvSpPr>
         <p:spPr>
           <a:xfrm>
-            <a:off x="311700" y="593367"/>
+            <a:off x="1835700" y="593367"/>
             <a:ext cx="8520600" cy="763500"/>
           </a:xfrm>
           <a:prstGeom prst="rect">
@@ -7159,22 +7258,13 @@
           </a:prstGeom>
         </p:spPr>
         <p:txBody>
-          <a:bodyPr anchorCtr="0" anchor="t" bIns="91425" lIns="91425" spcFirstLastPara="1" rIns="91425" wrap="square" tIns="91425">
+          <a:bodyPr spcFirstLastPara="1" wrap="square" lIns="91425" tIns="91425" rIns="91425" bIns="91425" anchor="t" anchorCtr="0">
             <a:normAutofit/>
           </a:bodyPr>
           <a:lstStyle/>
           <a:p>
-            <a:pPr indent="0" lvl="0" marL="0" rtl="0" algn="l">
-              <a:spcBef>
-                <a:spcPts val="0"/>
-              </a:spcBef>
-              <a:spcAft>
-                <a:spcPts val="0"/>
-              </a:spcAft>
-              <a:buNone/>
-            </a:pPr>
-            <a:r>
-              <a:rPr b="1" lang="en"/>
+            <a:r>
+              <a:rPr lang="en" b="1"/>
               <a:t>실습 1 사칙연산 클래스 만들기 </a:t>
             </a:r>
             <a:endParaRPr b="1"/>
@@ -7184,14 +7274,16 @@
       <p:sp>
         <p:nvSpPr>
           <p:cNvPr id="167" name="Google Shape;167;p23"/>
-          <p:cNvSpPr txBox="1"/>
+          <p:cNvSpPr txBox="1">
+            <a:spLocks noGrp="1"/>
+          </p:cNvSpPr>
           <p:nvPr>
-            <p:ph idx="1" type="body"/>
+            <p:ph type="body" idx="1"/>
           </p:nvPr>
         </p:nvSpPr>
         <p:spPr>
           <a:xfrm>
-            <a:off x="311700" y="1536633"/>
+            <a:off x="1835700" y="1536633"/>
             <a:ext cx="8520600" cy="4555200"/>
           </a:xfrm>
           <a:prstGeom prst="rect">
@@ -7199,18 +7291,12 @@
           </a:prstGeom>
         </p:spPr>
         <p:txBody>
-          <a:bodyPr anchorCtr="0" anchor="t" bIns="91425" lIns="91425" spcFirstLastPara="1" rIns="91425" wrap="square" tIns="91425">
+          <a:bodyPr spcFirstLastPara="1" wrap="square" lIns="91425" tIns="91425" rIns="91425" bIns="91425" anchor="t" anchorCtr="0">
             <a:normAutofit/>
           </a:bodyPr>
           <a:lstStyle/>
           <a:p>
-            <a:pPr indent="0" lvl="0" marL="0" rtl="0" algn="l">
-              <a:spcBef>
-                <a:spcPts val="0"/>
-              </a:spcBef>
-              <a:spcAft>
-                <a:spcPts val="0"/>
-              </a:spcAft>
+            <a:pPr marL="0" indent="0">
               <a:buNone/>
             </a:pPr>
             <a:r>
@@ -7228,13 +7314,10 @@
             </a:endParaRPr>
           </a:p>
           <a:p>
-            <a:pPr indent="0" lvl="0" marL="0" rtl="0" algn="l">
+            <a:pPr marL="0" indent="0">
               <a:spcBef>
                 <a:spcPts val="1200"/>
               </a:spcBef>
-              <a:spcAft>
-                <a:spcPts val="0"/>
-              </a:spcAft>
               <a:buNone/>
             </a:pPr>
             <a:r>
@@ -7252,13 +7335,10 @@
             </a:endParaRPr>
           </a:p>
           <a:p>
-            <a:pPr indent="0" lvl="0" marL="0" rtl="0" algn="l">
+            <a:pPr marL="0" indent="0">
               <a:spcBef>
                 <a:spcPts val="1200"/>
               </a:spcBef>
-              <a:spcAft>
-                <a:spcPts val="0"/>
-              </a:spcAft>
               <a:buNone/>
             </a:pPr>
             <a:r>
@@ -7276,13 +7356,10 @@
             </a:endParaRPr>
           </a:p>
           <a:p>
-            <a:pPr indent="0" lvl="0" marL="0" rtl="0" algn="l">
+            <a:pPr marL="0" indent="0">
               <a:spcBef>
                 <a:spcPts val="1200"/>
               </a:spcBef>
-              <a:spcAft>
-                <a:spcPts val="0"/>
-              </a:spcAft>
               <a:buNone/>
             </a:pPr>
             <a:r>
@@ -7300,13 +7377,10 @@
             </a:endParaRPr>
           </a:p>
           <a:p>
-            <a:pPr indent="0" lvl="0" marL="0" rtl="0" algn="l">
+            <a:pPr marL="0" indent="0">
               <a:spcBef>
                 <a:spcPts val="1200"/>
               </a:spcBef>
-              <a:spcAft>
-                <a:spcPts val="0"/>
-              </a:spcAft>
               <a:buNone/>
             </a:pPr>
             <a:r>
@@ -7324,13 +7398,10 @@
             </a:endParaRPr>
           </a:p>
           <a:p>
-            <a:pPr indent="0" lvl="0" marL="0" rtl="0" algn="l">
+            <a:pPr marL="0" indent="0">
               <a:spcBef>
                 <a:spcPts val="1200"/>
               </a:spcBef>
-              <a:spcAft>
-                <a:spcPts val="0"/>
-              </a:spcAft>
               <a:buNone/>
             </a:pPr>
             <a:r>
@@ -7348,7 +7419,7 @@
             </a:endParaRPr>
           </a:p>
           <a:p>
-            <a:pPr indent="0" lvl="0" marL="0" rtl="0" algn="l">
+            <a:pPr marL="0" indent="0">
               <a:spcBef>
                 <a:spcPts val="1200"/>
               </a:spcBef>
@@ -7382,11 +7453,11 @@
 </file>
 
 <file path=ppt/slides/slide12.xml><?xml version="1.0" encoding="utf-8"?>
-<p:sld xmlns:a="http://schemas.openxmlformats.org/drawingml/2006/main" xmlns:r="http://schemas.openxmlformats.org/officeDocument/2006/relationships" xmlns:mc="http://schemas.openxmlformats.org/markup-compatibility/2006" xmlns:mv="urn:schemas-microsoft-com:mac:vml" xmlns:p="http://schemas.openxmlformats.org/presentationml/2006/main" xmlns:c="http://schemas.openxmlformats.org/drawingml/2006/chart" xmlns:dgm="http://schemas.openxmlformats.org/drawingml/2006/diagram" xmlns:o="urn:schemas-microsoft-com:office:office" xmlns:v="urn:schemas-microsoft-com:vml" xmlns:pvml="urn:schemas-microsoft-com:office:powerpoint" xmlns:com="http://schemas.openxmlformats.org/drawingml/2006/compatibility" xmlns:p14="http://schemas.microsoft.com/office/powerpoint/2010/main" xmlns:p15="http://schemas.microsoft.com/office/powerpoint/2012/main" xmlns:ahyp="http://schemas.microsoft.com/office/drawing/2018/hyperlinkcolor">
+<p:sld xmlns:a="http://schemas.openxmlformats.org/drawingml/2006/main" xmlns:r="http://schemas.openxmlformats.org/officeDocument/2006/relationships" xmlns:p="http://schemas.openxmlformats.org/presentationml/2006/main">
   <p:cSld>
     <p:spTree>
       <p:nvGrpSpPr>
-        <p:cNvPr id="171" name="Shape 171"/>
+        <p:cNvPr id="1" name="Shape 171"/>
         <p:cNvGrpSpPr/>
         <p:nvPr/>
       </p:nvGrpSpPr>
@@ -7401,14 +7472,16 @@
       <p:sp>
         <p:nvSpPr>
           <p:cNvPr id="172" name="Google Shape;172;p24"/>
-          <p:cNvSpPr txBox="1"/>
+          <p:cNvSpPr txBox="1">
+            <a:spLocks noGrp="1"/>
+          </p:cNvSpPr>
           <p:nvPr>
             <p:ph type="title"/>
           </p:nvPr>
         </p:nvSpPr>
         <p:spPr>
           <a:xfrm>
-            <a:off x="311700" y="593367"/>
+            <a:off x="1835700" y="593367"/>
             <a:ext cx="8520600" cy="763500"/>
           </a:xfrm>
           <a:prstGeom prst="rect">
@@ -7416,22 +7489,13 @@
           </a:prstGeom>
         </p:spPr>
         <p:txBody>
-          <a:bodyPr anchorCtr="0" anchor="t" bIns="91425" lIns="91425" spcFirstLastPara="1" rIns="91425" wrap="square" tIns="91425">
+          <a:bodyPr spcFirstLastPara="1" wrap="square" lIns="91425" tIns="91425" rIns="91425" bIns="91425" anchor="t" anchorCtr="0">
             <a:normAutofit/>
           </a:bodyPr>
           <a:lstStyle/>
           <a:p>
-            <a:pPr indent="0" lvl="0" marL="0" rtl="0" algn="l">
-              <a:spcBef>
-                <a:spcPts val="0"/>
-              </a:spcBef>
-              <a:spcAft>
-                <a:spcPts val="0"/>
-              </a:spcAft>
-              <a:buNone/>
-            </a:pPr>
-            <a:r>
-              <a:rPr b="1" lang="en"/>
+            <a:r>
+              <a:rPr lang="en" b="1"/>
               <a:t>실습 2: deepThinkCar 모터 제어 클래스 만들기 </a:t>
             </a:r>
             <a:endParaRPr b="1"/>
@@ -7441,14 +7505,16 @@
       <p:sp>
         <p:nvSpPr>
           <p:cNvPr id="173" name="Google Shape;173;p24"/>
-          <p:cNvSpPr txBox="1"/>
+          <p:cNvSpPr txBox="1">
+            <a:spLocks noGrp="1"/>
+          </p:cNvSpPr>
           <p:nvPr>
-            <p:ph idx="1" type="body"/>
+            <p:ph type="body" idx="1"/>
           </p:nvPr>
         </p:nvSpPr>
         <p:spPr>
           <a:xfrm>
-            <a:off x="311700" y="1536633"/>
+            <a:off x="1835700" y="1536633"/>
             <a:ext cx="8520600" cy="4555200"/>
           </a:xfrm>
           <a:prstGeom prst="rect">
@@ -7456,23 +7522,17 @@
           </a:prstGeom>
         </p:spPr>
         <p:txBody>
-          <a:bodyPr anchorCtr="0" anchor="t" bIns="91425" lIns="91425" spcFirstLastPara="1" rIns="91425" wrap="square" tIns="91425">
+          <a:bodyPr spcFirstLastPara="1" wrap="square" lIns="91425" tIns="91425" rIns="91425" bIns="91425" anchor="t" anchorCtr="0">
             <a:normAutofit/>
           </a:bodyPr>
           <a:lstStyle/>
           <a:p>
-            <a:pPr indent="0" lvl="0" marL="0" rtl="0" algn="l">
-              <a:spcBef>
-                <a:spcPts val="0"/>
-              </a:spcBef>
+            <a:pPr marL="0" indent="0">
               <a:spcAft>
                 <a:spcPts val="1200"/>
               </a:spcAft>
               <a:buNone/>
             </a:pPr>
-            <a:r>
-              <a:t/>
-            </a:r>
             <a:endParaRPr/>
           </a:p>
         </p:txBody>
@@ -7486,11 +7546,11 @@
 </file>
 
 <file path=ppt/slides/slide13.xml><?xml version="1.0" encoding="utf-8"?>
-<p:sld xmlns:a="http://schemas.openxmlformats.org/drawingml/2006/main" xmlns:r="http://schemas.openxmlformats.org/officeDocument/2006/relationships" xmlns:mc="http://schemas.openxmlformats.org/markup-compatibility/2006" xmlns:mv="urn:schemas-microsoft-com:mac:vml" xmlns:p="http://schemas.openxmlformats.org/presentationml/2006/main" xmlns:c="http://schemas.openxmlformats.org/drawingml/2006/chart" xmlns:dgm="http://schemas.openxmlformats.org/drawingml/2006/diagram" xmlns:o="urn:schemas-microsoft-com:office:office" xmlns:v="urn:schemas-microsoft-com:vml" xmlns:pvml="urn:schemas-microsoft-com:office:powerpoint" xmlns:com="http://schemas.openxmlformats.org/drawingml/2006/compatibility" xmlns:p14="http://schemas.microsoft.com/office/powerpoint/2010/main" xmlns:p15="http://schemas.microsoft.com/office/powerpoint/2012/main" xmlns:ahyp="http://schemas.microsoft.com/office/drawing/2018/hyperlinkcolor">
+<p:sld xmlns:a="http://schemas.openxmlformats.org/drawingml/2006/main" xmlns:r="http://schemas.openxmlformats.org/officeDocument/2006/relationships" xmlns:p="http://schemas.openxmlformats.org/presentationml/2006/main">
   <p:cSld>
     <p:spTree>
       <p:nvGrpSpPr>
-        <p:cNvPr id="177" name="Shape 177"/>
+        <p:cNvPr id="1" name="Shape 177"/>
         <p:cNvGrpSpPr/>
         <p:nvPr/>
       </p:nvGrpSpPr>
@@ -7505,14 +7565,16 @@
       <p:sp>
         <p:nvSpPr>
           <p:cNvPr id="178" name="Google Shape;178;p25"/>
-          <p:cNvSpPr txBox="1"/>
+          <p:cNvSpPr txBox="1">
+            <a:spLocks noGrp="1"/>
+          </p:cNvSpPr>
           <p:nvPr>
             <p:ph type="title"/>
           </p:nvPr>
         </p:nvSpPr>
         <p:spPr>
           <a:xfrm>
-            <a:off x="311700" y="593367"/>
+            <a:off x="1835700" y="593367"/>
             <a:ext cx="8520600" cy="763500"/>
           </a:xfrm>
           <a:prstGeom prst="rect">
@@ -7520,22 +7582,13 @@
           </a:prstGeom>
         </p:spPr>
         <p:txBody>
-          <a:bodyPr anchorCtr="0" anchor="t" bIns="91425" lIns="91425" spcFirstLastPara="1" rIns="91425" wrap="square" tIns="91425">
+          <a:bodyPr spcFirstLastPara="1" wrap="square" lIns="91425" tIns="91425" rIns="91425" bIns="91425" anchor="t" anchorCtr="0">
             <a:normAutofit/>
           </a:bodyPr>
           <a:lstStyle/>
           <a:p>
-            <a:pPr indent="0" lvl="0" marL="0" rtl="0" algn="l">
-              <a:spcBef>
-                <a:spcPts val="0"/>
-              </a:spcBef>
-              <a:spcAft>
-                <a:spcPts val="0"/>
-              </a:spcAft>
-              <a:buNone/>
-            </a:pPr>
-            <a:r>
-              <a:rPr b="1" lang="en"/>
+            <a:r>
+              <a:rPr lang="en" b="1"/>
               <a:t>클래스 모듈 임포트 하기 </a:t>
             </a:r>
             <a:endParaRPr b="1"/>
@@ -7545,14 +7598,16 @@
       <p:sp>
         <p:nvSpPr>
           <p:cNvPr id="179" name="Google Shape;179;p25"/>
-          <p:cNvSpPr txBox="1"/>
+          <p:cNvSpPr txBox="1">
+            <a:spLocks noGrp="1"/>
+          </p:cNvSpPr>
           <p:nvPr>
-            <p:ph idx="1" type="body"/>
+            <p:ph type="body" idx="1"/>
           </p:nvPr>
         </p:nvSpPr>
         <p:spPr>
           <a:xfrm>
-            <a:off x="311700" y="1269650"/>
+            <a:off x="1835700" y="1269650"/>
             <a:ext cx="8520600" cy="5486400"/>
           </a:xfrm>
           <a:prstGeom prst="rect">
@@ -7560,21 +7615,11 @@
           </a:prstGeom>
         </p:spPr>
         <p:txBody>
-          <a:bodyPr anchorCtr="0" anchor="t" bIns="91425" lIns="91425" spcFirstLastPara="1" rIns="91425" wrap="square" tIns="91425">
+          <a:bodyPr spcFirstLastPara="1" wrap="square" lIns="91425" tIns="91425" rIns="91425" bIns="91425" anchor="t" anchorCtr="0">
             <a:normAutofit lnSpcReduction="10000"/>
           </a:bodyPr>
           <a:lstStyle/>
           <a:p>
-            <a:pPr indent="-342900" lvl="0" marL="457200" rtl="0" algn="l">
-              <a:spcBef>
-                <a:spcPts val="0"/>
-              </a:spcBef>
-              <a:spcAft>
-                <a:spcPts val="0"/>
-              </a:spcAft>
-              <a:buSzPts val="1800"/>
-              <a:buChar char="●"/>
-            </a:pPr>
             <a:r>
               <a:rPr lang="en"/>
               <a:t>모듈에 클래스가 포함되어 있을 경우, 다음과 같이 임포트 합니다. </a:t>
@@ -7582,13 +7627,10 @@
             <a:endParaRPr/>
           </a:p>
           <a:p>
-            <a:pPr indent="0" lvl="0" marL="0" rtl="0" algn="l">
+            <a:pPr marL="0" indent="0">
               <a:spcBef>
                 <a:spcPts val="1200"/>
               </a:spcBef>
-              <a:spcAft>
-                <a:spcPts val="0"/>
-              </a:spcAft>
               <a:buNone/>
             </a:pPr>
             <a:r>
@@ -7598,18 +7640,14 @@
             <a:endParaRPr/>
           </a:p>
           <a:p>
-            <a:pPr indent="0" lvl="0" marL="0" rtl="0" algn="l">
+            <a:pPr marL="0" indent="0">
               <a:spcBef>
                 <a:spcPts val="1200"/>
               </a:spcBef>
-              <a:spcAft>
-                <a:spcPts val="0"/>
-              </a:spcAft>
               <a:buClr>
                 <a:schemeClr val="dk1"/>
               </a:buClr>
               <a:buSzPts val="1100"/>
-              <a:buFont typeface="Arial"/>
               <a:buNone/>
             </a:pPr>
             <a:r>
@@ -7627,18 +7665,14 @@
             </a:endParaRPr>
           </a:p>
           <a:p>
-            <a:pPr indent="457200" lvl="0" marL="0" rtl="0" algn="l">
+            <a:pPr marL="0" indent="457200">
               <a:spcBef>
                 <a:spcPts val="1200"/>
               </a:spcBef>
-              <a:spcAft>
-                <a:spcPts val="0"/>
-              </a:spcAft>
               <a:buClr>
                 <a:schemeClr val="dk1"/>
               </a:buClr>
               <a:buSzPts val="1100"/>
-              <a:buFont typeface="Arial"/>
               <a:buNone/>
             </a:pPr>
             <a:r>
@@ -7656,18 +7690,14 @@
             </a:endParaRPr>
           </a:p>
           <a:p>
-            <a:pPr indent="457200" lvl="0" marL="457200" rtl="0" algn="l">
+            <a:pPr indent="457200">
               <a:spcBef>
                 <a:spcPts val="1200"/>
               </a:spcBef>
-              <a:spcAft>
-                <a:spcPts val="0"/>
-              </a:spcAft>
               <a:buClr>
                 <a:schemeClr val="dk1"/>
               </a:buClr>
               <a:buSzPts val="1100"/>
-              <a:buFont typeface="Arial"/>
               <a:buNone/>
             </a:pPr>
             <a:r>
@@ -7685,18 +7715,14 @@
             </a:endParaRPr>
           </a:p>
           <a:p>
-            <a:pPr indent="457200" lvl="0" marL="457200" rtl="0" algn="l">
+            <a:pPr indent="457200">
               <a:spcBef>
                 <a:spcPts val="1200"/>
               </a:spcBef>
-              <a:spcAft>
-                <a:spcPts val="0"/>
-              </a:spcAft>
               <a:buClr>
                 <a:schemeClr val="dk1"/>
               </a:buClr>
               <a:buSzPts val="1100"/>
-              <a:buFont typeface="Arial"/>
               <a:buNone/>
             </a:pPr>
             <a:r>
@@ -7714,18 +7740,14 @@
             </a:endParaRPr>
           </a:p>
           <a:p>
-            <a:pPr indent="0" lvl="0" marL="457200" rtl="0" algn="l">
+            <a:pPr indent="0">
               <a:spcBef>
                 <a:spcPts val="1200"/>
               </a:spcBef>
-              <a:spcAft>
-                <a:spcPts val="0"/>
-              </a:spcAft>
               <a:buClr>
                 <a:schemeClr val="dk1"/>
               </a:buClr>
               <a:buSzPts val="1100"/>
-              <a:buFont typeface="Arial"/>
               <a:buNone/>
             </a:pPr>
             <a:r>
@@ -7743,13 +7765,10 @@
             </a:endParaRPr>
           </a:p>
           <a:p>
-            <a:pPr indent="0" lvl="0" marL="457200" rtl="0" algn="l">
+            <a:pPr indent="0">
               <a:spcBef>
                 <a:spcPts val="1200"/>
               </a:spcBef>
-              <a:spcAft>
-                <a:spcPts val="0"/>
-              </a:spcAft>
               <a:buNone/>
             </a:pPr>
             <a:r>
@@ -7767,13 +7786,10 @@
             </a:endParaRPr>
           </a:p>
           <a:p>
-            <a:pPr indent="0" lvl="0" marL="0" rtl="0" algn="l">
+            <a:pPr marL="0" indent="0">
               <a:spcBef>
                 <a:spcPts val="1200"/>
               </a:spcBef>
-              <a:spcAft>
-                <a:spcPts val="0"/>
-              </a:spcAft>
               <a:buNone/>
             </a:pPr>
             <a:r>
@@ -7791,17 +7807,14 @@
             </a:endParaRPr>
           </a:p>
           <a:p>
-            <a:pPr indent="0" lvl="0" marL="0" rtl="0" algn="l">
+            <a:pPr marL="0" indent="0">
               <a:spcBef>
                 <a:spcPts val="1200"/>
               </a:spcBef>
-              <a:spcAft>
-                <a:spcPts val="0"/>
-              </a:spcAft>
               <a:buNone/>
             </a:pPr>
             <a:r>
-              <a:rPr b="1" lang="en">
+              <a:rPr lang="en" b="1">
                 <a:solidFill>
                   <a:srgbClr val="0000FF"/>
                 </a:solidFill>
@@ -7815,13 +7828,10 @@
             </a:endParaRPr>
           </a:p>
           <a:p>
-            <a:pPr indent="0" lvl="0" marL="0" rtl="0" algn="l">
+            <a:pPr marL="0" indent="0">
               <a:spcBef>
                 <a:spcPts val="1200"/>
               </a:spcBef>
-              <a:spcAft>
-                <a:spcPts val="0"/>
-              </a:spcAft>
               <a:buNone/>
             </a:pPr>
             <a:r>
@@ -7839,7 +7849,7 @@
             </a:endParaRPr>
           </a:p>
           <a:p>
-            <a:pPr indent="0" lvl="0" marL="0" rtl="0" algn="l">
+            <a:pPr marL="0" indent="0">
               <a:spcBef>
                 <a:spcPts val="1200"/>
               </a:spcBef>
@@ -7850,7 +7860,6 @@
                 <a:schemeClr val="dk1"/>
               </a:buClr>
               <a:buSzPts val="1100"/>
-              <a:buFont typeface="Arial"/>
               <a:buNone/>
             </a:pPr>
             <a:r>
@@ -7862,7 +7871,7 @@
               <a:t>print(blue_enemy.get_position())</a:t>
             </a:r>
             <a:r>
-              <a:rPr b="1" lang="en">
+              <a:rPr lang="en" b="1">
                 <a:solidFill>
                   <a:srgbClr val="0000FF"/>
                 </a:solidFill>
@@ -7882,11 +7891,11 @@
 </file>
 
 <file path=ppt/slides/slide2.xml><?xml version="1.0" encoding="utf-8"?>
-<p:sld xmlns:a="http://schemas.openxmlformats.org/drawingml/2006/main" xmlns:r="http://schemas.openxmlformats.org/officeDocument/2006/relationships" xmlns:mc="http://schemas.openxmlformats.org/markup-compatibility/2006" xmlns:mv="urn:schemas-microsoft-com:mac:vml" xmlns:p="http://schemas.openxmlformats.org/presentationml/2006/main" xmlns:c="http://schemas.openxmlformats.org/drawingml/2006/chart" xmlns:dgm="http://schemas.openxmlformats.org/drawingml/2006/diagram" xmlns:o="urn:schemas-microsoft-com:office:office" xmlns:v="urn:schemas-microsoft-com:vml" xmlns:pvml="urn:schemas-microsoft-com:office:powerpoint" xmlns:com="http://schemas.openxmlformats.org/drawingml/2006/compatibility" xmlns:p14="http://schemas.microsoft.com/office/powerpoint/2010/main" xmlns:p15="http://schemas.microsoft.com/office/powerpoint/2012/main" xmlns:ahyp="http://schemas.microsoft.com/office/drawing/2018/hyperlinkcolor">
+<p:sld xmlns:a="http://schemas.openxmlformats.org/drawingml/2006/main" xmlns:r="http://schemas.openxmlformats.org/officeDocument/2006/relationships" xmlns:p="http://schemas.openxmlformats.org/presentationml/2006/main">
   <p:cSld>
     <p:spTree>
       <p:nvGrpSpPr>
-        <p:cNvPr id="59" name="Shape 59"/>
+        <p:cNvPr id="1" name="Shape 59"/>
         <p:cNvGrpSpPr/>
         <p:nvPr/>
       </p:nvGrpSpPr>
@@ -7901,14 +7910,16 @@
       <p:sp>
         <p:nvSpPr>
           <p:cNvPr id="60" name="Google Shape;60;p14"/>
-          <p:cNvSpPr txBox="1"/>
+          <p:cNvSpPr txBox="1">
+            <a:spLocks noGrp="1"/>
+          </p:cNvSpPr>
           <p:nvPr>
             <p:ph type="title"/>
           </p:nvPr>
         </p:nvSpPr>
         <p:spPr>
           <a:xfrm>
-            <a:off x="311700" y="593367"/>
+            <a:off x="1835700" y="593367"/>
             <a:ext cx="8520600" cy="763500"/>
           </a:xfrm>
           <a:prstGeom prst="rect">
@@ -7916,27 +7927,14 @@
           </a:prstGeom>
         </p:spPr>
         <p:txBody>
-          <a:bodyPr anchorCtr="0" anchor="t" bIns="91425" lIns="91425" spcFirstLastPara="1" rIns="91425" wrap="square" tIns="91425">
+          <a:bodyPr spcFirstLastPara="1" wrap="square" lIns="91425" tIns="91425" rIns="91425" bIns="91425" anchor="t" anchorCtr="0">
             <a:normAutofit/>
           </a:bodyPr>
           <a:lstStyle/>
           <a:p>
-            <a:pPr indent="0" lvl="0" marL="0" rtl="0" algn="l">
-              <a:spcBef>
-                <a:spcPts val="0"/>
-              </a:spcBef>
-              <a:spcAft>
-                <a:spcPts val="0"/>
-              </a:spcAft>
-              <a:buNone/>
-            </a:pPr>
-            <a:r>
-              <a:rPr b="1" lang="en"/>
-              <a:t>수많은 적군을 표현하려면…</a:t>
-            </a:r>
-            <a:r>
-              <a:rPr b="1" lang="en"/>
-              <a:t> </a:t>
+            <a:r>
+              <a:rPr lang="en" b="1"/>
+              <a:t>수많은 적군을 표현하려면… </a:t>
             </a:r>
             <a:endParaRPr b="1"/>
           </a:p>
@@ -7945,14 +7943,16 @@
       <p:sp>
         <p:nvSpPr>
           <p:cNvPr id="61" name="Google Shape;61;p14"/>
-          <p:cNvSpPr txBox="1"/>
+          <p:cNvSpPr txBox="1">
+            <a:spLocks noGrp="1"/>
+          </p:cNvSpPr>
           <p:nvPr>
-            <p:ph idx="1" type="body"/>
+            <p:ph type="body" idx="1"/>
           </p:nvPr>
         </p:nvSpPr>
         <p:spPr>
           <a:xfrm>
-            <a:off x="311700" y="1536631"/>
+            <a:off x="1835700" y="1536631"/>
             <a:ext cx="8520600" cy="1401300"/>
           </a:xfrm>
           <a:prstGeom prst="rect">
@@ -7960,21 +7960,11 @@
           </a:prstGeom>
         </p:spPr>
         <p:txBody>
-          <a:bodyPr anchorCtr="0" anchor="t" bIns="91425" lIns="91425" spcFirstLastPara="1" rIns="91425" wrap="square" tIns="91425">
+          <a:bodyPr spcFirstLastPara="1" wrap="square" lIns="91425" tIns="91425" rIns="91425" bIns="91425" anchor="t" anchorCtr="0">
             <a:normAutofit/>
           </a:bodyPr>
           <a:lstStyle/>
           <a:p>
-            <a:pPr indent="-342900" lvl="0" marL="457200" rtl="0" algn="l">
-              <a:spcBef>
-                <a:spcPts val="0"/>
-              </a:spcBef>
-              <a:spcAft>
-                <a:spcPts val="0"/>
-              </a:spcAft>
-              <a:buSzPts val="1800"/>
-              <a:buChar char="●"/>
-            </a:pPr>
             <a:r>
               <a:rPr lang="en"/>
               <a:t>슈팅게임에서 동일한 카테고리의 적군이 수없이 출현하고 사라집니다.  </a:t>
@@ -7982,16 +7972,6 @@
             <a:endParaRPr/>
           </a:p>
           <a:p>
-            <a:pPr indent="-342900" lvl="0" marL="457200" rtl="0" algn="l">
-              <a:spcBef>
-                <a:spcPts val="0"/>
-              </a:spcBef>
-              <a:spcAft>
-                <a:spcPts val="0"/>
-              </a:spcAft>
-              <a:buSzPts val="1800"/>
-              <a:buChar char="●"/>
-            </a:pPr>
             <a:r>
               <a:rPr lang="en"/>
               <a:t>이러한 적군들을 독립적인 객체로 만드는 것은 효과적이지 못한 방법입니다. </a:t>
@@ -7999,16 +7979,6 @@
             <a:endParaRPr/>
           </a:p>
           <a:p>
-            <a:pPr indent="-342900" lvl="0" marL="457200" rtl="0" algn="l">
-              <a:spcBef>
-                <a:spcPts val="0"/>
-              </a:spcBef>
-              <a:spcAft>
-                <a:spcPts val="0"/>
-              </a:spcAft>
-              <a:buSzPts val="1800"/>
-              <a:buChar char="●"/>
-            </a:pPr>
             <a:r>
               <a:rPr lang="en"/>
               <a:t>아래 등장한 적군들은 다 개별적이지만 3개의 그룹으로 나눌 수 있습니다. </a:t>
@@ -8033,7 +8003,7 @@
         </p:blipFill>
         <p:spPr>
           <a:xfrm>
-            <a:off x="4493225" y="3623731"/>
+            <a:off x="6017225" y="3623731"/>
             <a:ext cx="666750" cy="476250"/>
           </a:xfrm>
           <a:prstGeom prst="rect">
@@ -8061,7 +8031,7 @@
         </p:blipFill>
         <p:spPr>
           <a:xfrm>
-            <a:off x="3657075" y="3851081"/>
+            <a:off x="5181075" y="3851081"/>
             <a:ext cx="666750" cy="476250"/>
           </a:xfrm>
           <a:prstGeom prst="rect">
@@ -8089,7 +8059,7 @@
         </p:blipFill>
         <p:spPr>
           <a:xfrm>
-            <a:off x="4210050" y="4238031"/>
+            <a:off x="5734050" y="4238031"/>
             <a:ext cx="666750" cy="476250"/>
           </a:xfrm>
           <a:prstGeom prst="rect">
@@ -8117,7 +8087,7 @@
         </p:blipFill>
         <p:spPr>
           <a:xfrm>
-            <a:off x="5029200" y="4078431"/>
+            <a:off x="6553200" y="4078431"/>
             <a:ext cx="666750" cy="476250"/>
           </a:xfrm>
           <a:prstGeom prst="rect">
@@ -8145,7 +8115,7 @@
         </p:blipFill>
         <p:spPr>
           <a:xfrm>
-            <a:off x="3657075" y="4554668"/>
+            <a:off x="5181075" y="4554668"/>
             <a:ext cx="666750" cy="476250"/>
           </a:xfrm>
           <a:prstGeom prst="rect">
@@ -8173,7 +8143,7 @@
         </p:blipFill>
         <p:spPr>
           <a:xfrm>
-            <a:off x="5227425" y="4667406"/>
+            <a:off x="6751425" y="4667406"/>
             <a:ext cx="666750" cy="476250"/>
           </a:xfrm>
           <a:prstGeom prst="rect">
@@ -8201,7 +8171,7 @@
         </p:blipFill>
         <p:spPr>
           <a:xfrm>
-            <a:off x="4152900" y="5022681"/>
+            <a:off x="5676900" y="5022681"/>
             <a:ext cx="666750" cy="476250"/>
           </a:xfrm>
           <a:prstGeom prst="rect">
@@ -8229,7 +8199,7 @@
         </p:blipFill>
         <p:spPr>
           <a:xfrm>
-            <a:off x="3390900" y="5305856"/>
+            <a:off x="4914900" y="5305856"/>
             <a:ext cx="666750" cy="476250"/>
           </a:xfrm>
           <a:prstGeom prst="rect">
@@ -8257,7 +8227,7 @@
         </p:blipFill>
         <p:spPr>
           <a:xfrm>
-            <a:off x="823775" y="3876681"/>
+            <a:off x="2347775" y="3876681"/>
             <a:ext cx="666750" cy="476250"/>
           </a:xfrm>
           <a:prstGeom prst="rect">
@@ -8285,7 +8255,7 @@
         </p:blipFill>
         <p:spPr>
           <a:xfrm>
-            <a:off x="1155875" y="5190531"/>
+            <a:off x="2679875" y="5190531"/>
             <a:ext cx="666750" cy="476250"/>
           </a:xfrm>
           <a:prstGeom prst="rect">
@@ -8313,7 +8283,7 @@
         </p:blipFill>
         <p:spPr>
           <a:xfrm>
-            <a:off x="971550" y="4486181"/>
+            <a:off x="2495550" y="4486181"/>
             <a:ext cx="666750" cy="476250"/>
           </a:xfrm>
           <a:prstGeom prst="rect">
@@ -8341,7 +8311,7 @@
         </p:blipFill>
         <p:spPr>
           <a:xfrm>
-            <a:off x="2235550" y="4732381"/>
+            <a:off x="3759550" y="4732381"/>
             <a:ext cx="666750" cy="476250"/>
           </a:xfrm>
           <a:prstGeom prst="rect">
@@ -8369,7 +8339,7 @@
         </p:blipFill>
         <p:spPr>
           <a:xfrm>
-            <a:off x="1883900" y="3939931"/>
+            <a:off x="3407900" y="3939931"/>
             <a:ext cx="666750" cy="476250"/>
           </a:xfrm>
           <a:prstGeom prst="rect">
@@ -8397,7 +8367,7 @@
         </p:blipFill>
         <p:spPr>
           <a:xfrm>
-            <a:off x="7738950" y="3876681"/>
+            <a:off x="9262950" y="3876681"/>
             <a:ext cx="476250" cy="476250"/>
           </a:xfrm>
           <a:prstGeom prst="rect">
@@ -8425,7 +8395,7 @@
         </p:blipFill>
         <p:spPr>
           <a:xfrm>
-            <a:off x="7149925" y="4714281"/>
+            <a:off x="8673925" y="4714281"/>
             <a:ext cx="476250" cy="476250"/>
           </a:xfrm>
           <a:prstGeom prst="rect">
@@ -8453,7 +8423,7 @@
         </p:blipFill>
         <p:spPr>
           <a:xfrm>
-            <a:off x="6559875" y="4238031"/>
+            <a:off x="8083875" y="4238031"/>
             <a:ext cx="476250" cy="476250"/>
           </a:xfrm>
           <a:prstGeom prst="rect">
@@ -8481,7 +8451,7 @@
         </p:blipFill>
         <p:spPr>
           <a:xfrm>
-            <a:off x="7102550" y="4009931"/>
+            <a:off x="8626550" y="4009931"/>
             <a:ext cx="476250" cy="476250"/>
           </a:xfrm>
           <a:prstGeom prst="rect">
@@ -8509,7 +8479,7 @@
         </p:blipFill>
         <p:spPr>
           <a:xfrm>
-            <a:off x="6559875" y="3623731"/>
+            <a:off x="8083875" y="3623731"/>
             <a:ext cx="476250" cy="476250"/>
           </a:xfrm>
           <a:prstGeom prst="rect">
@@ -8529,43 +8499,31 @@
         </p:nvSpPr>
         <p:spPr>
           <a:xfrm>
-            <a:off x="764050" y="3490775"/>
+            <a:off x="2288050" y="3490775"/>
             <a:ext cx="2222100" cy="2354100"/>
           </a:xfrm>
           <a:prstGeom prst="roundRect">
             <a:avLst>
-              <a:gd fmla="val 16667" name="adj"/>
+              <a:gd name="adj" fmla="val 16667"/>
             </a:avLst>
           </a:prstGeom>
           <a:noFill/>
-          <a:ln cap="flat" cmpd="sng" w="28575">
+          <a:ln w="28575" cap="flat" cmpd="sng">
             <a:solidFill>
               <a:srgbClr val="00FF00"/>
             </a:solidFill>
             <a:prstDash val="dot"/>
             <a:round/>
-            <a:headEnd len="sm" w="sm" type="none"/>
-            <a:tailEnd len="sm" w="sm" type="none"/>
+            <a:headEnd type="none" w="sm" len="sm"/>
+            <a:tailEnd type="none" w="sm" len="sm"/>
           </a:ln>
         </p:spPr>
         <p:txBody>
-          <a:bodyPr anchorCtr="0" anchor="ctr" bIns="91425" lIns="91425" spcFirstLastPara="1" rIns="91425" wrap="square" tIns="91425">
+          <a:bodyPr spcFirstLastPara="1" wrap="square" lIns="91425" tIns="91425" rIns="91425" bIns="91425" anchor="ctr" anchorCtr="0">
             <a:noAutofit/>
           </a:bodyPr>
           <a:lstStyle/>
           <a:p>
-            <a:pPr indent="0" lvl="0" marL="0" rtl="0" algn="l">
-              <a:spcBef>
-                <a:spcPts val="0"/>
-              </a:spcBef>
-              <a:spcAft>
-                <a:spcPts val="0"/>
-              </a:spcAft>
-              <a:buNone/>
-            </a:pPr>
-            <a:r>
-              <a:t/>
-            </a:r>
             <a:endParaRPr/>
           </a:p>
         </p:txBody>
@@ -8578,43 +8536,31 @@
         </p:nvSpPr>
         <p:spPr>
           <a:xfrm>
-            <a:off x="3351553" y="3490775"/>
+            <a:off x="4875553" y="3490775"/>
             <a:ext cx="2731800" cy="2354100"/>
           </a:xfrm>
           <a:prstGeom prst="roundRect">
             <a:avLst>
-              <a:gd fmla="val 16667" name="adj"/>
+              <a:gd name="adj" fmla="val 16667"/>
             </a:avLst>
           </a:prstGeom>
           <a:noFill/>
-          <a:ln cap="flat" cmpd="sng" w="28575">
+          <a:ln w="28575" cap="flat" cmpd="sng">
             <a:solidFill>
               <a:srgbClr val="FF9900"/>
             </a:solidFill>
             <a:prstDash val="dot"/>
             <a:round/>
-            <a:headEnd len="sm" w="sm" type="none"/>
-            <a:tailEnd len="sm" w="sm" type="none"/>
+            <a:headEnd type="none" w="sm" len="sm"/>
+            <a:tailEnd type="none" w="sm" len="sm"/>
           </a:ln>
         </p:spPr>
         <p:txBody>
-          <a:bodyPr anchorCtr="0" anchor="ctr" bIns="91425" lIns="91425" spcFirstLastPara="1" rIns="91425" wrap="square" tIns="91425">
+          <a:bodyPr spcFirstLastPara="1" wrap="square" lIns="91425" tIns="91425" rIns="91425" bIns="91425" anchor="ctr" anchorCtr="0">
             <a:noAutofit/>
           </a:bodyPr>
           <a:lstStyle/>
           <a:p>
-            <a:pPr indent="0" lvl="0" marL="0" rtl="0" algn="l">
-              <a:spcBef>
-                <a:spcPts val="0"/>
-              </a:spcBef>
-              <a:spcAft>
-                <a:spcPts val="0"/>
-              </a:spcAft>
-              <a:buNone/>
-            </a:pPr>
-            <a:r>
-              <a:t/>
-            </a:r>
             <a:endParaRPr/>
           </a:p>
         </p:txBody>
@@ -8627,43 +8573,31 @@
         </p:nvSpPr>
         <p:spPr>
           <a:xfrm>
-            <a:off x="6448751" y="3490775"/>
+            <a:off x="7972751" y="3490775"/>
             <a:ext cx="1859100" cy="2354100"/>
           </a:xfrm>
           <a:prstGeom prst="roundRect">
             <a:avLst>
-              <a:gd fmla="val 16667" name="adj"/>
+              <a:gd name="adj" fmla="val 16667"/>
             </a:avLst>
           </a:prstGeom>
           <a:noFill/>
-          <a:ln cap="flat" cmpd="sng" w="28575">
+          <a:ln w="28575" cap="flat" cmpd="sng">
             <a:solidFill>
               <a:srgbClr val="C27BA0"/>
             </a:solidFill>
             <a:prstDash val="dot"/>
             <a:round/>
-            <a:headEnd len="sm" w="sm" type="none"/>
-            <a:tailEnd len="sm" w="sm" type="none"/>
+            <a:headEnd type="none" w="sm" len="sm"/>
+            <a:tailEnd type="none" w="sm" len="sm"/>
           </a:ln>
         </p:spPr>
         <p:txBody>
-          <a:bodyPr anchorCtr="0" anchor="ctr" bIns="91425" lIns="91425" spcFirstLastPara="1" rIns="91425" wrap="square" tIns="91425">
+          <a:bodyPr spcFirstLastPara="1" wrap="square" lIns="91425" tIns="91425" rIns="91425" bIns="91425" anchor="ctr" anchorCtr="0">
             <a:noAutofit/>
           </a:bodyPr>
           <a:lstStyle/>
           <a:p>
-            <a:pPr indent="0" lvl="0" marL="0" rtl="0" algn="l">
-              <a:spcBef>
-                <a:spcPts val="0"/>
-              </a:spcBef>
-              <a:spcAft>
-                <a:spcPts val="0"/>
-              </a:spcAft>
-              <a:buNone/>
-            </a:pPr>
-            <a:r>
-              <a:t/>
-            </a:r>
             <a:endParaRPr/>
           </a:p>
         </p:txBody>
@@ -8677,11 +8611,11 @@
 </file>
 
 <file path=ppt/slides/slide3.xml><?xml version="1.0" encoding="utf-8"?>
-<p:sld xmlns:a="http://schemas.openxmlformats.org/drawingml/2006/main" xmlns:r="http://schemas.openxmlformats.org/officeDocument/2006/relationships" xmlns:mc="http://schemas.openxmlformats.org/markup-compatibility/2006" xmlns:mv="urn:schemas-microsoft-com:mac:vml" xmlns:p="http://schemas.openxmlformats.org/presentationml/2006/main" xmlns:c="http://schemas.openxmlformats.org/drawingml/2006/chart" xmlns:dgm="http://schemas.openxmlformats.org/drawingml/2006/diagram" xmlns:o="urn:schemas-microsoft-com:office:office" xmlns:v="urn:schemas-microsoft-com:vml" xmlns:pvml="urn:schemas-microsoft-com:office:powerpoint" xmlns:com="http://schemas.openxmlformats.org/drawingml/2006/compatibility" xmlns:p14="http://schemas.microsoft.com/office/powerpoint/2010/main" xmlns:p15="http://schemas.microsoft.com/office/powerpoint/2012/main" xmlns:ahyp="http://schemas.microsoft.com/office/drawing/2018/hyperlinkcolor">
+<p:sld xmlns:a="http://schemas.openxmlformats.org/drawingml/2006/main" xmlns:r="http://schemas.openxmlformats.org/officeDocument/2006/relationships" xmlns:p="http://schemas.openxmlformats.org/presentationml/2006/main">
   <p:cSld>
     <p:spTree>
       <p:nvGrpSpPr>
-        <p:cNvPr id="86" name="Shape 86"/>
+        <p:cNvPr id="1" name="Shape 86"/>
         <p:cNvGrpSpPr/>
         <p:nvPr/>
       </p:nvGrpSpPr>
@@ -8696,14 +8630,16 @@
       <p:sp>
         <p:nvSpPr>
           <p:cNvPr id="87" name="Google Shape;87;p15"/>
-          <p:cNvSpPr txBox="1"/>
+          <p:cNvSpPr txBox="1">
+            <a:spLocks noGrp="1"/>
+          </p:cNvSpPr>
           <p:nvPr>
             <p:ph type="title"/>
           </p:nvPr>
         </p:nvSpPr>
         <p:spPr>
           <a:xfrm>
-            <a:off x="311700" y="593367"/>
+            <a:off x="1835700" y="593367"/>
             <a:ext cx="8520600" cy="763500"/>
           </a:xfrm>
           <a:prstGeom prst="rect">
@@ -8711,22 +8647,13 @@
           </a:prstGeom>
         </p:spPr>
         <p:txBody>
-          <a:bodyPr anchorCtr="0" anchor="t" bIns="91425" lIns="91425" spcFirstLastPara="1" rIns="91425" wrap="square" tIns="91425">
+          <a:bodyPr spcFirstLastPara="1" wrap="square" lIns="91425" tIns="91425" rIns="91425" bIns="91425" anchor="t" anchorCtr="0">
             <a:normAutofit/>
           </a:bodyPr>
           <a:lstStyle/>
           <a:p>
-            <a:pPr indent="0" lvl="0" marL="0" rtl="0" algn="l">
-              <a:spcBef>
-                <a:spcPts val="0"/>
-              </a:spcBef>
-              <a:spcAft>
-                <a:spcPts val="0"/>
-              </a:spcAft>
-              <a:buNone/>
-            </a:pPr>
-            <a:r>
-              <a:rPr b="1" lang="en"/>
+            <a:r>
+              <a:rPr lang="en" b="1"/>
               <a:t>클래스와 복제 </a:t>
             </a:r>
             <a:endParaRPr b="1"/>
@@ -8736,14 +8663,16 @@
       <p:sp>
         <p:nvSpPr>
           <p:cNvPr id="88" name="Google Shape;88;p15"/>
-          <p:cNvSpPr txBox="1"/>
+          <p:cNvSpPr txBox="1">
+            <a:spLocks noGrp="1"/>
+          </p:cNvSpPr>
           <p:nvPr>
-            <p:ph idx="1" type="body"/>
+            <p:ph type="body" idx="1"/>
           </p:nvPr>
         </p:nvSpPr>
         <p:spPr>
           <a:xfrm>
-            <a:off x="311700" y="1536630"/>
+            <a:off x="1835700" y="1536630"/>
             <a:ext cx="8520600" cy="1827600"/>
           </a:xfrm>
           <a:prstGeom prst="rect">
@@ -8751,21 +8680,11 @@
           </a:prstGeom>
         </p:spPr>
         <p:txBody>
-          <a:bodyPr anchorCtr="0" anchor="t" bIns="91425" lIns="91425" spcFirstLastPara="1" rIns="91425" wrap="square" tIns="91425">
+          <a:bodyPr spcFirstLastPara="1" wrap="square" lIns="91425" tIns="91425" rIns="91425" bIns="91425" anchor="t" anchorCtr="0">
             <a:normAutofit/>
           </a:bodyPr>
           <a:lstStyle/>
           <a:p>
-            <a:pPr indent="-342900" lvl="0" marL="457200" rtl="0" algn="l">
-              <a:spcBef>
-                <a:spcPts val="0"/>
-              </a:spcBef>
-              <a:spcAft>
-                <a:spcPts val="0"/>
-              </a:spcAft>
-              <a:buSzPts val="1800"/>
-              <a:buChar char="●"/>
-            </a:pPr>
             <a:r>
               <a:rPr lang="en"/>
               <a:t>이렇게 수많은 적군을 효과적으로 출현시키고 사라지게 하려고 ‘복제’라는 것을 이용하면 편리합니다.</a:t>
@@ -8773,16 +8692,6 @@
             <a:endParaRPr/>
           </a:p>
           <a:p>
-            <a:pPr indent="-342900" lvl="0" marL="457200" rtl="0" algn="l">
-              <a:spcBef>
-                <a:spcPts val="0"/>
-              </a:spcBef>
-              <a:spcAft>
-                <a:spcPts val="0"/>
-              </a:spcAft>
-              <a:buSzPts val="1800"/>
-              <a:buChar char="●"/>
-            </a:pPr>
             <a:r>
               <a:rPr lang="en"/>
               <a:t>복제를 하려면 ‘원본’이 존재해야 합니다. </a:t>
@@ -8790,16 +8699,6 @@
             <a:endParaRPr/>
           </a:p>
           <a:p>
-            <a:pPr indent="-342900" lvl="0" marL="457200" rtl="0" algn="l">
-              <a:spcBef>
-                <a:spcPts val="0"/>
-              </a:spcBef>
-              <a:spcAft>
-                <a:spcPts val="0"/>
-              </a:spcAft>
-              <a:buSzPts val="1800"/>
-              <a:buChar char="●"/>
-            </a:pPr>
             <a:r>
               <a:rPr lang="en"/>
               <a:t>파이썬에서 이 ‘원본’을 클래스(class)라고 합니다.  </a:t>
@@ -8824,7 +8723,7 @@
         </p:blipFill>
         <p:spPr>
           <a:xfrm>
-            <a:off x="3538150" y="4354831"/>
+            <a:off x="5062150" y="4354831"/>
             <a:ext cx="666750" cy="476250"/>
           </a:xfrm>
           <a:prstGeom prst="rect">
@@ -8852,7 +8751,7 @@
         </p:blipFill>
         <p:spPr>
           <a:xfrm>
-            <a:off x="3870250" y="5668681"/>
+            <a:off x="5394250" y="5668681"/>
             <a:ext cx="666750" cy="476250"/>
           </a:xfrm>
           <a:prstGeom prst="rect">
@@ -8880,7 +8779,7 @@
         </p:blipFill>
         <p:spPr>
           <a:xfrm>
-            <a:off x="3685925" y="4964331"/>
+            <a:off x="5209925" y="4964331"/>
             <a:ext cx="666750" cy="476250"/>
           </a:xfrm>
           <a:prstGeom prst="rect">
@@ -8908,7 +8807,7 @@
         </p:blipFill>
         <p:spPr>
           <a:xfrm>
-            <a:off x="4949925" y="5210531"/>
+            <a:off x="6473925" y="5210531"/>
             <a:ext cx="666750" cy="476250"/>
           </a:xfrm>
           <a:prstGeom prst="rect">
@@ -8936,7 +8835,7 @@
         </p:blipFill>
         <p:spPr>
           <a:xfrm>
-            <a:off x="4598275" y="4418081"/>
+            <a:off x="6122275" y="4418081"/>
             <a:ext cx="666750" cy="476250"/>
           </a:xfrm>
           <a:prstGeom prst="rect">
@@ -8964,7 +8863,7 @@
         </p:blipFill>
         <p:spPr>
           <a:xfrm>
-            <a:off x="4086225" y="3579456"/>
+            <a:off x="5610225" y="3579456"/>
             <a:ext cx="666750" cy="476250"/>
           </a:xfrm>
           <a:prstGeom prst="rect">
@@ -8992,7 +8891,7 @@
         </p:blipFill>
         <p:spPr>
           <a:xfrm>
-            <a:off x="5747950" y="4354831"/>
+            <a:off x="7271950" y="4354831"/>
             <a:ext cx="666750" cy="476250"/>
           </a:xfrm>
           <a:prstGeom prst="rect">
@@ -9020,7 +8919,7 @@
         </p:blipFill>
         <p:spPr>
           <a:xfrm>
-            <a:off x="6080050" y="5668681"/>
+            <a:off x="7604050" y="5668681"/>
             <a:ext cx="666750" cy="476250"/>
           </a:xfrm>
           <a:prstGeom prst="rect">
@@ -9048,7 +8947,7 @@
         </p:blipFill>
         <p:spPr>
           <a:xfrm>
-            <a:off x="5895725" y="4964331"/>
+            <a:off x="7419725" y="4964331"/>
             <a:ext cx="666750" cy="476250"/>
           </a:xfrm>
           <a:prstGeom prst="rect">
@@ -9076,7 +8975,7 @@
         </p:blipFill>
         <p:spPr>
           <a:xfrm>
-            <a:off x="7133350" y="5210531"/>
+            <a:off x="8657350" y="5210531"/>
             <a:ext cx="666750" cy="476250"/>
           </a:xfrm>
           <a:prstGeom prst="rect">
@@ -9104,7 +9003,7 @@
         </p:blipFill>
         <p:spPr>
           <a:xfrm>
-            <a:off x="6808075" y="4418081"/>
+            <a:off x="8332075" y="4418081"/>
             <a:ext cx="666750" cy="476250"/>
           </a:xfrm>
           <a:prstGeom prst="rect">
@@ -9132,7 +9031,7 @@
         </p:blipFill>
         <p:spPr>
           <a:xfrm>
-            <a:off x="1252150" y="4659631"/>
+            <a:off x="2776150" y="4659631"/>
             <a:ext cx="666750" cy="476250"/>
           </a:xfrm>
           <a:prstGeom prst="rect">
@@ -9160,7 +9059,7 @@
         </p:blipFill>
         <p:spPr>
           <a:xfrm>
-            <a:off x="1584250" y="5973481"/>
+            <a:off x="3108250" y="5973481"/>
             <a:ext cx="666750" cy="476250"/>
           </a:xfrm>
           <a:prstGeom prst="rect">
@@ -9188,7 +9087,7 @@
         </p:blipFill>
         <p:spPr>
           <a:xfrm>
-            <a:off x="1399925" y="5269131"/>
+            <a:off x="2923925" y="5269131"/>
             <a:ext cx="666750" cy="476250"/>
           </a:xfrm>
           <a:prstGeom prst="rect">
@@ -9216,7 +9115,7 @@
         </p:blipFill>
         <p:spPr>
           <a:xfrm>
-            <a:off x="2663925" y="5515331"/>
+            <a:off x="4187925" y="5515331"/>
             <a:ext cx="666750" cy="476250"/>
           </a:xfrm>
           <a:prstGeom prst="rect">
@@ -9244,7 +9143,7 @@
         </p:blipFill>
         <p:spPr>
           <a:xfrm>
-            <a:off x="2312275" y="4722881"/>
+            <a:off x="3836275" y="4722881"/>
             <a:ext cx="666750" cy="476250"/>
           </a:xfrm>
           <a:prstGeom prst="rect">
@@ -9264,7 +9163,7 @@
         </p:nvSpPr>
         <p:spPr>
           <a:xfrm>
-            <a:off x="4626100" y="3630850"/>
+            <a:off x="6150100" y="3630850"/>
             <a:ext cx="611100" cy="400200"/>
           </a:xfrm>
           <a:prstGeom prst="rect">
@@ -9276,22 +9175,13 @@
           </a:ln>
         </p:spPr>
         <p:txBody>
-          <a:bodyPr anchorCtr="0" anchor="t" bIns="91425" lIns="91425" spcFirstLastPara="1" rIns="91425" wrap="square" tIns="91425">
+          <a:bodyPr spcFirstLastPara="1" wrap="square" lIns="91425" tIns="91425" rIns="91425" bIns="91425" anchor="t" anchorCtr="0">
             <a:spAutoFit/>
           </a:bodyPr>
           <a:lstStyle/>
           <a:p>
-            <a:pPr indent="0" lvl="0" marL="0" rtl="0" algn="l">
-              <a:spcBef>
-                <a:spcPts val="0"/>
-              </a:spcBef>
-              <a:spcAft>
-                <a:spcPts val="0"/>
-              </a:spcAft>
-              <a:buNone/>
-            </a:pPr>
-            <a:r>
-              <a:rPr b="1" lang="en"/>
+            <a:r>
+              <a:rPr lang="en" b="1"/>
               <a:t>원본 </a:t>
             </a:r>
             <a:endParaRPr b="1"/>
@@ -9306,21 +9196,21 @@
         </p:nvCxnSpPr>
         <p:spPr>
           <a:xfrm flipH="1">
-            <a:off x="2016275" y="4038600"/>
+            <a:off x="3540275" y="4038600"/>
             <a:ext cx="1955400" cy="648600"/>
           </a:xfrm>
           <a:prstGeom prst="straightConnector1">
             <a:avLst/>
           </a:prstGeom>
           <a:noFill/>
-          <a:ln cap="flat" cmpd="sng" w="9525">
+          <a:ln w="9525" cap="flat" cmpd="sng">
             <a:solidFill>
               <a:schemeClr val="dk2"/>
             </a:solidFill>
             <a:prstDash val="solid"/>
             <a:round/>
-            <a:headEnd len="med" w="med" type="none"/>
-            <a:tailEnd len="med" w="med" type="triangle"/>
+            <a:headEnd type="none" w="med" len="med"/>
+            <a:tailEnd type="triangle" w="med" len="med"/>
           </a:ln>
         </p:spPr>
       </p:cxnSp>
@@ -9334,21 +9224,21 @@
         </p:nvCxnSpPr>
         <p:spPr>
           <a:xfrm>
-            <a:off x="4546150" y="4094081"/>
+            <a:off x="6070150" y="4094081"/>
             <a:ext cx="385500" cy="324000"/>
           </a:xfrm>
           <a:prstGeom prst="straightConnector1">
             <a:avLst/>
           </a:prstGeom>
           <a:noFill/>
-          <a:ln cap="flat" cmpd="sng" w="9525">
+          <a:ln w="9525" cap="flat" cmpd="sng">
             <a:solidFill>
               <a:schemeClr val="dk2"/>
             </a:solidFill>
             <a:prstDash val="solid"/>
             <a:round/>
-            <a:headEnd len="med" w="med" type="none"/>
-            <a:tailEnd len="med" w="med" type="triangle"/>
+            <a:headEnd type="none" w="med" len="med"/>
+            <a:tailEnd type="triangle" w="med" len="med"/>
           </a:ln>
         </p:spPr>
       </p:cxnSp>
@@ -9360,21 +9250,21 @@
         </p:nvCxnSpPr>
         <p:spPr>
           <a:xfrm>
-            <a:off x="4624525" y="4049925"/>
+            <a:off x="6148525" y="4049925"/>
             <a:ext cx="1404600" cy="961800"/>
           </a:xfrm>
           <a:prstGeom prst="straightConnector1">
             <a:avLst/>
           </a:prstGeom>
           <a:noFill/>
-          <a:ln cap="flat" cmpd="sng" w="9525">
+          <a:ln w="9525" cap="flat" cmpd="sng">
             <a:solidFill>
               <a:schemeClr val="dk2"/>
             </a:solidFill>
             <a:prstDash val="solid"/>
             <a:round/>
-            <a:headEnd len="med" w="med" type="none"/>
-            <a:tailEnd len="med" w="med" type="triangle"/>
+            <a:headEnd type="none" w="med" len="med"/>
+            <a:tailEnd type="triangle" w="med" len="med"/>
           </a:ln>
         </p:spPr>
       </p:cxnSp>
@@ -9386,21 +9276,21 @@
         </p:nvCxnSpPr>
         <p:spPr>
           <a:xfrm flipH="1">
-            <a:off x="3054625" y="4129456"/>
+            <a:off x="4578625" y="4129456"/>
             <a:ext cx="1020300" cy="774000"/>
           </a:xfrm>
           <a:prstGeom prst="straightConnector1">
             <a:avLst/>
           </a:prstGeom>
           <a:noFill/>
-          <a:ln cap="flat" cmpd="sng" w="9525">
+          <a:ln w="9525" cap="flat" cmpd="sng">
             <a:solidFill>
               <a:schemeClr val="dk2"/>
             </a:solidFill>
             <a:prstDash val="solid"/>
             <a:round/>
-            <a:headEnd len="med" w="med" type="none"/>
-            <a:tailEnd len="med" w="med" type="triangle"/>
+            <a:headEnd type="none" w="med" len="med"/>
+            <a:tailEnd type="triangle" w="med" len="med"/>
           </a:ln>
         </p:spPr>
       </p:cxnSp>
@@ -9412,21 +9302,21 @@
         </p:nvCxnSpPr>
         <p:spPr>
           <a:xfrm flipH="1">
-            <a:off x="2183150" y="4170400"/>
+            <a:off x="3707150" y="4170400"/>
             <a:ext cx="2005800" cy="1814400"/>
           </a:xfrm>
           <a:prstGeom prst="straightConnector1">
             <a:avLst/>
           </a:prstGeom>
           <a:noFill/>
-          <a:ln cap="flat" cmpd="sng" w="9525">
+          <a:ln w="9525" cap="flat" cmpd="sng">
             <a:solidFill>
               <a:schemeClr val="dk2"/>
             </a:solidFill>
             <a:prstDash val="solid"/>
             <a:round/>
-            <a:headEnd len="med" w="med" type="none"/>
-            <a:tailEnd len="med" w="med" type="triangle"/>
+            <a:headEnd type="none" w="med" len="med"/>
+            <a:tailEnd type="triangle" w="med" len="med"/>
           </a:ln>
         </p:spPr>
       </p:cxnSp>
@@ -9441,21 +9331,21 @@
         </p:nvCxnSpPr>
         <p:spPr>
           <a:xfrm flipH="1">
-            <a:off x="4352700" y="4055706"/>
+            <a:off x="5876700" y="4055706"/>
             <a:ext cx="66900" cy="1146900"/>
           </a:xfrm>
           <a:prstGeom prst="straightConnector1">
             <a:avLst/>
           </a:prstGeom>
           <a:noFill/>
-          <a:ln cap="flat" cmpd="sng" w="9525">
+          <a:ln w="9525" cap="flat" cmpd="sng">
             <a:solidFill>
               <a:schemeClr val="dk2"/>
             </a:solidFill>
             <a:prstDash val="solid"/>
             <a:round/>
-            <a:headEnd len="med" w="med" type="none"/>
-            <a:tailEnd len="med" w="med" type="triangle"/>
+            <a:headEnd type="none" w="med" len="med"/>
+            <a:tailEnd type="triangle" w="med" len="med"/>
           </a:ln>
         </p:spPr>
       </p:cxnSp>
@@ -9469,21 +9359,21 @@
         </p:nvCxnSpPr>
         <p:spPr>
           <a:xfrm>
-            <a:off x="4722475" y="4019906"/>
+            <a:off x="6246475" y="4019906"/>
             <a:ext cx="2085600" cy="636300"/>
           </a:xfrm>
           <a:prstGeom prst="straightConnector1">
             <a:avLst/>
           </a:prstGeom>
           <a:noFill/>
-          <a:ln cap="flat" cmpd="sng" w="9525">
+          <a:ln w="9525" cap="flat" cmpd="sng">
             <a:solidFill>
               <a:schemeClr val="dk2"/>
             </a:solidFill>
             <a:prstDash val="solid"/>
             <a:round/>
-            <a:headEnd len="med" w="med" type="none"/>
-            <a:tailEnd len="med" w="med" type="triangle"/>
+            <a:headEnd type="none" w="med" len="med"/>
+            <a:tailEnd type="triangle" w="med" len="med"/>
           </a:ln>
         </p:spPr>
       </p:cxnSp>
@@ -9495,7 +9385,7 @@
         </p:nvSpPr>
         <p:spPr>
           <a:xfrm>
-            <a:off x="1252150" y="4172375"/>
+            <a:off x="2776150" y="4172375"/>
             <a:ext cx="805800" cy="400200"/>
           </a:xfrm>
           <a:prstGeom prst="rect">
@@ -9507,22 +9397,13 @@
           </a:ln>
         </p:spPr>
         <p:txBody>
-          <a:bodyPr anchorCtr="0" anchor="t" bIns="91425" lIns="91425" spcFirstLastPara="1" rIns="91425" wrap="square" tIns="91425">
+          <a:bodyPr spcFirstLastPara="1" wrap="square" lIns="91425" tIns="91425" rIns="91425" bIns="91425" anchor="t" anchorCtr="0">
             <a:spAutoFit/>
           </a:bodyPr>
           <a:lstStyle/>
           <a:p>
-            <a:pPr indent="0" lvl="0" marL="0" rtl="0" algn="l">
-              <a:spcBef>
-                <a:spcPts val="0"/>
-              </a:spcBef>
-              <a:spcAft>
-                <a:spcPts val="0"/>
-              </a:spcAft>
-              <a:buNone/>
-            </a:pPr>
-            <a:r>
-              <a:rPr b="1" lang="en"/>
+            <a:r>
+              <a:rPr lang="en" b="1"/>
               <a:t>복제본 </a:t>
             </a:r>
             <a:endParaRPr b="1"/>
@@ -9537,13 +9418,17 @@
         </p:nvSpPr>
         <p:spPr>
           <a:xfrm>
-            <a:off x="5241325" y="3510350"/>
+            <a:off x="6765325" y="3510350"/>
             <a:ext cx="1241850" cy="295400"/>
           </a:xfrm>
           <a:custGeom>
-            <a:rect b="b" l="l" r="r" t="t"/>
+            <a:avLst/>
+            <a:gdLst/>
+            <a:ahLst/>
+            <a:cxnLst/>
+            <a:rect l="l" t="t" r="r" b="b"/>
             <a:pathLst>
-              <a:path extrusionOk="0" h="11816" w="49674">
+              <a:path w="49674" h="11816" extrusionOk="0">
                 <a:moveTo>
                   <a:pt x="0" y="11121"/>
                 </a:moveTo>
@@ -9566,16 +9451,23 @@
             </a:pathLst>
           </a:custGeom>
           <a:noFill/>
-          <a:ln cap="flat" cmpd="sng" w="38100">
+          <a:ln w="38100" cap="flat" cmpd="sng">
             <a:solidFill>
               <a:schemeClr val="dk2"/>
             </a:solidFill>
             <a:prstDash val="solid"/>
             <a:round/>
-            <a:headEnd len="med" w="med" type="none"/>
-            <a:tailEnd len="med" w="med" type="triangle"/>
+            <a:headEnd type="none" w="med" len="med"/>
+            <a:tailEnd type="triangle" w="med" len="med"/>
           </a:ln>
         </p:spPr>
+        <p:txBody>
+          <a:bodyPr/>
+          <a:lstStyle/>
+          <a:p>
+            <a:endParaRPr lang="ko-KR" altLang="en-US"/>
+          </a:p>
+        </p:txBody>
       </p:sp>
       <p:sp>
         <p:nvSpPr>
@@ -9585,7 +9477,7 @@
         </p:nvSpPr>
         <p:spPr>
           <a:xfrm>
-            <a:off x="6485550" y="3311575"/>
+            <a:off x="8009550" y="3311575"/>
             <a:ext cx="1862700" cy="415500"/>
           </a:xfrm>
           <a:prstGeom prst="rect">
@@ -9597,25 +9489,16 @@
           </a:ln>
         </p:spPr>
         <p:txBody>
-          <a:bodyPr anchorCtr="0" anchor="t" bIns="91425" lIns="91425" spcFirstLastPara="1" rIns="91425" wrap="square" tIns="91425">
+          <a:bodyPr spcFirstLastPara="1" wrap="square" lIns="91425" tIns="91425" rIns="91425" bIns="91425" anchor="t" anchorCtr="0">
             <a:spAutoFit/>
           </a:bodyPr>
           <a:lstStyle/>
           <a:p>
-            <a:pPr indent="0" lvl="0" marL="0" rtl="0" algn="l">
-              <a:spcBef>
-                <a:spcPts val="0"/>
-              </a:spcBef>
-              <a:spcAft>
-                <a:spcPts val="0"/>
-              </a:spcAft>
-              <a:buNone/>
-            </a:pPr>
-            <a:r>
-              <a:rPr b="1" lang="en" sz="1500"/>
+            <a:r>
+              <a:rPr lang="en" sz="1500" b="1"/>
               <a:t>클래스(Class)</a:t>
             </a:r>
-            <a:endParaRPr b="1" sz="1500"/>
+            <a:endParaRPr sz="1500" b="1"/>
           </a:p>
         </p:txBody>
       </p:sp>
@@ -9627,7 +9510,7 @@
         </p:nvSpPr>
         <p:spPr>
           <a:xfrm>
-            <a:off x="514300" y="3461675"/>
+            <a:off x="2038300" y="3461675"/>
             <a:ext cx="1404600" cy="400200"/>
           </a:xfrm>
           <a:prstGeom prst="rect">
@@ -9639,22 +9522,13 @@
           </a:ln>
         </p:spPr>
         <p:txBody>
-          <a:bodyPr anchorCtr="0" anchor="t" bIns="91425" lIns="91425" spcFirstLastPara="1" rIns="91425" wrap="square" tIns="91425">
+          <a:bodyPr spcFirstLastPara="1" wrap="square" lIns="91425" tIns="91425" rIns="91425" bIns="91425" anchor="t" anchorCtr="0">
             <a:spAutoFit/>
           </a:bodyPr>
           <a:lstStyle/>
           <a:p>
-            <a:pPr indent="0" lvl="0" marL="0" rtl="0" algn="l">
-              <a:spcBef>
-                <a:spcPts val="0"/>
-              </a:spcBef>
-              <a:spcAft>
-                <a:spcPts val="0"/>
-              </a:spcAft>
-              <a:buNone/>
-            </a:pPr>
-            <a:r>
-              <a:rPr b="1" lang="en"/>
+            <a:r>
+              <a:rPr lang="en" b="1"/>
               <a:t>객체(object)</a:t>
             </a:r>
             <a:endParaRPr b="1"/>
@@ -9669,13 +9543,17 @@
         </p:nvSpPr>
         <p:spPr>
           <a:xfrm>
-            <a:off x="1399400" y="3827500"/>
+            <a:off x="2923400" y="3827501"/>
             <a:ext cx="240950" cy="352175"/>
           </a:xfrm>
           <a:custGeom>
-            <a:rect b="b" l="l" r="r" t="t"/>
+            <a:avLst/>
+            <a:gdLst/>
+            <a:ahLst/>
+            <a:cxnLst/>
+            <a:rect l="l" t="t" r="r" b="b"/>
             <a:pathLst>
-              <a:path extrusionOk="0" h="14087" w="9638">
+              <a:path w="9638" h="14087" extrusionOk="0">
                 <a:moveTo>
                   <a:pt x="9638" y="14087"/>
                 </a:moveTo>
@@ -9693,16 +9571,23 @@
             </a:pathLst>
           </a:custGeom>
           <a:noFill/>
-          <a:ln cap="flat" cmpd="sng" w="38100">
+          <a:ln w="38100" cap="flat" cmpd="sng">
             <a:solidFill>
               <a:schemeClr val="dk2"/>
             </a:solidFill>
             <a:prstDash val="solid"/>
             <a:round/>
-            <a:headEnd len="med" w="med" type="none"/>
-            <a:tailEnd len="med" w="med" type="triangle"/>
+            <a:headEnd type="none" w="med" len="med"/>
+            <a:tailEnd type="triangle" w="med" len="med"/>
           </a:ln>
         </p:spPr>
+        <p:txBody>
+          <a:bodyPr/>
+          <a:lstStyle/>
+          <a:p>
+            <a:endParaRPr lang="ko-KR" altLang="en-US"/>
+          </a:p>
+        </p:txBody>
       </p:sp>
     </p:spTree>
   </p:cSld>
@@ -9713,11 +9598,11 @@
 </file>
 
 <file path=ppt/slides/slide4.xml><?xml version="1.0" encoding="utf-8"?>
-<p:sld xmlns:a="http://schemas.openxmlformats.org/drawingml/2006/main" xmlns:r="http://schemas.openxmlformats.org/officeDocument/2006/relationships" xmlns:mc="http://schemas.openxmlformats.org/markup-compatibility/2006" xmlns:mv="urn:schemas-microsoft-com:mac:vml" xmlns:p="http://schemas.openxmlformats.org/presentationml/2006/main" xmlns:c="http://schemas.openxmlformats.org/drawingml/2006/chart" xmlns:dgm="http://schemas.openxmlformats.org/drawingml/2006/diagram" xmlns:o="urn:schemas-microsoft-com:office:office" xmlns:v="urn:schemas-microsoft-com:vml" xmlns:pvml="urn:schemas-microsoft-com:office:powerpoint" xmlns:com="http://schemas.openxmlformats.org/drawingml/2006/compatibility" xmlns:p14="http://schemas.microsoft.com/office/powerpoint/2010/main" xmlns:p15="http://schemas.microsoft.com/office/powerpoint/2012/main" xmlns:ahyp="http://schemas.microsoft.com/office/drawing/2018/hyperlinkcolor">
+<p:sld xmlns:a="http://schemas.openxmlformats.org/drawingml/2006/main" xmlns:r="http://schemas.openxmlformats.org/officeDocument/2006/relationships" xmlns:p="http://schemas.openxmlformats.org/presentationml/2006/main">
   <p:cSld>
     <p:spTree>
       <p:nvGrpSpPr>
-        <p:cNvPr id="121" name="Shape 121"/>
+        <p:cNvPr id="1" name="Shape 121"/>
         <p:cNvGrpSpPr/>
         <p:nvPr/>
       </p:nvGrpSpPr>
@@ -9732,14 +9617,16 @@
       <p:sp>
         <p:nvSpPr>
           <p:cNvPr id="122" name="Google Shape;122;p16"/>
-          <p:cNvSpPr txBox="1"/>
+          <p:cNvSpPr txBox="1">
+            <a:spLocks noGrp="1"/>
+          </p:cNvSpPr>
           <p:nvPr>
             <p:ph type="title"/>
           </p:nvPr>
         </p:nvSpPr>
         <p:spPr>
           <a:xfrm>
-            <a:off x="311700" y="593367"/>
+            <a:off x="1835700" y="593367"/>
             <a:ext cx="8520600" cy="763500"/>
           </a:xfrm>
           <a:prstGeom prst="rect">
@@ -9747,32 +9634,17 @@
           </a:prstGeom>
         </p:spPr>
         <p:txBody>
-          <a:bodyPr anchorCtr="0" anchor="t" bIns="91425" lIns="91425" spcFirstLastPara="1" rIns="91425" wrap="square" tIns="91425">
+          <a:bodyPr spcFirstLastPara="1" wrap="square" lIns="91425" tIns="91425" rIns="91425" bIns="91425" anchor="t" anchorCtr="0">
             <a:normAutofit/>
           </a:bodyPr>
           <a:lstStyle/>
           <a:p>
-            <a:pPr indent="0" lvl="0" marL="0" rtl="0" algn="l">
-              <a:spcBef>
-                <a:spcPts val="0"/>
-              </a:spcBef>
-              <a:spcAft>
-                <a:spcPts val="0"/>
-              </a:spcAft>
-              <a:buClr>
-                <a:schemeClr val="dk1"/>
-              </a:buClr>
+            <a:pPr>
               <a:buSzPts val="1100"/>
-              <a:buFont typeface="Arial"/>
-              <a:buNone/>
             </a:pPr>
             <a:r>
-              <a:rPr b="1" lang="en"/>
-              <a:t>파이썬 </a:t>
-            </a:r>
-            <a:r>
-              <a:rPr b="1" lang="en"/>
-              <a:t>클래스</a:t>
+              <a:rPr lang="en" b="1"/>
+              <a:t>파이썬 클래스</a:t>
             </a:r>
             <a:endParaRPr/>
           </a:p>
@@ -9781,14 +9653,16 @@
       <p:sp>
         <p:nvSpPr>
           <p:cNvPr id="123" name="Google Shape;123;p16"/>
-          <p:cNvSpPr txBox="1"/>
+          <p:cNvSpPr txBox="1">
+            <a:spLocks noGrp="1"/>
+          </p:cNvSpPr>
           <p:nvPr>
-            <p:ph idx="1" type="body"/>
+            <p:ph type="body" idx="1"/>
           </p:nvPr>
         </p:nvSpPr>
         <p:spPr>
           <a:xfrm>
-            <a:off x="311700" y="1536629"/>
+            <a:off x="1835700" y="1536629"/>
             <a:ext cx="8520600" cy="2606100"/>
           </a:xfrm>
           <a:prstGeom prst="rect">
@@ -9796,23 +9670,16 @@
           </a:prstGeom>
         </p:spPr>
         <p:txBody>
-          <a:bodyPr anchorCtr="0" anchor="t" bIns="91425" lIns="91425" spcFirstLastPara="1" rIns="91425" wrap="square" tIns="91425">
+          <a:bodyPr spcFirstLastPara="1" wrap="square" lIns="91425" tIns="91425" rIns="91425" bIns="91425" anchor="t" anchorCtr="0">
             <a:normAutofit/>
           </a:bodyPr>
           <a:lstStyle/>
           <a:p>
-            <a:pPr indent="-381000" lvl="0" marL="457200" rtl="0" algn="l">
-              <a:spcBef>
-                <a:spcPts val="0"/>
-              </a:spcBef>
-              <a:spcAft>
-                <a:spcPts val="0"/>
-              </a:spcAft>
+            <a:pPr indent="-381000">
               <a:buSzPts val="2400"/>
-              <a:buChar char="●"/>
             </a:pPr>
             <a:r>
-              <a:rPr b="1" lang="en">
+              <a:rPr lang="en" b="1">
                 <a:solidFill>
                   <a:srgbClr val="202124"/>
                 </a:solidFill>
@@ -9834,7 +9701,7 @@
               <a:t>(</a:t>
             </a:r>
             <a:r>
-              <a:rPr b="1" lang="en">
+              <a:rPr lang="en" b="1">
                 <a:solidFill>
                   <a:srgbClr val="202124"/>
                 </a:solidFill>
@@ -9856,7 +9723,7 @@
               <a:t>)란 똑같은 무엇인가를 계속해서 만들어 낼 수 있는 설계 도면이고(과자 틀), 객체(object)란 </a:t>
             </a:r>
             <a:r>
-              <a:rPr b="1" lang="en">
+              <a:rPr lang="en" b="1">
                 <a:solidFill>
                   <a:srgbClr val="202124"/>
                 </a:solidFill>
@@ -9887,18 +9754,11 @@
             </a:endParaRPr>
           </a:p>
           <a:p>
-            <a:pPr indent="-381000" lvl="0" marL="457200" rtl="0" algn="l">
-              <a:spcBef>
-                <a:spcPts val="0"/>
-              </a:spcBef>
-              <a:spcAft>
-                <a:spcPts val="0"/>
-              </a:spcAft>
+            <a:pPr indent="-381000">
               <a:buSzPts val="2400"/>
-              <a:buChar char="●"/>
             </a:pPr>
             <a:r>
-              <a:rPr b="1" lang="en">
+              <a:rPr lang="en" b="1">
                 <a:solidFill>
                   <a:srgbClr val="202124"/>
                 </a:solidFill>
@@ -9929,15 +9789,8 @@
             </a:endParaRPr>
           </a:p>
           <a:p>
-            <a:pPr indent="-381000" lvl="0" marL="457200" rtl="0" algn="l">
-              <a:spcBef>
-                <a:spcPts val="0"/>
-              </a:spcBef>
-              <a:spcAft>
-                <a:spcPts val="0"/>
-              </a:spcAft>
+            <a:pPr indent="-381000">
               <a:buSzPts val="2400"/>
-              <a:buChar char="●"/>
             </a:pPr>
             <a:r>
               <a:rPr lang="en">
@@ -9970,7 +9823,7 @@
         </p:blipFill>
         <p:spPr>
           <a:xfrm>
-            <a:off x="2747325" y="3980029"/>
+            <a:off x="4271325" y="3980029"/>
             <a:ext cx="2381250" cy="2152650"/>
           </a:xfrm>
           <a:prstGeom prst="rect">
@@ -9991,11 +9844,11 @@
 </file>
 
 <file path=ppt/slides/slide5.xml><?xml version="1.0" encoding="utf-8"?>
-<p:sld xmlns:a="http://schemas.openxmlformats.org/drawingml/2006/main" xmlns:r="http://schemas.openxmlformats.org/officeDocument/2006/relationships" xmlns:mc="http://schemas.openxmlformats.org/markup-compatibility/2006" xmlns:mv="urn:schemas-microsoft-com:mac:vml" xmlns:p="http://schemas.openxmlformats.org/presentationml/2006/main" xmlns:c="http://schemas.openxmlformats.org/drawingml/2006/chart" xmlns:dgm="http://schemas.openxmlformats.org/drawingml/2006/diagram" xmlns:o="urn:schemas-microsoft-com:office:office" xmlns:v="urn:schemas-microsoft-com:vml" xmlns:pvml="urn:schemas-microsoft-com:office:powerpoint" xmlns:com="http://schemas.openxmlformats.org/drawingml/2006/compatibility" xmlns:p14="http://schemas.microsoft.com/office/powerpoint/2010/main" xmlns:p15="http://schemas.microsoft.com/office/powerpoint/2012/main" xmlns:ahyp="http://schemas.microsoft.com/office/drawing/2018/hyperlinkcolor">
+<p:sld xmlns:a="http://schemas.openxmlformats.org/drawingml/2006/main" xmlns:r="http://schemas.openxmlformats.org/officeDocument/2006/relationships" xmlns:p="http://schemas.openxmlformats.org/presentationml/2006/main">
   <p:cSld>
     <p:spTree>
       <p:nvGrpSpPr>
-        <p:cNvPr id="128" name="Shape 128"/>
+        <p:cNvPr id="1" name="Shape 128"/>
         <p:cNvGrpSpPr/>
         <p:nvPr/>
       </p:nvGrpSpPr>
@@ -10010,14 +9863,16 @@
       <p:sp>
         <p:nvSpPr>
           <p:cNvPr id="129" name="Google Shape;129;p17"/>
-          <p:cNvSpPr txBox="1"/>
+          <p:cNvSpPr txBox="1">
+            <a:spLocks noGrp="1"/>
+          </p:cNvSpPr>
           <p:nvPr>
             <p:ph type="title"/>
           </p:nvPr>
         </p:nvSpPr>
         <p:spPr>
           <a:xfrm>
-            <a:off x="311700" y="593367"/>
+            <a:off x="1835700" y="593367"/>
             <a:ext cx="8520600" cy="763500"/>
           </a:xfrm>
           <a:prstGeom prst="rect">
@@ -10025,22 +9880,13 @@
           </a:prstGeom>
         </p:spPr>
         <p:txBody>
-          <a:bodyPr anchorCtr="0" anchor="t" bIns="91425" lIns="91425" spcFirstLastPara="1" rIns="91425" wrap="square" tIns="91425">
+          <a:bodyPr spcFirstLastPara="1" wrap="square" lIns="91425" tIns="91425" rIns="91425" bIns="91425" anchor="t" anchorCtr="0">
             <a:normAutofit/>
           </a:bodyPr>
           <a:lstStyle/>
           <a:p>
-            <a:pPr indent="0" lvl="0" marL="0" rtl="0" algn="l">
-              <a:spcBef>
-                <a:spcPts val="0"/>
-              </a:spcBef>
-              <a:spcAft>
-                <a:spcPts val="0"/>
-              </a:spcAft>
-              <a:buNone/>
-            </a:pPr>
-            <a:r>
-              <a:rPr b="1" lang="en"/>
+            <a:r>
+              <a:rPr lang="en" b="1"/>
               <a:t>파이썬 클래스 만들기 </a:t>
             </a:r>
             <a:endParaRPr b="1"/>
@@ -10050,14 +9896,16 @@
       <p:sp>
         <p:nvSpPr>
           <p:cNvPr id="130" name="Google Shape;130;p17"/>
-          <p:cNvSpPr txBox="1"/>
+          <p:cNvSpPr txBox="1">
+            <a:spLocks noGrp="1"/>
+          </p:cNvSpPr>
           <p:nvPr>
-            <p:ph idx="1" type="body"/>
+            <p:ph type="body" idx="1"/>
           </p:nvPr>
         </p:nvSpPr>
         <p:spPr>
           <a:xfrm>
-            <a:off x="311700" y="1536633"/>
+            <a:off x="1835700" y="1536633"/>
             <a:ext cx="8520600" cy="4555200"/>
           </a:xfrm>
           <a:prstGeom prst="rect">
@@ -10065,21 +9913,11 @@
           </a:prstGeom>
         </p:spPr>
         <p:txBody>
-          <a:bodyPr anchorCtr="0" anchor="t" bIns="91425" lIns="91425" spcFirstLastPara="1" rIns="91425" wrap="square" tIns="91425">
+          <a:bodyPr spcFirstLastPara="1" wrap="square" lIns="91425" tIns="91425" rIns="91425" bIns="91425" anchor="t" anchorCtr="0">
             <a:normAutofit/>
           </a:bodyPr>
           <a:lstStyle/>
           <a:p>
-            <a:pPr indent="-342900" lvl="0" marL="457200" rtl="0" algn="l">
-              <a:spcBef>
-                <a:spcPts val="0"/>
-              </a:spcBef>
-              <a:spcAft>
-                <a:spcPts val="0"/>
-              </a:spcAft>
-              <a:buSzPts val="1800"/>
-              <a:buChar char="●"/>
-            </a:pPr>
             <a:r>
               <a:rPr lang="en"/>
               <a:t>가장 간단한 클래스 만들기 </a:t>
@@ -10087,13 +9925,10 @@
             <a:endParaRPr/>
           </a:p>
           <a:p>
-            <a:pPr indent="0" lvl="0" marL="0" rtl="0" algn="l">
+            <a:pPr marL="0" indent="0">
               <a:spcBef>
                 <a:spcPts val="1200"/>
               </a:spcBef>
-              <a:spcAft>
-                <a:spcPts val="0"/>
-              </a:spcAft>
               <a:buNone/>
             </a:pPr>
             <a:r>
@@ -10111,13 +9946,10 @@
             </a:endParaRPr>
           </a:p>
           <a:p>
-            <a:pPr indent="457200" lvl="0" marL="0" rtl="0" algn="l">
+            <a:pPr marL="0" indent="457200">
               <a:spcBef>
                 <a:spcPts val="1200"/>
               </a:spcBef>
-              <a:spcAft>
-                <a:spcPts val="0"/>
-              </a:spcAft>
               <a:buNone/>
             </a:pPr>
             <a:r>
@@ -10135,30 +9967,19 @@
             <a:endParaRPr/>
           </a:p>
           <a:p>
-            <a:pPr indent="457200" lvl="0" marL="0" rtl="0" algn="l">
+            <a:pPr marL="0" indent="457200">
               <a:spcBef>
                 <a:spcPts val="1200"/>
               </a:spcBef>
-              <a:spcAft>
-                <a:spcPts val="0"/>
-              </a:spcAft>
               <a:buNone/>
             </a:pPr>
-            <a:r>
-              <a:t/>
-            </a:r>
             <a:endParaRPr/>
           </a:p>
           <a:p>
-            <a:pPr indent="-342900" lvl="0" marL="457200" rtl="0" algn="l">
+            <a:pPr>
               <a:spcBef>
                 <a:spcPts val="1200"/>
               </a:spcBef>
-              <a:spcAft>
-                <a:spcPts val="0"/>
-              </a:spcAft>
-              <a:buSzPts val="1800"/>
-              <a:buChar char="●"/>
             </a:pPr>
             <a:r>
               <a:rPr lang="en"/>
@@ -10167,13 +9988,10 @@
             <a:endParaRPr/>
           </a:p>
           <a:p>
-            <a:pPr indent="0" lvl="0" marL="0" rtl="0" algn="l">
+            <a:pPr marL="0" indent="0">
               <a:spcBef>
                 <a:spcPts val="1200"/>
               </a:spcBef>
-              <a:spcAft>
-                <a:spcPts val="0"/>
-              </a:spcAft>
               <a:buNone/>
             </a:pPr>
             <a:r>
@@ -10183,7 +10001,7 @@
             <a:endParaRPr/>
           </a:p>
           <a:p>
-            <a:pPr indent="0" lvl="0" marL="0" rtl="0" algn="l">
+            <a:pPr marL="0" indent="0">
               <a:spcBef>
                 <a:spcPts val="1200"/>
               </a:spcBef>
@@ -10209,11 +10027,11 @@
 </file>
 
 <file path=ppt/slides/slide6.xml><?xml version="1.0" encoding="utf-8"?>
-<p:sld xmlns:a="http://schemas.openxmlformats.org/drawingml/2006/main" xmlns:r="http://schemas.openxmlformats.org/officeDocument/2006/relationships" xmlns:mc="http://schemas.openxmlformats.org/markup-compatibility/2006" xmlns:mv="urn:schemas-microsoft-com:mac:vml" xmlns:p="http://schemas.openxmlformats.org/presentationml/2006/main" xmlns:c="http://schemas.openxmlformats.org/drawingml/2006/chart" xmlns:dgm="http://schemas.openxmlformats.org/drawingml/2006/diagram" xmlns:o="urn:schemas-microsoft-com:office:office" xmlns:v="urn:schemas-microsoft-com:vml" xmlns:pvml="urn:schemas-microsoft-com:office:powerpoint" xmlns:com="http://schemas.openxmlformats.org/drawingml/2006/compatibility" xmlns:p14="http://schemas.microsoft.com/office/powerpoint/2010/main" xmlns:p15="http://schemas.microsoft.com/office/powerpoint/2012/main" xmlns:ahyp="http://schemas.microsoft.com/office/drawing/2018/hyperlinkcolor">
+<p:sld xmlns:a="http://schemas.openxmlformats.org/drawingml/2006/main" xmlns:r="http://schemas.openxmlformats.org/officeDocument/2006/relationships" xmlns:p="http://schemas.openxmlformats.org/presentationml/2006/main">
   <p:cSld>
     <p:spTree>
       <p:nvGrpSpPr>
-        <p:cNvPr id="134" name="Shape 134"/>
+        <p:cNvPr id="1" name="Shape 134"/>
         <p:cNvGrpSpPr/>
         <p:nvPr/>
       </p:nvGrpSpPr>
@@ -10228,14 +10046,16 @@
       <p:sp>
         <p:nvSpPr>
           <p:cNvPr id="135" name="Google Shape;135;p18"/>
-          <p:cNvSpPr txBox="1"/>
+          <p:cNvSpPr txBox="1">
+            <a:spLocks noGrp="1"/>
+          </p:cNvSpPr>
           <p:nvPr>
             <p:ph type="title"/>
           </p:nvPr>
         </p:nvSpPr>
         <p:spPr>
           <a:xfrm>
-            <a:off x="311700" y="593367"/>
+            <a:off x="1835700" y="593367"/>
             <a:ext cx="8520600" cy="763500"/>
           </a:xfrm>
           <a:prstGeom prst="rect">
@@ -10243,22 +10063,13 @@
           </a:prstGeom>
         </p:spPr>
         <p:txBody>
-          <a:bodyPr anchorCtr="0" anchor="t" bIns="91425" lIns="91425" spcFirstLastPara="1" rIns="91425" wrap="square" tIns="91425">
+          <a:bodyPr spcFirstLastPara="1" wrap="square" lIns="91425" tIns="91425" rIns="91425" bIns="91425" anchor="t" anchorCtr="0">
             <a:normAutofit/>
           </a:bodyPr>
           <a:lstStyle/>
           <a:p>
-            <a:pPr indent="0" lvl="0" marL="0" rtl="0" algn="l">
-              <a:spcBef>
-                <a:spcPts val="0"/>
-              </a:spcBef>
-              <a:spcAft>
-                <a:spcPts val="0"/>
-              </a:spcAft>
-              <a:buNone/>
-            </a:pPr>
-            <a:r>
-              <a:rPr b="1" lang="en"/>
+            <a:r>
+              <a:rPr lang="en" b="1"/>
               <a:t>클래스 생성자 함수, 클래스 변수  </a:t>
             </a:r>
             <a:endParaRPr b="1"/>
@@ -10268,14 +10079,16 @@
       <p:sp>
         <p:nvSpPr>
           <p:cNvPr id="136" name="Google Shape;136;p18"/>
-          <p:cNvSpPr txBox="1"/>
+          <p:cNvSpPr txBox="1">
+            <a:spLocks noGrp="1"/>
+          </p:cNvSpPr>
           <p:nvPr>
-            <p:ph idx="1" type="body"/>
+            <p:ph type="body" idx="1"/>
           </p:nvPr>
         </p:nvSpPr>
         <p:spPr>
           <a:xfrm>
-            <a:off x="311700" y="1536625"/>
+            <a:off x="1835700" y="1536625"/>
             <a:ext cx="5166300" cy="4555200"/>
           </a:xfrm>
           <a:prstGeom prst="rect">
@@ -10283,21 +10096,11 @@
           </a:prstGeom>
         </p:spPr>
         <p:txBody>
-          <a:bodyPr anchorCtr="0" anchor="t" bIns="91425" lIns="91425" spcFirstLastPara="1" rIns="91425" wrap="square" tIns="91425">
-            <a:normAutofit lnSpcReduction="20000"/>
+          <a:bodyPr spcFirstLastPara="1" wrap="square" lIns="91425" tIns="91425" rIns="91425" bIns="91425" anchor="t" anchorCtr="0">
+            <a:normAutofit fontScale="92500"/>
           </a:bodyPr>
           <a:lstStyle/>
           <a:p>
-            <a:pPr indent="-342900" lvl="0" marL="457200" rtl="0" algn="l">
-              <a:spcBef>
-                <a:spcPts val="0"/>
-              </a:spcBef>
-              <a:spcAft>
-                <a:spcPts val="0"/>
-              </a:spcAft>
-              <a:buSzPts val="1800"/>
-              <a:buChar char="●"/>
-            </a:pPr>
             <a:r>
               <a:rPr lang="en"/>
               <a:t>클래스는 클래스 함수와 클래스 변수로 구성됩니다. </a:t>
@@ -10305,16 +10108,6 @@
             <a:endParaRPr/>
           </a:p>
           <a:p>
-            <a:pPr indent="-342900" lvl="0" marL="457200" rtl="0" algn="l">
-              <a:spcBef>
-                <a:spcPts val="0"/>
-              </a:spcBef>
-              <a:spcAft>
-                <a:spcPts val="0"/>
-              </a:spcAft>
-              <a:buSzPts val="1800"/>
-              <a:buChar char="●"/>
-            </a:pPr>
             <a:r>
               <a:rPr lang="en"/>
               <a:t>클래스에 먼저 클래스 변수를 추가할 수 있습니다. </a:t>
@@ -10322,13 +10115,10 @@
             <a:endParaRPr/>
           </a:p>
           <a:p>
-            <a:pPr indent="0" lvl="0" marL="0" rtl="0" algn="l">
+            <a:pPr marL="0" indent="0">
               <a:spcBef>
                 <a:spcPts val="1200"/>
               </a:spcBef>
-              <a:spcAft>
-                <a:spcPts val="0"/>
-              </a:spcAft>
               <a:buNone/>
             </a:pPr>
             <a:r>
@@ -10346,13 +10136,10 @@
             </a:endParaRPr>
           </a:p>
           <a:p>
-            <a:pPr indent="457200" lvl="0" marL="0" rtl="0" algn="l">
+            <a:pPr marL="0" indent="457200">
               <a:spcBef>
                 <a:spcPts val="1200"/>
               </a:spcBef>
-              <a:spcAft>
-                <a:spcPts val="0"/>
-              </a:spcAft>
               <a:buNone/>
             </a:pPr>
             <a:r>
@@ -10370,13 +10157,10 @@
             </a:endParaRPr>
           </a:p>
           <a:p>
-            <a:pPr indent="457200" lvl="0" marL="457200" rtl="0" algn="l">
+            <a:pPr indent="457200">
               <a:spcBef>
                 <a:spcPts val="1200"/>
               </a:spcBef>
-              <a:spcAft>
-                <a:spcPts val="0"/>
-              </a:spcAft>
               <a:buNone/>
             </a:pPr>
             <a:r>
@@ -10394,13 +10178,10 @@
             </a:endParaRPr>
           </a:p>
           <a:p>
-            <a:pPr indent="457200" lvl="0" marL="457200" rtl="0" algn="l">
+            <a:pPr indent="457200">
               <a:spcBef>
                 <a:spcPts val="1200"/>
               </a:spcBef>
-              <a:spcAft>
-                <a:spcPts val="0"/>
-              </a:spcAft>
               <a:buNone/>
             </a:pPr>
             <a:r>
@@ -10418,15 +10199,10 @@
             </a:endParaRPr>
           </a:p>
           <a:p>
-            <a:pPr indent="-342900" lvl="0" marL="457200" rtl="0" algn="l">
+            <a:pPr>
               <a:spcBef>
                 <a:spcPts val="1200"/>
               </a:spcBef>
-              <a:spcAft>
-                <a:spcPts val="0"/>
-              </a:spcAft>
-              <a:buSzPts val="1800"/>
-              <a:buChar char="●"/>
             </a:pPr>
             <a:r>
               <a:rPr lang="en"/>
@@ -10435,16 +10211,6 @@
             <a:endParaRPr/>
           </a:p>
           <a:p>
-            <a:pPr indent="-342900" lvl="0" marL="457200" rtl="0" algn="l">
-              <a:spcBef>
-                <a:spcPts val="0"/>
-              </a:spcBef>
-              <a:spcAft>
-                <a:spcPts val="0"/>
-              </a:spcAft>
-              <a:buSzPts val="1800"/>
-              <a:buChar char="●"/>
-            </a:pPr>
             <a:r>
               <a:rPr lang="en"/>
               <a:t>클래스 변수는 이 ‘생성자’ 함수에서 선언합니다. </a:t>
@@ -10469,7 +10235,7 @@
         </p:blipFill>
         <p:spPr>
           <a:xfrm>
-            <a:off x="5298488" y="1627338"/>
+            <a:off x="6822489" y="1627339"/>
             <a:ext cx="3724275" cy="4105275"/>
           </a:xfrm>
           <a:prstGeom prst="rect">
@@ -10490,11 +10256,11 @@
 </file>
 
 <file path=ppt/slides/slide7.xml><?xml version="1.0" encoding="utf-8"?>
-<p:sld xmlns:a="http://schemas.openxmlformats.org/drawingml/2006/main" xmlns:r="http://schemas.openxmlformats.org/officeDocument/2006/relationships" xmlns:mc="http://schemas.openxmlformats.org/markup-compatibility/2006" xmlns:mv="urn:schemas-microsoft-com:mac:vml" xmlns:p="http://schemas.openxmlformats.org/presentationml/2006/main" xmlns:c="http://schemas.openxmlformats.org/drawingml/2006/chart" xmlns:dgm="http://schemas.openxmlformats.org/drawingml/2006/diagram" xmlns:o="urn:schemas-microsoft-com:office:office" xmlns:v="urn:schemas-microsoft-com:vml" xmlns:pvml="urn:schemas-microsoft-com:office:powerpoint" xmlns:com="http://schemas.openxmlformats.org/drawingml/2006/compatibility" xmlns:p14="http://schemas.microsoft.com/office/powerpoint/2010/main" xmlns:p15="http://schemas.microsoft.com/office/powerpoint/2012/main" xmlns:ahyp="http://schemas.microsoft.com/office/drawing/2018/hyperlinkcolor">
+<p:sld xmlns:a="http://schemas.openxmlformats.org/drawingml/2006/main" xmlns:r="http://schemas.openxmlformats.org/officeDocument/2006/relationships" xmlns:p="http://schemas.openxmlformats.org/presentationml/2006/main">
   <p:cSld>
     <p:spTree>
       <p:nvGrpSpPr>
-        <p:cNvPr id="141" name="Shape 141"/>
+        <p:cNvPr id="1" name="Shape 141"/>
         <p:cNvGrpSpPr/>
         <p:nvPr/>
       </p:nvGrpSpPr>
@@ -10509,14 +10275,16 @@
       <p:sp>
         <p:nvSpPr>
           <p:cNvPr id="142" name="Google Shape;142;p19"/>
-          <p:cNvSpPr txBox="1"/>
+          <p:cNvSpPr txBox="1">
+            <a:spLocks noGrp="1"/>
+          </p:cNvSpPr>
           <p:nvPr>
             <p:ph type="title"/>
           </p:nvPr>
         </p:nvSpPr>
         <p:spPr>
           <a:xfrm>
-            <a:off x="311700" y="593367"/>
+            <a:off x="1835700" y="593367"/>
             <a:ext cx="8520600" cy="763500"/>
           </a:xfrm>
           <a:prstGeom prst="rect">
@@ -10524,22 +10292,13 @@
           </a:prstGeom>
         </p:spPr>
         <p:txBody>
-          <a:bodyPr anchorCtr="0" anchor="t" bIns="91425" lIns="91425" spcFirstLastPara="1" rIns="91425" wrap="square" tIns="91425">
+          <a:bodyPr spcFirstLastPara="1" wrap="square" lIns="91425" tIns="91425" rIns="91425" bIns="91425" anchor="t" anchorCtr="0">
             <a:normAutofit/>
           </a:bodyPr>
           <a:lstStyle/>
           <a:p>
-            <a:pPr indent="0" lvl="0" marL="0" rtl="0" algn="l">
-              <a:spcBef>
-                <a:spcPts val="0"/>
-              </a:spcBef>
-              <a:spcAft>
-                <a:spcPts val="0"/>
-              </a:spcAft>
-              <a:buNone/>
-            </a:pPr>
-            <a:r>
-              <a:rPr b="1" lang="en"/>
+            <a:r>
+              <a:rPr lang="en" b="1"/>
               <a:t>생성자 함수가 있는 클래스 복제하기 </a:t>
             </a:r>
             <a:endParaRPr b="1"/>
@@ -10549,14 +10308,16 @@
       <p:sp>
         <p:nvSpPr>
           <p:cNvPr id="143" name="Google Shape;143;p19"/>
-          <p:cNvSpPr txBox="1"/>
+          <p:cNvSpPr txBox="1">
+            <a:spLocks noGrp="1"/>
+          </p:cNvSpPr>
           <p:nvPr>
-            <p:ph idx="1" type="body"/>
+            <p:ph type="body" idx="1"/>
           </p:nvPr>
         </p:nvSpPr>
         <p:spPr>
           <a:xfrm>
-            <a:off x="311700" y="1536633"/>
+            <a:off x="1835700" y="1536633"/>
             <a:ext cx="8520600" cy="4555200"/>
           </a:xfrm>
           <a:prstGeom prst="rect">
@@ -10564,21 +10325,11 @@
           </a:prstGeom>
         </p:spPr>
         <p:txBody>
-          <a:bodyPr anchorCtr="0" anchor="t" bIns="91425" lIns="91425" spcFirstLastPara="1" rIns="91425" wrap="square" tIns="91425">
+          <a:bodyPr spcFirstLastPara="1" wrap="square" lIns="91425" tIns="91425" rIns="91425" bIns="91425" anchor="t" anchorCtr="0">
             <a:normAutofit/>
           </a:bodyPr>
           <a:lstStyle/>
           <a:p>
-            <a:pPr indent="-342900" lvl="0" marL="457200" rtl="0" algn="l">
-              <a:spcBef>
-                <a:spcPts val="0"/>
-              </a:spcBef>
-              <a:spcAft>
-                <a:spcPts val="0"/>
-              </a:spcAft>
-              <a:buSzPts val="1800"/>
-              <a:buChar char="●"/>
-            </a:pPr>
             <a:r>
               <a:rPr lang="en"/>
               <a:t>생성자 함수가 있는 클래스를 복제해 보겠습니다. </a:t>
@@ -10586,13 +10337,10 @@
             <a:endParaRPr/>
           </a:p>
           <a:p>
-            <a:pPr indent="0" lvl="0" marL="0" rtl="0" algn="l">
+            <a:pPr marL="0" indent="0">
               <a:spcBef>
                 <a:spcPts val="1200"/>
               </a:spcBef>
-              <a:spcAft>
-                <a:spcPts val="0"/>
-              </a:spcAft>
               <a:buNone/>
             </a:pPr>
             <a:r>
@@ -10610,13 +10358,10 @@
             </a:endParaRPr>
           </a:p>
           <a:p>
-            <a:pPr indent="457200" lvl="0" marL="0" rtl="0" algn="l">
+            <a:pPr marL="0" indent="457200">
               <a:spcBef>
                 <a:spcPts val="1200"/>
               </a:spcBef>
-              <a:spcAft>
-                <a:spcPts val="0"/>
-              </a:spcAft>
               <a:buNone/>
             </a:pPr>
             <a:r>
@@ -10634,13 +10379,10 @@
             </a:endParaRPr>
           </a:p>
           <a:p>
-            <a:pPr indent="457200" lvl="0" marL="457200" rtl="0" algn="l">
+            <a:pPr indent="457200">
               <a:spcBef>
                 <a:spcPts val="1200"/>
               </a:spcBef>
-              <a:spcAft>
-                <a:spcPts val="0"/>
-              </a:spcAft>
               <a:buNone/>
             </a:pPr>
             <a:r>
@@ -10658,13 +10400,10 @@
             </a:endParaRPr>
           </a:p>
           <a:p>
-            <a:pPr indent="457200" lvl="0" marL="457200" rtl="0" algn="l">
+            <a:pPr indent="457200">
               <a:spcBef>
                 <a:spcPts val="1200"/>
               </a:spcBef>
-              <a:spcAft>
-                <a:spcPts val="0"/>
-              </a:spcAft>
               <a:buNone/>
             </a:pPr>
             <a:r>
@@ -10682,13 +10421,10 @@
             </a:endParaRPr>
           </a:p>
           <a:p>
-            <a:pPr indent="0" lvl="0" marL="0" rtl="0" algn="l">
+            <a:pPr marL="0" indent="0">
               <a:spcBef>
                 <a:spcPts val="1200"/>
               </a:spcBef>
-              <a:spcAft>
-                <a:spcPts val="0"/>
-              </a:spcAft>
               <a:buNone/>
             </a:pPr>
             <a:r>
@@ -10718,15 +10454,10 @@
             <a:endParaRPr/>
           </a:p>
           <a:p>
-            <a:pPr indent="-342900" lvl="0" marL="457200" rtl="0" algn="l">
+            <a:pPr>
               <a:spcBef>
                 <a:spcPts val="1200"/>
               </a:spcBef>
-              <a:spcAft>
-                <a:spcPts val="0"/>
-              </a:spcAft>
-              <a:buSzPts val="1800"/>
-              <a:buChar char="●"/>
             </a:pPr>
             <a:r>
               <a:rPr lang="en"/>
@@ -10735,16 +10466,6 @@
             <a:endParaRPr/>
           </a:p>
           <a:p>
-            <a:pPr indent="-342900" lvl="0" marL="457200" rtl="0" algn="l">
-              <a:spcBef>
-                <a:spcPts val="0"/>
-              </a:spcBef>
-              <a:spcAft>
-                <a:spcPts val="0"/>
-              </a:spcAft>
-              <a:buSzPts val="1800"/>
-              <a:buChar char="●"/>
-            </a:pPr>
             <a:r>
               <a:rPr lang="en"/>
               <a:t>‘self’는  blue_enemy 자기 자신이 __init__() 함수로 전달이 되기 때문입니다. </a:t>
@@ -10752,16 +10473,6 @@
             <a:endParaRPr/>
           </a:p>
           <a:p>
-            <a:pPr indent="-342900" lvl="0" marL="457200" rtl="0" algn="l">
-              <a:spcBef>
-                <a:spcPts val="0"/>
-              </a:spcBef>
-              <a:spcAft>
-                <a:spcPts val="0"/>
-              </a:spcAft>
-              <a:buSzPts val="1800"/>
-              <a:buChar char="●"/>
-            </a:pPr>
             <a:r>
               <a:rPr lang="en"/>
               <a:t>클래스 변수는 꼭 앞에 ‘self’를 붙입니다. 클래스 전체에서 사용이 가능합니다.  </a:t>
@@ -10779,11 +10490,11 @@
 </file>
 
 <file path=ppt/slides/slide8.xml><?xml version="1.0" encoding="utf-8"?>
-<p:sld xmlns:a="http://schemas.openxmlformats.org/drawingml/2006/main" xmlns:r="http://schemas.openxmlformats.org/officeDocument/2006/relationships" xmlns:mc="http://schemas.openxmlformats.org/markup-compatibility/2006" xmlns:mv="urn:schemas-microsoft-com:mac:vml" xmlns:p="http://schemas.openxmlformats.org/presentationml/2006/main" xmlns:c="http://schemas.openxmlformats.org/drawingml/2006/chart" xmlns:dgm="http://schemas.openxmlformats.org/drawingml/2006/diagram" xmlns:o="urn:schemas-microsoft-com:office:office" xmlns:v="urn:schemas-microsoft-com:vml" xmlns:pvml="urn:schemas-microsoft-com:office:powerpoint" xmlns:com="http://schemas.openxmlformats.org/drawingml/2006/compatibility" xmlns:p14="http://schemas.microsoft.com/office/powerpoint/2010/main" xmlns:p15="http://schemas.microsoft.com/office/powerpoint/2012/main" xmlns:ahyp="http://schemas.microsoft.com/office/drawing/2018/hyperlinkcolor">
+<p:sld xmlns:a="http://schemas.openxmlformats.org/drawingml/2006/main" xmlns:r="http://schemas.openxmlformats.org/officeDocument/2006/relationships" xmlns:p="http://schemas.openxmlformats.org/presentationml/2006/main">
   <p:cSld>
     <p:spTree>
       <p:nvGrpSpPr>
-        <p:cNvPr id="147" name="Shape 147"/>
+        <p:cNvPr id="1" name="Shape 147"/>
         <p:cNvGrpSpPr/>
         <p:nvPr/>
       </p:nvGrpSpPr>
@@ -10798,14 +10509,16 @@
       <p:sp>
         <p:nvSpPr>
           <p:cNvPr id="148" name="Google Shape;148;p20"/>
-          <p:cNvSpPr txBox="1"/>
+          <p:cNvSpPr txBox="1">
+            <a:spLocks noGrp="1"/>
+          </p:cNvSpPr>
           <p:nvPr>
             <p:ph type="title"/>
           </p:nvPr>
         </p:nvSpPr>
         <p:spPr>
           <a:xfrm>
-            <a:off x="311700" y="593367"/>
+            <a:off x="1835700" y="593367"/>
             <a:ext cx="8520600" cy="763500"/>
           </a:xfrm>
           <a:prstGeom prst="rect">
@@ -10813,22 +10526,13 @@
           </a:prstGeom>
         </p:spPr>
         <p:txBody>
-          <a:bodyPr anchorCtr="0" anchor="t" bIns="91425" lIns="91425" spcFirstLastPara="1" rIns="91425" wrap="square" tIns="91425">
+          <a:bodyPr spcFirstLastPara="1" wrap="square" lIns="91425" tIns="91425" rIns="91425" bIns="91425" anchor="t" anchorCtr="0">
             <a:normAutofit/>
           </a:bodyPr>
           <a:lstStyle/>
           <a:p>
-            <a:pPr indent="0" lvl="0" marL="0" rtl="0" algn="l">
-              <a:spcBef>
-                <a:spcPts val="0"/>
-              </a:spcBef>
-              <a:spcAft>
-                <a:spcPts val="0"/>
-              </a:spcAft>
-              <a:buNone/>
-            </a:pPr>
-            <a:r>
-              <a:rPr b="1" lang="en"/>
+            <a:r>
+              <a:rPr lang="en" b="1"/>
               <a:t>클래스에 클래스 함수 추가 </a:t>
             </a:r>
             <a:endParaRPr b="1"/>
@@ -10838,14 +10542,16 @@
       <p:sp>
         <p:nvSpPr>
           <p:cNvPr id="149" name="Google Shape;149;p20"/>
-          <p:cNvSpPr txBox="1"/>
+          <p:cNvSpPr txBox="1">
+            <a:spLocks noGrp="1"/>
+          </p:cNvSpPr>
           <p:nvPr>
-            <p:ph idx="1" type="body"/>
+            <p:ph type="body" idx="1"/>
           </p:nvPr>
         </p:nvSpPr>
         <p:spPr>
           <a:xfrm>
-            <a:off x="311700" y="1536633"/>
+            <a:off x="1835700" y="1536633"/>
             <a:ext cx="8520600" cy="4555200"/>
           </a:xfrm>
           <a:prstGeom prst="rect">
@@ -10853,21 +10559,11 @@
           </a:prstGeom>
         </p:spPr>
         <p:txBody>
-          <a:bodyPr anchorCtr="0" anchor="t" bIns="91425" lIns="91425" spcFirstLastPara="1" rIns="91425" wrap="square" tIns="91425">
-            <a:normAutofit/>
+          <a:bodyPr spcFirstLastPara="1" wrap="square" lIns="91425" tIns="91425" rIns="91425" bIns="91425" anchor="t" anchorCtr="0">
+            <a:normAutofit lnSpcReduction="10000"/>
           </a:bodyPr>
           <a:lstStyle/>
           <a:p>
-            <a:pPr indent="-342900" lvl="0" marL="457200" rtl="0" algn="l">
-              <a:spcBef>
-                <a:spcPts val="0"/>
-              </a:spcBef>
-              <a:spcAft>
-                <a:spcPts val="0"/>
-              </a:spcAft>
-              <a:buSzPts val="1800"/>
-              <a:buChar char="●"/>
-            </a:pPr>
             <a:r>
               <a:rPr lang="en"/>
               <a:t>클래스에 생성자 함수 외에 추가로 클래스 함수를 추가할 수 있습니다. </a:t>
@@ -10875,13 +10571,10 @@
             <a:endParaRPr/>
           </a:p>
           <a:p>
-            <a:pPr indent="0" lvl="0" marL="0" rtl="0" algn="l">
+            <a:pPr marL="0" indent="0">
               <a:spcBef>
                 <a:spcPts val="1200"/>
               </a:spcBef>
-              <a:spcAft>
-                <a:spcPts val="0"/>
-              </a:spcAft>
               <a:buNone/>
             </a:pPr>
             <a:r>
@@ -10899,13 +10592,10 @@
             </a:endParaRPr>
           </a:p>
           <a:p>
-            <a:pPr indent="457200" lvl="0" marL="0" rtl="0" algn="l">
+            <a:pPr marL="0" indent="457200">
               <a:spcBef>
                 <a:spcPts val="1200"/>
               </a:spcBef>
-              <a:spcAft>
-                <a:spcPts val="0"/>
-              </a:spcAft>
               <a:buNone/>
             </a:pPr>
             <a:r>
@@ -10923,13 +10613,10 @@
             </a:endParaRPr>
           </a:p>
           <a:p>
-            <a:pPr indent="457200" lvl="0" marL="457200" rtl="0" algn="l">
+            <a:pPr indent="457200">
               <a:spcBef>
                 <a:spcPts val="1200"/>
               </a:spcBef>
-              <a:spcAft>
-                <a:spcPts val="0"/>
-              </a:spcAft>
               <a:buNone/>
             </a:pPr>
             <a:r>
@@ -10947,13 +10634,10 @@
             </a:endParaRPr>
           </a:p>
           <a:p>
-            <a:pPr indent="457200" lvl="0" marL="457200" rtl="0" algn="l">
+            <a:pPr indent="457200">
               <a:spcBef>
                 <a:spcPts val="1200"/>
               </a:spcBef>
-              <a:spcAft>
-                <a:spcPts val="0"/>
-              </a:spcAft>
               <a:buNone/>
             </a:pPr>
             <a:r>
@@ -10971,17 +10655,14 @@
             </a:endParaRPr>
           </a:p>
           <a:p>
-            <a:pPr indent="0" lvl="0" marL="457200" rtl="0" algn="l">
+            <a:pPr indent="0">
               <a:spcBef>
                 <a:spcPts val="1200"/>
               </a:spcBef>
-              <a:spcAft>
-                <a:spcPts val="0"/>
-              </a:spcAft>
               <a:buNone/>
             </a:pPr>
             <a:r>
-              <a:rPr b="1" lang="en">
+              <a:rPr lang="en" b="1">
                 <a:solidFill>
                   <a:srgbClr val="0000FF"/>
                 </a:solidFill>
@@ -10995,17 +10676,14 @@
             </a:endParaRPr>
           </a:p>
           <a:p>
-            <a:pPr indent="0" lvl="0" marL="457200" rtl="0" algn="l">
+            <a:pPr indent="0">
               <a:spcBef>
                 <a:spcPts val="1200"/>
               </a:spcBef>
-              <a:spcAft>
-                <a:spcPts val="0"/>
-              </a:spcAft>
               <a:buNone/>
             </a:pPr>
             <a:r>
-              <a:rPr b="1" lang="en">
+              <a:rPr lang="en" b="1">
                 <a:solidFill>
                   <a:srgbClr val="0000FF"/>
                 </a:solidFill>
@@ -11019,13 +10697,10 @@
             </a:endParaRPr>
           </a:p>
           <a:p>
-            <a:pPr indent="0" lvl="0" marL="0" rtl="0" algn="l">
+            <a:pPr marL="0" indent="0">
               <a:spcBef>
                 <a:spcPts val="1200"/>
               </a:spcBef>
-              <a:spcAft>
-                <a:spcPts val="0"/>
-              </a:spcAft>
               <a:buNone/>
             </a:pPr>
             <a:r>
@@ -11055,15 +10730,10 @@
             <a:endParaRPr/>
           </a:p>
           <a:p>
-            <a:pPr indent="-342900" lvl="0" marL="457200" rtl="0" algn="l">
+            <a:pPr>
               <a:spcBef>
                 <a:spcPts val="1200"/>
               </a:spcBef>
-              <a:spcAft>
-                <a:spcPts val="0"/>
-              </a:spcAft>
-              <a:buSzPts val="1800"/>
-              <a:buChar char="●"/>
             </a:pPr>
             <a:r>
               <a:rPr lang="en"/>
@@ -11082,11 +10752,11 @@
 </file>
 
 <file path=ppt/slides/slide9.xml><?xml version="1.0" encoding="utf-8"?>
-<p:sld xmlns:a="http://schemas.openxmlformats.org/drawingml/2006/main" xmlns:r="http://schemas.openxmlformats.org/officeDocument/2006/relationships" xmlns:mc="http://schemas.openxmlformats.org/markup-compatibility/2006" xmlns:mv="urn:schemas-microsoft-com:mac:vml" xmlns:p="http://schemas.openxmlformats.org/presentationml/2006/main" xmlns:c="http://schemas.openxmlformats.org/drawingml/2006/chart" xmlns:dgm="http://schemas.openxmlformats.org/drawingml/2006/diagram" xmlns:o="urn:schemas-microsoft-com:office:office" xmlns:v="urn:schemas-microsoft-com:vml" xmlns:pvml="urn:schemas-microsoft-com:office:powerpoint" xmlns:com="http://schemas.openxmlformats.org/drawingml/2006/compatibility" xmlns:p14="http://schemas.microsoft.com/office/powerpoint/2010/main" xmlns:p15="http://schemas.microsoft.com/office/powerpoint/2012/main" xmlns:ahyp="http://schemas.microsoft.com/office/drawing/2018/hyperlinkcolor">
+<p:sld xmlns:a="http://schemas.openxmlformats.org/drawingml/2006/main" xmlns:r="http://schemas.openxmlformats.org/officeDocument/2006/relationships" xmlns:p="http://schemas.openxmlformats.org/presentationml/2006/main">
   <p:cSld>
     <p:spTree>
       <p:nvGrpSpPr>
-        <p:cNvPr id="153" name="Shape 153"/>
+        <p:cNvPr id="1" name="Shape 153"/>
         <p:cNvGrpSpPr/>
         <p:nvPr/>
       </p:nvGrpSpPr>
@@ -11101,14 +10771,16 @@
       <p:sp>
         <p:nvSpPr>
           <p:cNvPr id="154" name="Google Shape;154;p21"/>
-          <p:cNvSpPr txBox="1"/>
+          <p:cNvSpPr txBox="1">
+            <a:spLocks noGrp="1"/>
+          </p:cNvSpPr>
           <p:nvPr>
             <p:ph type="title"/>
           </p:nvPr>
         </p:nvSpPr>
         <p:spPr>
           <a:xfrm>
-            <a:off x="311700" y="593367"/>
+            <a:off x="1835700" y="593367"/>
             <a:ext cx="8520600" cy="763500"/>
           </a:xfrm>
           <a:prstGeom prst="rect">
@@ -11116,22 +10788,13 @@
           </a:prstGeom>
         </p:spPr>
         <p:txBody>
-          <a:bodyPr anchorCtr="0" anchor="t" bIns="91425" lIns="91425" spcFirstLastPara="1" rIns="91425" wrap="square" tIns="91425">
+          <a:bodyPr spcFirstLastPara="1" wrap="square" lIns="91425" tIns="91425" rIns="91425" bIns="91425" anchor="t" anchorCtr="0">
             <a:normAutofit/>
           </a:bodyPr>
           <a:lstStyle/>
           <a:p>
-            <a:pPr indent="0" lvl="0" marL="0" rtl="0" algn="l">
-              <a:spcBef>
-                <a:spcPts val="0"/>
-              </a:spcBef>
-              <a:spcAft>
-                <a:spcPts val="0"/>
-              </a:spcAft>
-              <a:buNone/>
-            </a:pPr>
-            <a:r>
-              <a:rPr b="1" lang="en"/>
+            <a:r>
+              <a:rPr lang="en" b="1"/>
               <a:t>클래스 함수 사용하기 </a:t>
             </a:r>
             <a:endParaRPr b="1"/>
@@ -11141,14 +10804,16 @@
       <p:sp>
         <p:nvSpPr>
           <p:cNvPr id="155" name="Google Shape;155;p21"/>
-          <p:cNvSpPr txBox="1"/>
+          <p:cNvSpPr txBox="1">
+            <a:spLocks noGrp="1"/>
+          </p:cNvSpPr>
           <p:nvPr>
-            <p:ph idx="1" type="body"/>
+            <p:ph type="body" idx="1"/>
           </p:nvPr>
         </p:nvSpPr>
         <p:spPr>
           <a:xfrm>
-            <a:off x="311700" y="1536633"/>
+            <a:off x="1835700" y="1536633"/>
             <a:ext cx="8520600" cy="4555200"/>
           </a:xfrm>
           <a:prstGeom prst="rect">
@@ -11156,21 +10821,11 @@
           </a:prstGeom>
         </p:spPr>
         <p:txBody>
-          <a:bodyPr anchorCtr="0" anchor="t" bIns="91425" lIns="91425" spcFirstLastPara="1" rIns="91425" wrap="square" tIns="91425">
+          <a:bodyPr spcFirstLastPara="1" wrap="square" lIns="91425" tIns="91425" rIns="91425" bIns="91425" anchor="t" anchorCtr="0">
             <a:normAutofit/>
           </a:bodyPr>
           <a:lstStyle/>
           <a:p>
-            <a:pPr indent="-342900" lvl="0" marL="457200" rtl="0" algn="l">
-              <a:spcBef>
-                <a:spcPts val="0"/>
-              </a:spcBef>
-              <a:spcAft>
-                <a:spcPts val="0"/>
-              </a:spcAft>
-              <a:buSzPts val="1800"/>
-              <a:buChar char="●"/>
-            </a:pPr>
             <a:r>
               <a:rPr lang="en"/>
               <a:t>새로 만든 클래스 함수를 객체에서 사용해 봅니다.</a:t>
@@ -11178,13 +10833,10 @@
             <a:endParaRPr/>
           </a:p>
           <a:p>
-            <a:pPr indent="0" lvl="0" marL="0" rtl="0" algn="l">
+            <a:pPr marL="0" indent="0">
               <a:spcBef>
                 <a:spcPts val="1200"/>
               </a:spcBef>
-              <a:spcAft>
-                <a:spcPts val="0"/>
-              </a:spcAft>
               <a:buNone/>
             </a:pPr>
             <a:r>
@@ -11202,13 +10854,10 @@
             </a:endParaRPr>
           </a:p>
           <a:p>
-            <a:pPr indent="457200" lvl="0" marL="0" rtl="0" algn="l">
+            <a:pPr marL="0" indent="457200">
               <a:spcBef>
                 <a:spcPts val="1200"/>
               </a:spcBef>
-              <a:spcAft>
-                <a:spcPts val="0"/>
-              </a:spcAft>
               <a:buNone/>
             </a:pPr>
             <a:r>
@@ -11226,13 +10875,10 @@
             </a:endParaRPr>
           </a:p>
           <a:p>
-            <a:pPr indent="457200" lvl="0" marL="457200" rtl="0" algn="l">
+            <a:pPr indent="457200">
               <a:spcBef>
                 <a:spcPts val="1200"/>
               </a:spcBef>
-              <a:spcAft>
-                <a:spcPts val="0"/>
-              </a:spcAft>
               <a:buNone/>
             </a:pPr>
             <a:r>
@@ -11250,13 +10896,10 @@
             </a:endParaRPr>
           </a:p>
           <a:p>
-            <a:pPr indent="457200" lvl="0" marL="457200" rtl="0" algn="l">
+            <a:pPr indent="457200">
               <a:spcBef>
                 <a:spcPts val="1200"/>
               </a:spcBef>
-              <a:spcAft>
-                <a:spcPts val="0"/>
-              </a:spcAft>
               <a:buNone/>
             </a:pPr>
             <a:r>
@@ -11274,13 +10917,10 @@
             </a:endParaRPr>
           </a:p>
           <a:p>
-            <a:pPr indent="0" lvl="0" marL="457200" rtl="0" algn="l">
+            <a:pPr indent="0">
               <a:spcBef>
                 <a:spcPts val="1200"/>
               </a:spcBef>
-              <a:spcAft>
-                <a:spcPts val="0"/>
-              </a:spcAft>
               <a:buNone/>
             </a:pPr>
             <a:r>
@@ -11298,13 +10938,10 @@
             </a:endParaRPr>
           </a:p>
           <a:p>
-            <a:pPr indent="0" lvl="0" marL="457200" rtl="0" algn="l">
+            <a:pPr indent="0">
               <a:spcBef>
                 <a:spcPts val="1200"/>
               </a:spcBef>
-              <a:spcAft>
-                <a:spcPts val="0"/>
-              </a:spcAft>
               <a:buNone/>
             </a:pPr>
             <a:r>
@@ -11316,7 +10953,7 @@
               <a:t>	return self.x, self.y</a:t>
             </a:r>
             <a:r>
-              <a:rPr b="1" lang="en">
+              <a:rPr lang="en" b="1">
                 <a:solidFill>
                   <a:srgbClr val="0000FF"/>
                 </a:solidFill>
@@ -11330,13 +10967,10 @@
             </a:endParaRPr>
           </a:p>
           <a:p>
-            <a:pPr indent="0" lvl="0" marL="0" rtl="0" algn="l">
+            <a:pPr marL="0" indent="0">
               <a:spcBef>
                 <a:spcPts val="1200"/>
               </a:spcBef>
-              <a:spcAft>
-                <a:spcPts val="0"/>
-              </a:spcAft>
               <a:buNone/>
             </a:pPr>
             <a:r>
@@ -11361,16 +10995,12 @@
             </a:r>
             <a:r>
               <a:rPr lang="en"/>
-              <a:t> </a:t>
-            </a:r>
-            <a:r>
-              <a:rPr lang="en"/>
-              <a:t> </a:t>
+              <a:t>  </a:t>
             </a:r>
             <a:endParaRPr/>
           </a:p>
           <a:p>
-            <a:pPr indent="0" lvl="0" marL="0" rtl="0" algn="l">
+            <a:pPr marL="0" indent="0">
               <a:spcBef>
                 <a:spcPts val="1200"/>
               </a:spcBef>
@@ -11380,20 +11010,12 @@
               <a:buNone/>
             </a:pPr>
             <a:r>
-              <a:rPr b="1" lang="en">
+              <a:rPr lang="en" b="1">
                 <a:solidFill>
                   <a:srgbClr val="0000FF"/>
                 </a:solidFill>
               </a:rPr>
-              <a:t>print(</a:t>
-            </a:r>
-            <a:r>
-              <a:rPr b="1" lang="en">
-                <a:solidFill>
-                  <a:srgbClr val="0000FF"/>
-                </a:solidFill>
-              </a:rPr>
-              <a:t>blue_enemy.get_position())</a:t>
+              <a:t>print(blue_enemy.get_position())</a:t>
             </a:r>
             <a:endParaRPr b="1">
               <a:solidFill>
@@ -11412,7 +11034,7 @@
 </file>
 
 <file path=ppt/theme/theme1.xml><?xml version="1.0" encoding="utf-8"?>
-<a:theme xmlns:a="http://schemas.openxmlformats.org/drawingml/2006/main" xmlns:r="http://schemas.openxmlformats.org/officeDocument/2006/relationships" name="Simple Light">
+<a:theme xmlns:a="http://schemas.openxmlformats.org/drawingml/2006/main" name="Simple Light">
   <a:themeElements>
     <a:clrScheme name="Simple Light">
       <a:dk1>
@@ -11687,11 +11309,13 @@
       </a:bgFillStyleLst>
     </a:fmtScheme>
   </a:themeElements>
+  <a:objectDefaults/>
+  <a:extraClrSchemeLst/>
 </a:theme>
 </file>
 
 <file path=ppt/theme/theme2.xml><?xml version="1.0" encoding="utf-8"?>
-<a:theme xmlns:a="http://schemas.openxmlformats.org/drawingml/2006/main" xmlns:r="http://schemas.openxmlformats.org/officeDocument/2006/relationships">
+<a:theme xmlns:a="http://schemas.openxmlformats.org/drawingml/2006/main">
   <a:themeElements>
     <a:clrScheme name="Default">
       <a:dk1>
@@ -11966,5 +11590,7 @@
       </a:bgFillStyleLst>
     </a:fmtScheme>
   </a:themeElements>
+  <a:objectDefaults/>
+  <a:extraClrSchemeLst/>
 </a:theme>
 </file>